--- a/spring13/slides13/prob-bayes.pptx
+++ b/spring13/slides13/prob-bayes.pptx
@@ -5,10 +5,10 @@
     <p:sldMasterId id="2147483649" r:id="rId1"/>
   </p:sldMasterIdLst>
   <p:notesMasterIdLst>
-    <p:notesMasterId r:id="rId26"/>
+    <p:notesMasterId r:id="rId29"/>
   </p:notesMasterIdLst>
   <p:handoutMasterIdLst>
-    <p:handoutMasterId r:id="rId27"/>
+    <p:handoutMasterId r:id="rId30"/>
   </p:handoutMasterIdLst>
   <p:sldIdLst>
     <p:sldId id="306" r:id="rId2"/>
@@ -35,11 +35,14 @@
     <p:sldId id="418" r:id="rId23"/>
     <p:sldId id="419" r:id="rId24"/>
     <p:sldId id="416" r:id="rId25"/>
+    <p:sldId id="436" r:id="rId26"/>
+    <p:sldId id="437" r:id="rId27"/>
+    <p:sldId id="438" r:id="rId28"/>
   </p:sldIdLst>
   <p:sldSz cx="9144000" cy="6858000" type="screen4x3"/>
   <p:notesSz cx="9601200" cy="7315200"/>
   <p:custDataLst>
-    <p:tags r:id="rId29"/>
+    <p:tags r:id="rId32"/>
   </p:custDataLst>
   <p:defaultTextStyle>
     <a:defPPr>
@@ -4377,11 +4380,11 @@
   <p:clrMapOvr>
     <a:masterClrMapping/>
   </p:clrMapOvr>
-  <mc:AlternateContent xmlns:mc="http://schemas.openxmlformats.org/markup-compatibility/2006">
-    <mc:Choice xmlns:p14="http://schemas.microsoft.com/office/powerpoint/2010/main" Requires="p14">
+  <mc:AlternateContent xmlns:mc="http://schemas.openxmlformats.org/markup-compatibility/2006" xmlns:p14="http://schemas.microsoft.com/office/powerpoint/2010/main">
+    <mc:Choice Requires="p14">
       <p:transition p14:dur="0" advClick="0"/>
     </mc:Choice>
-    <mc:Fallback>
+    <mc:Fallback xmlns="">
       <p:transition xmlns:p14="http://schemas.microsoft.com/office/powerpoint/2010/main" advClick="0"/>
     </mc:Fallback>
   </mc:AlternateContent>
@@ -4644,7 +4647,7 @@
           <a:graphicData uri="http://schemas.openxmlformats.org/presentationml/2006/ole">
             <mc:AlternateContent xmlns:mc="http://schemas.openxmlformats.org/markup-compatibility/2006">
               <mc:Choice xmlns:v="urn:schemas-microsoft-com:vml" Requires="v">
-                <p:oleObj spid="_x0000_s373777" name="Equation" r:id="rId4" imgW="1727200" imgH="495300" progId="Equation.DSMT4">
+                <p:oleObj spid="_x0000_s373782" name="Equation" r:id="rId4" imgW="1727200" imgH="495300" progId="Equation.DSMT4">
                   <p:embed/>
                 </p:oleObj>
               </mc:Choice>
@@ -4709,11 +4712,6 @@
               </a:rPr>
               <a:t>Do you have TB?</a:t>
             </a:r>
-            <a:endParaRPr lang="en-US" sz="4800" dirty="0" smtClean="0">
-              <a:solidFill>
-                <a:schemeClr val="tx1"/>
-              </a:solidFill>
-            </a:endParaRPr>
           </a:p>
         </p:txBody>
       </p:sp>
@@ -4739,7 +4737,7 @@
           <a:graphicData uri="http://schemas.openxmlformats.org/presentationml/2006/ole">
             <mc:AlternateContent xmlns:mc="http://schemas.openxmlformats.org/markup-compatibility/2006">
               <mc:Choice xmlns:v="urn:schemas-microsoft-com:vml" Requires="v">
-                <p:oleObj spid="_x0000_s373778" name="Equation" r:id="rId6" imgW="723900" imgH="495300" progId="Equation.DSMT4">
+                <p:oleObj spid="_x0000_s373783" name="Equation" r:id="rId6" imgW="723900" imgH="495300" progId="Equation.DSMT4">
                   <p:embed/>
                 </p:oleObj>
               </mc:Choice>
@@ -5046,7 +5044,7 @@
           <a:graphicData uri="http://schemas.openxmlformats.org/presentationml/2006/ole">
             <mc:AlternateContent xmlns:mc="http://schemas.openxmlformats.org/markup-compatibility/2006">
               <mc:Choice xmlns:v="urn:schemas-microsoft-com:vml" Requires="v">
-                <p:oleObj spid="_x0000_s354410" name="Equation" r:id="rId4" imgW="2425700" imgH="457200" progId="Equation.DSMT4">
+                <p:oleObj spid="_x0000_s354413" name="Equation" r:id="rId4" imgW="2425700" imgH="457200" progId="Equation.DSMT4">
                   <p:embed/>
                 </p:oleObj>
               </mc:Choice>
@@ -5251,11 +5249,6 @@
               </a:rPr>
               <a:t>You do or you don’t</a:t>
             </a:r>
-            <a:endParaRPr lang="en-US" sz="4400" dirty="0" smtClean="0">
-              <a:solidFill>
-                <a:schemeClr val="tx1"/>
-              </a:solidFill>
-            </a:endParaRPr>
           </a:p>
         </p:txBody>
       </p:sp>
@@ -5429,11 +5422,6 @@
               </a:rPr>
               <a:t>Total Probability Rule</a:t>
             </a:r>
-            <a:endParaRPr lang="en-US" sz="4400" dirty="0" smtClean="0">
-              <a:solidFill>
-                <a:schemeClr val="tx1"/>
-              </a:solidFill>
-            </a:endParaRPr>
           </a:p>
         </p:txBody>
       </p:sp>
@@ -5448,7 +5436,7 @@
     <a:masterClrMapping/>
   </p:clrMapOvr>
   <p:transition xmlns:p14="http://schemas.microsoft.com/office/powerpoint/2010/main" spd="slow" advClick="0">
-    <p:fade/>
+    <p:fade thruBlk="1"/>
   </p:transition>
   <p:timing>
     <p:tnLst>
@@ -5844,7 +5832,7 @@
           <a:graphicData uri="http://schemas.openxmlformats.org/presentationml/2006/ole">
             <mc:AlternateContent xmlns:mc="http://schemas.openxmlformats.org/markup-compatibility/2006">
               <mc:Choice xmlns:v="urn:schemas-microsoft-com:vml" Requires="v">
-                <p:oleObj spid="_x0000_s377867" name="Equation" r:id="rId4" imgW="2425700" imgH="457200" progId="Equation.DSMT4">
+                <p:oleObj spid="_x0000_s377872" name="Equation" r:id="rId4" imgW="2425700" imgH="457200" progId="Equation.DSMT4">
                   <p:embed/>
                 </p:oleObj>
               </mc:Choice>
@@ -5901,7 +5889,7 @@
           <a:graphicData uri="http://schemas.openxmlformats.org/presentationml/2006/ole">
             <mc:AlternateContent xmlns:mc="http://schemas.openxmlformats.org/markup-compatibility/2006">
               <mc:Choice xmlns:v="urn:schemas-microsoft-com:vml" Requires="v">
-                <p:oleObj spid="_x0000_s377868" name="Equation" r:id="rId6" imgW="2032000" imgH="660400" progId="Equation.DSMT4">
+                <p:oleObj spid="_x0000_s377873" name="Equation" r:id="rId6" imgW="2032000" imgH="660400" progId="Equation.DSMT4">
                   <p:embed/>
                 </p:oleObj>
               </mc:Choice>
@@ -6106,11 +6094,6 @@
               </a:rPr>
               <a:t>You do or you don’t</a:t>
             </a:r>
-            <a:endParaRPr lang="en-US" sz="4400" dirty="0" smtClean="0">
-              <a:solidFill>
-                <a:schemeClr val="tx1"/>
-              </a:solidFill>
-            </a:endParaRPr>
           </a:p>
         </p:txBody>
       </p:sp>
@@ -6124,13 +6107,13 @@
   <p:clrMapOvr>
     <a:masterClrMapping/>
   </p:clrMapOvr>
-  <mc:AlternateContent xmlns:mc="http://schemas.openxmlformats.org/markup-compatibility/2006">
-    <mc:Choice xmlns:p14="http://schemas.microsoft.com/office/powerpoint/2010/main" Requires="p14">
+  <mc:AlternateContent xmlns:mc="http://schemas.openxmlformats.org/markup-compatibility/2006" xmlns:p14="http://schemas.microsoft.com/office/powerpoint/2010/main">
+    <mc:Choice Requires="p14">
       <p:transition spd="slow" p14:dur="800" advClick="0">
         <p:fade/>
       </p:transition>
     </mc:Choice>
-    <mc:Fallback>
+    <mc:Fallback xmlns="">
       <p:transition xmlns:p14="http://schemas.microsoft.com/office/powerpoint/2010/main" spd="slow" advClick="0">
         <p:fade/>
       </p:transition>
@@ -6471,7 +6454,7 @@
           <a:graphicData uri="http://schemas.openxmlformats.org/presentationml/2006/ole">
             <mc:AlternateContent xmlns:mc="http://schemas.openxmlformats.org/markup-compatibility/2006">
               <mc:Choice xmlns:v="urn:schemas-microsoft-com:vml" Requires="v">
-                <p:oleObj spid="_x0000_s376843" name="Equation" r:id="rId4" imgW="2425700" imgH="457200" progId="Equation.DSMT4">
+                <p:oleObj spid="_x0000_s376848" name="Equation" r:id="rId4" imgW="2425700" imgH="457200" progId="Equation.DSMT4">
                   <p:embed/>
                 </p:oleObj>
               </mc:Choice>
@@ -6528,7 +6511,7 @@
           <a:graphicData uri="http://schemas.openxmlformats.org/presentationml/2006/ole">
             <mc:AlternateContent xmlns:mc="http://schemas.openxmlformats.org/markup-compatibility/2006">
               <mc:Choice xmlns:v="urn:schemas-microsoft-com:vml" Requires="v">
-                <p:oleObj spid="_x0000_s376844" name="Equation" r:id="rId6" imgW="2006600" imgH="660400" progId="Equation.DSMT4">
+                <p:oleObj spid="_x0000_s376849" name="Equation" r:id="rId6" imgW="2006600" imgH="660400" progId="Equation.DSMT4">
                   <p:embed/>
                 </p:oleObj>
               </mc:Choice>
@@ -6733,11 +6716,6 @@
               </a:rPr>
               <a:t>You do or you don’t</a:t>
             </a:r>
-            <a:endParaRPr lang="en-US" sz="4400" dirty="0" smtClean="0">
-              <a:solidFill>
-                <a:schemeClr val="tx1"/>
-              </a:solidFill>
-            </a:endParaRPr>
           </a:p>
         </p:txBody>
       </p:sp>
@@ -7013,7 +6991,7 @@
           <a:graphicData uri="http://schemas.openxmlformats.org/presentationml/2006/ole">
             <mc:AlternateContent xmlns:mc="http://schemas.openxmlformats.org/markup-compatibility/2006">
               <mc:Choice xmlns:v="urn:schemas-microsoft-com:vml" Requires="v">
-                <p:oleObj spid="_x0000_s375833" name="Equation" r:id="rId4" imgW="2425700" imgH="457200" progId="Equation.DSMT4">
+                <p:oleObj spid="_x0000_s375838" name="Equation" r:id="rId4" imgW="2425700" imgH="457200" progId="Equation.DSMT4">
                   <p:embed/>
                 </p:oleObj>
               </mc:Choice>
@@ -7218,11 +7196,6 @@
               </a:rPr>
               <a:t>Probability of Testing Positive</a:t>
             </a:r>
-            <a:endParaRPr lang="en-US" sz="4000" dirty="0" smtClean="0">
-              <a:solidFill>
-                <a:schemeClr val="tx1"/>
-              </a:solidFill>
-            </a:endParaRPr>
           </a:p>
         </p:txBody>
       </p:sp>
@@ -7248,7 +7221,7 @@
           <a:graphicData uri="http://schemas.openxmlformats.org/presentationml/2006/ole">
             <mc:AlternateContent xmlns:mc="http://schemas.openxmlformats.org/markup-compatibility/2006">
               <mc:Choice xmlns:v="urn:schemas-microsoft-com:vml" Requires="v">
-                <p:oleObj spid="_x0000_s375834" name="Equation" r:id="rId6" imgW="1371600" imgH="469900" progId="Equation.DSMT4">
+                <p:oleObj spid="_x0000_s375839" name="Equation" r:id="rId6" imgW="1371600" imgH="469900" progId="Equation.DSMT4">
                   <p:embed/>
                 </p:oleObj>
               </mc:Choice>
@@ -7293,13 +7266,13 @@
   <p:clrMapOvr>
     <a:masterClrMapping/>
   </p:clrMapOvr>
-  <mc:AlternateContent xmlns:mc="http://schemas.openxmlformats.org/markup-compatibility/2006">
-    <mc:Choice xmlns:p14="http://schemas.microsoft.com/office/powerpoint/2010/main" Requires="p14">
+  <mc:AlternateContent xmlns:mc="http://schemas.openxmlformats.org/markup-compatibility/2006" xmlns:p14="http://schemas.microsoft.com/office/powerpoint/2010/main">
+    <mc:Choice Requires="p14">
       <p:transition spd="slow" p14:dur="800" advClick="0">
         <p:fade/>
       </p:transition>
     </mc:Choice>
-    <mc:Fallback>
+    <mc:Fallback xmlns="">
       <p:transition xmlns:p14="http://schemas.microsoft.com/office/powerpoint/2010/main" spd="slow" advClick="0">
         <p:fade/>
       </p:transition>
@@ -7564,7 +7537,7 @@
           <a:graphicData uri="http://schemas.openxmlformats.org/presentationml/2006/ole">
             <mc:AlternateContent xmlns:mc="http://schemas.openxmlformats.org/markup-compatibility/2006">
               <mc:Choice xmlns:v="urn:schemas-microsoft-com:vml" Requires="v">
-                <p:oleObj spid="_x0000_s362565" name="Equation" r:id="rId4" imgW="1358900" imgH="495300" progId="Equation.DSMT4">
+                <p:oleObj spid="_x0000_s362570" name="Equation" r:id="rId4" imgW="1358900" imgH="495300" progId="Equation.DSMT4">
                   <p:embed/>
                 </p:oleObj>
               </mc:Choice>
@@ -7621,7 +7594,7 @@
           <a:graphicData uri="http://schemas.openxmlformats.org/presentationml/2006/ole">
             <mc:AlternateContent xmlns:mc="http://schemas.openxmlformats.org/markup-compatibility/2006">
               <mc:Choice xmlns:v="urn:schemas-microsoft-com:vml" Requires="v">
-                <p:oleObj spid="_x0000_s362566" name="Equation" r:id="rId6" imgW="1397000" imgH="698500" progId="Equation.DSMT4">
+                <p:oleObj spid="_x0000_s362571" name="Equation" r:id="rId6" imgW="1397000" imgH="698500" progId="Equation.DSMT4">
                   <p:embed/>
                 </p:oleObj>
               </mc:Choice>
@@ -7686,11 +7659,6 @@
               </a:rPr>
               <a:t>Do you have TB?</a:t>
             </a:r>
-            <a:endParaRPr lang="en-US" sz="4800" dirty="0" smtClean="0">
-              <a:solidFill>
-                <a:schemeClr val="tx1"/>
-              </a:solidFill>
-            </a:endParaRPr>
           </a:p>
         </p:txBody>
       </p:sp>
@@ -7705,7 +7673,7 @@
     <a:masterClrMapping/>
   </p:clrMapOvr>
   <p:transition xmlns:p14="http://schemas.microsoft.com/office/powerpoint/2010/main" spd="slow" advClick="0">
-    <p:fade/>
+    <p:fade thruBlk="1"/>
   </p:transition>
   <p:timing>
     <p:tnLst>
@@ -7966,7 +7934,7 @@
           <a:graphicData uri="http://schemas.openxmlformats.org/presentationml/2006/ole">
             <mc:AlternateContent xmlns:mc="http://schemas.openxmlformats.org/markup-compatibility/2006">
               <mc:Choice xmlns:v="urn:schemas-microsoft-com:vml" Requires="v">
-                <p:oleObj spid="_x0000_s379917" name="Equation" r:id="rId4" imgW="1358900" imgH="495300" progId="Equation.DSMT4">
+                <p:oleObj spid="_x0000_s379922" name="Equation" r:id="rId4" imgW="1358900" imgH="495300" progId="Equation.DSMT4">
                   <p:embed/>
                 </p:oleObj>
               </mc:Choice>
@@ -8023,7 +7991,7 @@
           <a:graphicData uri="http://schemas.openxmlformats.org/presentationml/2006/ole">
             <mc:AlternateContent xmlns:mc="http://schemas.openxmlformats.org/markup-compatibility/2006">
               <mc:Choice xmlns:v="urn:schemas-microsoft-com:vml" Requires="v">
-                <p:oleObj spid="_x0000_s379918" name="Equation" r:id="rId6" imgW="1104900" imgH="508000" progId="Equation.DSMT4">
+                <p:oleObj spid="_x0000_s379923" name="Equation" r:id="rId6" imgW="1104900" imgH="508000" progId="Equation.DSMT4">
                   <p:embed/>
                 </p:oleObj>
               </mc:Choice>
@@ -8173,9 +8141,6 @@
               </a:rPr>
               <a:t>?</a:t>
             </a:r>
-            <a:endParaRPr lang="en-US" sz="6000" dirty="0" smtClean="0">
-              <a:latin typeface="+mj-lt"/>
-            </a:endParaRPr>
           </a:p>
         </p:txBody>
       </p:sp>
@@ -8209,11 +8174,6 @@
               </a:rPr>
               <a:t>Do you have TB?</a:t>
             </a:r>
-            <a:endParaRPr lang="en-US" sz="4800" dirty="0" smtClean="0">
-              <a:solidFill>
-                <a:schemeClr val="tx1"/>
-              </a:solidFill>
-            </a:endParaRPr>
           </a:p>
         </p:txBody>
       </p:sp>
@@ -8291,6 +8251,59 @@
                       </p:childTnLst>
                     </p:cTn>
                   </p:par>
+                  <p:par>
+                    <p:cTn id="8" fill="hold">
+                      <p:stCondLst>
+                        <p:cond delay="indefinite"/>
+                      </p:stCondLst>
+                      <p:childTnLst>
+                        <p:par>
+                          <p:cTn id="9" fill="hold">
+                            <p:stCondLst>
+                              <p:cond delay="0"/>
+                            </p:stCondLst>
+                            <p:childTnLst>
+                              <p:par>
+                                <p:cTn id="10" presetID="10" presetClass="entr" presetSubtype="0" fill="hold" grpId="0" nodeType="clickEffect">
+                                  <p:stCondLst>
+                                    <p:cond delay="0"/>
+                                  </p:stCondLst>
+                                  <p:childTnLst>
+                                    <p:set>
+                                      <p:cBhvr>
+                                        <p:cTn id="11" dur="1" fill="hold">
+                                          <p:stCondLst>
+                                            <p:cond delay="0"/>
+                                          </p:stCondLst>
+                                        </p:cTn>
+                                        <p:tgtEl>
+                                          <p:spTgt spid="4"/>
+                                        </p:tgtEl>
+                                        <p:attrNameLst>
+                                          <p:attrName>style.visibility</p:attrName>
+                                        </p:attrNameLst>
+                                      </p:cBhvr>
+                                      <p:to>
+                                        <p:strVal val="visible"/>
+                                      </p:to>
+                                    </p:set>
+                                    <p:animEffect transition="in" filter="fade">
+                                      <p:cBhvr>
+                                        <p:cTn id="12" dur="500"/>
+                                        <p:tgtEl>
+                                          <p:spTgt spid="4"/>
+                                        </p:tgtEl>
+                                      </p:cBhvr>
+                                    </p:animEffect>
+                                  </p:childTnLst>
+                                </p:cTn>
+                              </p:par>
+                            </p:childTnLst>
+                          </p:cTn>
+                        </p:par>
+                      </p:childTnLst>
+                    </p:cTn>
+                  </p:par>
                 </p:childTnLst>
               </p:cTn>
               <p:prevCondLst>
@@ -8314,6 +8327,7 @@
     </p:tnLst>
     <p:bldLst>
       <p:bldP spid="3" grpId="0" animBg="1"/>
+      <p:bldP spid="4" grpId="0"/>
     </p:bldLst>
   </p:timing>
 </p:sld>
@@ -8416,11 +8430,6 @@
               </a:rPr>
               <a:t>reported</a:t>
             </a:r>
-            <a:endParaRPr lang="en-US" sz="4000" dirty="0" smtClean="0">
-              <a:solidFill>
-                <a:schemeClr val="tx1"/>
-              </a:solidFill>
-            </a:endParaRPr>
           </a:p>
         </p:txBody>
       </p:sp>
@@ -8619,13 +8628,7 @@
               <a:rPr lang="en-US" sz="4800" dirty="0" smtClean="0">
                 <a:latin typeface="+mj-lt"/>
               </a:rPr>
-              <a:t>CDC got reports of 11,000 </a:t>
-            </a:r>
-            <a:r>
-              <a:rPr lang="en-US" sz="4800" dirty="0" smtClean="0">
-                <a:latin typeface="+mj-lt"/>
-              </a:rPr>
-              <a:t>cases of TB in US </a:t>
+              <a:t>CDC got reports of 11,000 cases of TB in US </a:t>
             </a:r>
             <a:r>
               <a:rPr lang="en-US" sz="4800" dirty="0" smtClean="0">
@@ -8652,26 +8655,17 @@
               <a:rPr lang="en-US" sz="4800" dirty="0" smtClean="0">
                 <a:latin typeface="+mj-lt"/>
               </a:rPr>
-              <a:t>Will</a:t>
-            </a:r>
+              <a:t>Will be lots of unreported.</a:t>
+            </a:r>
+          </a:p>
+          <a:p>
+            <a:pPr algn="l"/>
             <a:r>
               <a:rPr lang="en-US" sz="4800" dirty="0" smtClean="0">
                 <a:latin typeface="+mj-lt"/>
               </a:rPr>
-              <a:t> be lots of unreported.</a:t>
-            </a:r>
-          </a:p>
-          <a:p>
-            <a:pPr algn="l"/>
-            <a:r>
-              <a:rPr lang="en-US" sz="4800" dirty="0" smtClean="0">
-                <a:latin typeface="+mj-lt"/>
-              </a:rPr>
               <a:t>So estimate:</a:t>
             </a:r>
-            <a:endParaRPr lang="en-US" sz="4800" dirty="0" smtClean="0">
-              <a:latin typeface="+mj-lt"/>
-            </a:endParaRPr>
           </a:p>
         </p:txBody>
       </p:sp>
@@ -8697,7 +8691,7 @@
           <a:graphicData uri="http://schemas.openxmlformats.org/presentationml/2006/ole">
             <mc:AlternateContent xmlns:mc="http://schemas.openxmlformats.org/markup-compatibility/2006">
               <mc:Choice xmlns:v="urn:schemas-microsoft-com:vml" Requires="v">
-                <p:oleObj spid="_x0000_s381955" name="Equation" r:id="rId4" imgW="1193800" imgH="495300" progId="Equation.DSMT4">
+                <p:oleObj spid="_x0000_s381958" name="Equation" r:id="rId4" imgW="1193800" imgH="495300" progId="Equation.DSMT4">
                   <p:embed/>
                 </p:oleObj>
               </mc:Choice>
@@ -8742,9 +8736,18 @@
   <p:clrMapOvr>
     <a:masterClrMapping/>
   </p:clrMapOvr>
-  <p:transition xmlns:p14="http://schemas.microsoft.com/office/powerpoint/2010/main" spd="slow" advClick="0">
-    <p:fade/>
-  </p:transition>
+  <mc:AlternateContent xmlns:mc="http://schemas.openxmlformats.org/markup-compatibility/2006">
+    <mc:Choice xmlns:p14="http://schemas.microsoft.com/office/powerpoint/2010/main" Requires="p14">
+      <p:transition spd="slow" p14:dur="1100" advClick="0">
+        <p:fade thruBlk="1"/>
+      </p:transition>
+    </mc:Choice>
+    <mc:Fallback>
+      <p:transition xmlns:p14="http://schemas.microsoft.com/office/powerpoint/2010/main" spd="slow" advClick="0">
+        <p:fade thruBlk="1"/>
+      </p:transition>
+    </mc:Fallback>
+  </mc:AlternateContent>
   <p:timing>
     <p:tnLst>
       <p:par>
@@ -9266,7 +9269,7 @@
           <a:graphicData uri="http://schemas.openxmlformats.org/presentationml/2006/ole">
             <mc:AlternateContent xmlns:mc="http://schemas.openxmlformats.org/markup-compatibility/2006">
               <mc:Choice xmlns:v="urn:schemas-microsoft-com:vml" Requires="v">
-                <p:oleObj spid="_x0000_s378893" name="Equation" r:id="rId4" imgW="1778000" imgH="508000" progId="Equation.DSMT4">
+                <p:oleObj spid="_x0000_s378898" name="Equation" r:id="rId4" imgW="1778000" imgH="508000" progId="Equation.DSMT4">
                   <p:embed/>
                 </p:oleObj>
               </mc:Choice>
@@ -9323,7 +9326,7 @@
           <a:graphicData uri="http://schemas.openxmlformats.org/presentationml/2006/ole">
             <mc:AlternateContent xmlns:mc="http://schemas.openxmlformats.org/markup-compatibility/2006">
               <mc:Choice xmlns:v="urn:schemas-microsoft-com:vml" Requires="v">
-                <p:oleObj spid="_x0000_s378894" name="Equation" r:id="rId6" imgW="1346200" imgH="889000" progId="Equation.DSMT4">
+                <p:oleObj spid="_x0000_s378899" name="Equation" r:id="rId6" imgW="1346200" imgH="889000" progId="Equation.DSMT4">
                   <p:embed/>
                 </p:oleObj>
               </mc:Choice>
@@ -9388,11 +9391,6 @@
               </a:rPr>
               <a:t>Do you have TB?</a:t>
             </a:r>
-            <a:endParaRPr lang="en-US" sz="4800" dirty="0" smtClean="0">
-              <a:solidFill>
-                <a:schemeClr val="tx1"/>
-              </a:solidFill>
-            </a:endParaRPr>
           </a:p>
         </p:txBody>
       </p:sp>
@@ -9747,7 +9745,7 @@
           <a:graphicData uri="http://schemas.openxmlformats.org/presentationml/2006/ole">
             <mc:AlternateContent xmlns:mc="http://schemas.openxmlformats.org/markup-compatibility/2006">
               <mc:Choice xmlns:v="urn:schemas-microsoft-com:vml" Requires="v">
-                <p:oleObj spid="_x0000_s374809" name="Equation" r:id="rId4" imgW="2413000" imgH="457200" progId="Equation.DSMT4">
+                <p:oleObj spid="_x0000_s374816" name="Equation" r:id="rId4" imgW="2413000" imgH="457200" progId="Equation.DSMT4">
                   <p:embed/>
                 </p:oleObj>
               </mc:Choice>
@@ -9804,7 +9802,7 @@
           <a:graphicData uri="http://schemas.openxmlformats.org/presentationml/2006/ole">
             <mc:AlternateContent xmlns:mc="http://schemas.openxmlformats.org/markup-compatibility/2006">
               <mc:Choice xmlns:v="urn:schemas-microsoft-com:vml" Requires="v">
-                <p:oleObj spid="_x0000_s374810" name="Equation" r:id="rId6" imgW="2235200" imgH="495300" progId="Equation.DSMT4">
+                <p:oleObj spid="_x0000_s374817" name="Equation" r:id="rId6" imgW="2235200" imgH="495300" progId="Equation.DSMT4">
                   <p:embed/>
                 </p:oleObj>
               </mc:Choice>
@@ -10039,7 +10037,7 @@
           <a:graphicData uri="http://schemas.openxmlformats.org/presentationml/2006/ole">
             <mc:AlternateContent xmlns:mc="http://schemas.openxmlformats.org/markup-compatibility/2006">
               <mc:Choice xmlns:v="urn:schemas-microsoft-com:vml" Requires="v">
-                <p:oleObj spid="_x0000_s374811" name="Equation" r:id="rId8" imgW="457200" imgH="469900" progId="Equation.DSMT4">
+                <p:oleObj spid="_x0000_s374818" name="Equation" r:id="rId8" imgW="457200" imgH="469900" progId="Equation.DSMT4">
                   <p:embed/>
                 </p:oleObj>
               </mc:Choice>
@@ -10467,11 +10465,6 @@
               </a:rPr>
               <a:t>99% accurate TB testing</a:t>
             </a:r>
-            <a:endParaRPr lang="en-US" sz="4000" dirty="0" smtClean="0">
-              <a:solidFill>
-                <a:schemeClr val="tx1"/>
-              </a:solidFill>
-            </a:endParaRPr>
           </a:p>
         </p:txBody>
       </p:sp>
@@ -10691,13 +10684,13 @@
   <p:clrMapOvr>
     <a:masterClrMapping/>
   </p:clrMapOvr>
-  <mc:AlternateContent xmlns:mc="http://schemas.openxmlformats.org/markup-compatibility/2006">
-    <mc:Choice xmlns:p14="http://schemas.microsoft.com/office/powerpoint/2010/main" Requires="p14">
+  <mc:AlternateContent xmlns:mc="http://schemas.openxmlformats.org/markup-compatibility/2006" xmlns:p14="http://schemas.microsoft.com/office/powerpoint/2010/main">
+    <mc:Choice Requires="p14">
       <p:transition spd="slow" p14:dur="1200" advClick="0">
         <p:fade thruBlk="1"/>
       </p:transition>
     </mc:Choice>
-    <mc:Fallback>
+    <mc:Fallback xmlns="">
       <p:transition xmlns:p14="http://schemas.microsoft.com/office/powerpoint/2010/main" spd="slow" advClick="0">
         <p:fade thruBlk="1"/>
       </p:transition>
@@ -10937,11 +10930,6 @@
               </a:rPr>
               <a:t>Unlikely you have TB</a:t>
             </a:r>
-            <a:endParaRPr lang="en-US" sz="4000" dirty="0" smtClean="0">
-              <a:solidFill>
-                <a:schemeClr val="tx1"/>
-              </a:solidFill>
-            </a:endParaRPr>
           </a:p>
         </p:txBody>
       </p:sp>
@@ -11002,41 +10990,26 @@
                 </a:solidFill>
                 <a:latin typeface="+mj-lt"/>
               </a:rPr>
-              <a:t>high false positive </a:t>
+              <a:t>high false positive rate </a:t>
             </a:r>
             <a:r>
               <a:rPr lang="en-US" sz="4800" dirty="0" smtClean="0">
                 <a:solidFill>
+                  <a:srgbClr val="0000FF"/>
+                </a:solidFill>
+                <a:latin typeface="+mj-lt"/>
+              </a:rPr>
+              <a:t>(1%)</a:t>
+            </a:r>
+            <a:r>
+              <a:rPr lang="en-US" sz="4800" dirty="0" smtClean="0">
+                <a:solidFill>
                   <a:srgbClr val="FF33CC"/>
                 </a:solidFill>
                 <a:latin typeface="+mj-lt"/>
               </a:rPr>
-              <a:t>rate </a:t>
-            </a:r>
-            <a:r>
-              <a:rPr lang="en-US" sz="4800" dirty="0" smtClean="0">
-                <a:solidFill>
-                  <a:srgbClr val="0000FF"/>
-                </a:solidFill>
-                <a:latin typeface="+mj-lt"/>
-              </a:rPr>
-              <a:t>(1%)</a:t>
-            </a:r>
-            <a:r>
-              <a:rPr lang="en-US" sz="4800" dirty="0" smtClean="0">
-                <a:solidFill>
-                  <a:srgbClr val="FF33CC"/>
-                </a:solidFill>
-                <a:latin typeface="+mj-lt"/>
-              </a:rPr>
               <a:t> </a:t>
             </a:r>
-            <a:endParaRPr lang="en-US" sz="4800" dirty="0" smtClean="0">
-              <a:solidFill>
-                <a:srgbClr val="FF33CC"/>
-              </a:solidFill>
-              <a:latin typeface="+mj-lt"/>
-            </a:endParaRPr>
           </a:p>
           <a:p>
             <a:pPr algn="l"/>
@@ -11044,13 +11017,7 @@
               <a:rPr lang="en-US" sz="4800" dirty="0" smtClean="0">
                 <a:latin typeface="+mj-lt"/>
               </a:rPr>
-              <a:t>compared to TB </a:t>
-            </a:r>
-            <a:r>
-              <a:rPr lang="en-US" sz="4800" dirty="0" smtClean="0">
-                <a:latin typeface="+mj-lt"/>
-              </a:rPr>
-              <a:t>rate </a:t>
+              <a:t>compared to TB rate </a:t>
             </a:r>
             <a:r>
               <a:rPr lang="en-US" sz="4800" dirty="0" smtClean="0">
@@ -11161,9 +11128,313 @@
   <p:timing>
     <p:tnLst>
       <p:par>
-        <p:cTn xmlns:p14="http://schemas.microsoft.com/office/powerpoint/2010/main" id="1" dur="indefinite" restart="never" nodeType="tmRoot"/>
+        <p:cTn xmlns:p14="http://schemas.microsoft.com/office/powerpoint/2010/main" id="1" dur="indefinite" restart="never" nodeType="tmRoot">
+          <p:childTnLst>
+            <p:seq concurrent="1" nextAc="seek">
+              <p:cTn id="2" dur="indefinite" nodeType="mainSeq">
+                <p:childTnLst>
+                  <p:par>
+                    <p:cTn id="3" fill="hold">
+                      <p:stCondLst>
+                        <p:cond delay="indefinite"/>
+                      </p:stCondLst>
+                      <p:childTnLst>
+                        <p:par>
+                          <p:cTn id="4" fill="hold">
+                            <p:stCondLst>
+                              <p:cond delay="0"/>
+                            </p:stCondLst>
+                            <p:childTnLst>
+                              <p:par>
+                                <p:cTn id="5" presetID="10" presetClass="entr" presetSubtype="0" fill="hold" grpId="0" nodeType="clickEffect">
+                                  <p:stCondLst>
+                                    <p:cond delay="0"/>
+                                  </p:stCondLst>
+                                  <p:childTnLst>
+                                    <p:set>
+                                      <p:cBhvr>
+                                        <p:cTn id="6" dur="1" fill="hold">
+                                          <p:stCondLst>
+                                            <p:cond delay="0"/>
+                                          </p:stCondLst>
+                                        </p:cTn>
+                                        <p:tgtEl>
+                                          <p:spTgt spid="6">
+                                            <p:txEl>
+                                              <p:pRg st="0" end="0"/>
+                                            </p:txEl>
+                                          </p:spTgt>
+                                        </p:tgtEl>
+                                        <p:attrNameLst>
+                                          <p:attrName>style.visibility</p:attrName>
+                                        </p:attrNameLst>
+                                      </p:cBhvr>
+                                      <p:to>
+                                        <p:strVal val="visible"/>
+                                      </p:to>
+                                    </p:set>
+                                    <p:animEffect transition="in" filter="fade">
+                                      <p:cBhvr>
+                                        <p:cTn id="7" dur="500"/>
+                                        <p:tgtEl>
+                                          <p:spTgt spid="6">
+                                            <p:txEl>
+                                              <p:pRg st="0" end="0"/>
+                                            </p:txEl>
+                                          </p:spTgt>
+                                        </p:tgtEl>
+                                      </p:cBhvr>
+                                    </p:animEffect>
+                                  </p:childTnLst>
+                                </p:cTn>
+                              </p:par>
+                              <p:par>
+                                <p:cTn id="8" presetID="10" presetClass="entr" presetSubtype="0" fill="hold" grpId="0" nodeType="withEffect">
+                                  <p:stCondLst>
+                                    <p:cond delay="0"/>
+                                  </p:stCondLst>
+                                  <p:childTnLst>
+                                    <p:set>
+                                      <p:cBhvr>
+                                        <p:cTn id="9" dur="1" fill="hold">
+                                          <p:stCondLst>
+                                            <p:cond delay="0"/>
+                                          </p:stCondLst>
+                                        </p:cTn>
+                                        <p:tgtEl>
+                                          <p:spTgt spid="6">
+                                            <p:txEl>
+                                              <p:pRg st="1" end="1"/>
+                                            </p:txEl>
+                                          </p:spTgt>
+                                        </p:tgtEl>
+                                        <p:attrNameLst>
+                                          <p:attrName>style.visibility</p:attrName>
+                                        </p:attrNameLst>
+                                      </p:cBhvr>
+                                      <p:to>
+                                        <p:strVal val="visible"/>
+                                      </p:to>
+                                    </p:set>
+                                    <p:animEffect transition="in" filter="fade">
+                                      <p:cBhvr>
+                                        <p:cTn id="10" dur="500"/>
+                                        <p:tgtEl>
+                                          <p:spTgt spid="6">
+                                            <p:txEl>
+                                              <p:pRg st="1" end="1"/>
+                                            </p:txEl>
+                                          </p:spTgt>
+                                        </p:tgtEl>
+                                      </p:cBhvr>
+                                    </p:animEffect>
+                                  </p:childTnLst>
+                                </p:cTn>
+                              </p:par>
+                            </p:childTnLst>
+                          </p:cTn>
+                        </p:par>
+                      </p:childTnLst>
+                    </p:cTn>
+                  </p:par>
+                  <p:par>
+                    <p:cTn id="11" fill="hold">
+                      <p:stCondLst>
+                        <p:cond delay="indefinite"/>
+                      </p:stCondLst>
+                      <p:childTnLst>
+                        <p:par>
+                          <p:cTn id="12" fill="hold">
+                            <p:stCondLst>
+                              <p:cond delay="0"/>
+                            </p:stCondLst>
+                            <p:childTnLst>
+                              <p:par>
+                                <p:cTn id="13" presetID="10" presetClass="entr" presetSubtype="0" fill="hold" grpId="0" nodeType="clickEffect">
+                                  <p:stCondLst>
+                                    <p:cond delay="0"/>
+                                  </p:stCondLst>
+                                  <p:childTnLst>
+                                    <p:set>
+                                      <p:cBhvr>
+                                        <p:cTn id="14" dur="1" fill="hold">
+                                          <p:stCondLst>
+                                            <p:cond delay="0"/>
+                                          </p:stCondLst>
+                                        </p:cTn>
+                                        <p:tgtEl>
+                                          <p:spTgt spid="6">
+                                            <p:txEl>
+                                              <p:pRg st="2" end="2"/>
+                                            </p:txEl>
+                                          </p:spTgt>
+                                        </p:tgtEl>
+                                        <p:attrNameLst>
+                                          <p:attrName>style.visibility</p:attrName>
+                                        </p:attrNameLst>
+                                      </p:cBhvr>
+                                      <p:to>
+                                        <p:strVal val="visible"/>
+                                      </p:to>
+                                    </p:set>
+                                    <p:animEffect transition="in" filter="fade">
+                                      <p:cBhvr>
+                                        <p:cTn id="15" dur="500"/>
+                                        <p:tgtEl>
+                                          <p:spTgt spid="6">
+                                            <p:txEl>
+                                              <p:pRg st="2" end="2"/>
+                                            </p:txEl>
+                                          </p:spTgt>
+                                        </p:tgtEl>
+                                      </p:cBhvr>
+                                    </p:animEffect>
+                                  </p:childTnLst>
+                                </p:cTn>
+                              </p:par>
+                            </p:childTnLst>
+                          </p:cTn>
+                        </p:par>
+                      </p:childTnLst>
+                    </p:cTn>
+                  </p:par>
+                  <p:par>
+                    <p:cTn id="16" fill="hold">
+                      <p:stCondLst>
+                        <p:cond delay="indefinite"/>
+                      </p:stCondLst>
+                      <p:childTnLst>
+                        <p:par>
+                          <p:cTn id="17" fill="hold">
+                            <p:stCondLst>
+                              <p:cond delay="0"/>
+                            </p:stCondLst>
+                            <p:childTnLst>
+                              <p:par>
+                                <p:cTn id="18" presetID="10" presetClass="entr" presetSubtype="0" fill="hold" grpId="0" nodeType="clickEffect">
+                                  <p:stCondLst>
+                                    <p:cond delay="0"/>
+                                  </p:stCondLst>
+                                  <p:childTnLst>
+                                    <p:set>
+                                      <p:cBhvr>
+                                        <p:cTn id="19" dur="1" fill="hold">
+                                          <p:stCondLst>
+                                            <p:cond delay="0"/>
+                                          </p:stCondLst>
+                                        </p:cTn>
+                                        <p:tgtEl>
+                                          <p:spTgt spid="6">
+                                            <p:txEl>
+                                              <p:pRg st="3" end="3"/>
+                                            </p:txEl>
+                                          </p:spTgt>
+                                        </p:tgtEl>
+                                        <p:attrNameLst>
+                                          <p:attrName>style.visibility</p:attrName>
+                                        </p:attrNameLst>
+                                      </p:cBhvr>
+                                      <p:to>
+                                        <p:strVal val="visible"/>
+                                      </p:to>
+                                    </p:set>
+                                    <p:animEffect transition="in" filter="fade">
+                                      <p:cBhvr>
+                                        <p:cTn id="20" dur="500"/>
+                                        <p:tgtEl>
+                                          <p:spTgt spid="6">
+                                            <p:txEl>
+                                              <p:pRg st="3" end="3"/>
+                                            </p:txEl>
+                                          </p:spTgt>
+                                        </p:tgtEl>
+                                      </p:cBhvr>
+                                    </p:animEffect>
+                                  </p:childTnLst>
+                                </p:cTn>
+                              </p:par>
+                            </p:childTnLst>
+                          </p:cTn>
+                        </p:par>
+                        <p:par>
+                          <p:cTn id="21" fill="hold">
+                            <p:stCondLst>
+                              <p:cond delay="500"/>
+                            </p:stCondLst>
+                            <p:childTnLst>
+                              <p:par>
+                                <p:cTn id="22" presetID="10" presetClass="entr" presetSubtype="0" fill="hold" grpId="0" nodeType="afterEffect">
+                                  <p:stCondLst>
+                                    <p:cond delay="0"/>
+                                  </p:stCondLst>
+                                  <p:childTnLst>
+                                    <p:set>
+                                      <p:cBhvr>
+                                        <p:cTn id="23" dur="1" fill="hold">
+                                          <p:stCondLst>
+                                            <p:cond delay="0"/>
+                                          </p:stCondLst>
+                                        </p:cTn>
+                                        <p:tgtEl>
+                                          <p:spTgt spid="6">
+                                            <p:txEl>
+                                              <p:pRg st="4" end="4"/>
+                                            </p:txEl>
+                                          </p:spTgt>
+                                        </p:tgtEl>
+                                        <p:attrNameLst>
+                                          <p:attrName>style.visibility</p:attrName>
+                                        </p:attrNameLst>
+                                      </p:cBhvr>
+                                      <p:to>
+                                        <p:strVal val="visible"/>
+                                      </p:to>
+                                    </p:set>
+                                    <p:animEffect transition="in" filter="fade">
+                                      <p:cBhvr>
+                                        <p:cTn id="24" dur="500"/>
+                                        <p:tgtEl>
+                                          <p:spTgt spid="6">
+                                            <p:txEl>
+                                              <p:pRg st="4" end="4"/>
+                                            </p:txEl>
+                                          </p:spTgt>
+                                        </p:tgtEl>
+                                      </p:cBhvr>
+                                    </p:animEffect>
+                                  </p:childTnLst>
+                                </p:cTn>
+                              </p:par>
+                            </p:childTnLst>
+                          </p:cTn>
+                        </p:par>
+                      </p:childTnLst>
+                    </p:cTn>
+                  </p:par>
+                </p:childTnLst>
+              </p:cTn>
+              <p:prevCondLst>
+                <p:cond evt="onPrev" delay="0">
+                  <p:tgtEl>
+                    <p:sldTgt/>
+                  </p:tgtEl>
+                </p:cond>
+              </p:prevCondLst>
+              <p:nextCondLst>
+                <p:cond evt="onNext" delay="0">
+                  <p:tgtEl>
+                    <p:sldTgt/>
+                  </p:tgtEl>
+                </p:cond>
+              </p:nextCondLst>
+            </p:seq>
+          </p:childTnLst>
+        </p:cTn>
       </p:par>
     </p:tnLst>
+    <p:bldLst>
+      <p:bldP spid="6" grpId="0" build="p"/>
+    </p:bldLst>
   </p:timing>
 </p:sld>
 </file>
@@ -11496,11 +11767,6 @@
               </a:rPr>
               <a:t>Unlikely you have TB</a:t>
             </a:r>
-            <a:endParaRPr lang="en-US" sz="4000" dirty="0" smtClean="0">
-              <a:solidFill>
-                <a:schemeClr val="tx1"/>
-              </a:solidFill>
-            </a:endParaRPr>
           </a:p>
         </p:txBody>
       </p:sp>
@@ -11821,11 +12087,6 @@
               </a:rPr>
               <a:t>Unlikely you have TB</a:t>
             </a:r>
-            <a:endParaRPr lang="en-US" sz="4000" dirty="0" smtClean="0">
-              <a:solidFill>
-                <a:schemeClr val="tx1"/>
-              </a:solidFill>
-            </a:endParaRPr>
           </a:p>
         </p:txBody>
       </p:sp>
@@ -11839,13 +12100,13 @@
   <p:clrMapOvr>
     <a:masterClrMapping/>
   </p:clrMapOvr>
-  <mc:AlternateContent xmlns:mc="http://schemas.openxmlformats.org/markup-compatibility/2006">
-    <mc:Choice xmlns:p14="http://schemas.microsoft.com/office/powerpoint/2010/main" Requires="p14">
+  <mc:AlternateContent xmlns:mc="http://schemas.openxmlformats.org/markup-compatibility/2006" xmlns:p14="http://schemas.microsoft.com/office/powerpoint/2010/main">
+    <mc:Choice Requires="p14">
       <p:transition spd="slow" p14:dur="1200" advClick="0">
         <p:fade thruBlk="1"/>
       </p:transition>
     </mc:Choice>
-    <mc:Fallback>
+    <mc:Fallback xmlns="">
       <p:transition xmlns:p14="http://schemas.microsoft.com/office/powerpoint/2010/main" spd="slow" advClick="0">
         <p:fade thruBlk="1"/>
       </p:transition>
@@ -12010,14 +12271,7 @@
                 <a:latin typeface="Comic Sans MS"/>
                 <a:cs typeface="Comic Sans MS"/>
               </a:rPr>
-              <a:t>	</a:t>
-            </a:r>
-            <a:r>
-              <a:rPr lang="en-US" sz="4800" dirty="0">
-                <a:latin typeface="Comic Sans MS"/>
-                <a:cs typeface="Comic Sans MS"/>
-              </a:rPr>
-              <a:t> </a:t>
+              <a:t>	 </a:t>
             </a:r>
             <a:r>
               <a:rPr lang="en-US" sz="4800" dirty="0" smtClean="0">
@@ -12041,43 +12295,25 @@
                 <a:latin typeface="Comic Sans MS"/>
                 <a:cs typeface="Comic Sans MS"/>
               </a:rPr>
-              <a:t> </a:t>
+              <a:t> say “</a:t>
+            </a:r>
+            <a:r>
+              <a:rPr lang="en-US" sz="4800" dirty="0" smtClean="0">
+                <a:solidFill>
+                  <a:srgbClr val="8C0085"/>
+                </a:solidFill>
+                <a:latin typeface="Comic Sans MS"/>
+                <a:cs typeface="Comic Sans MS"/>
+              </a:rPr>
+              <a:t>No TB</a:t>
             </a:r>
             <a:r>
               <a:rPr lang="en-US" sz="4800" dirty="0" smtClean="0">
                 <a:latin typeface="Comic Sans MS"/>
                 <a:cs typeface="Comic Sans MS"/>
               </a:rPr>
-              <a:t>say </a:t>
-            </a:r>
-            <a:r>
-              <a:rPr lang="en-US" sz="4800" dirty="0" smtClean="0">
-                <a:latin typeface="Comic Sans MS"/>
-                <a:cs typeface="Comic Sans MS"/>
-              </a:rPr>
-              <a:t>“</a:t>
-            </a:r>
-            <a:r>
-              <a:rPr lang="en-US" sz="4800" dirty="0" smtClean="0">
-                <a:solidFill>
-                  <a:srgbClr val="8C0085"/>
-                </a:solidFill>
-                <a:latin typeface="Comic Sans MS"/>
-                <a:cs typeface="Comic Sans MS"/>
-              </a:rPr>
-              <a:t>No TB</a:t>
-            </a:r>
-            <a:r>
-              <a:rPr lang="en-US" sz="4800" dirty="0" smtClean="0">
-                <a:latin typeface="Comic Sans MS"/>
-                <a:cs typeface="Comic Sans MS"/>
-              </a:rPr>
               <a:t>”</a:t>
             </a:r>
-            <a:endParaRPr lang="en-US" sz="4800" dirty="0" smtClean="0">
-              <a:latin typeface="Comic Sans MS"/>
-              <a:cs typeface="Comic Sans MS"/>
-            </a:endParaRPr>
           </a:p>
         </p:txBody>
       </p:sp>
@@ -12249,7 +12485,7 @@
                   <a:schemeClr val="tx1"/>
                 </a:solidFill>
               </a:rPr>
-              <a:t>Unlikely you have TB</a:t>
+              <a:t>A “more accurate” test</a:t>
             </a:r>
             <a:endParaRPr lang="en-US" sz="4000" dirty="0" smtClean="0">
               <a:solidFill>
@@ -12269,13 +12505,13 @@
   <p:clrMapOvr>
     <a:masterClrMapping/>
   </p:clrMapOvr>
-  <mc:AlternateContent xmlns:mc="http://schemas.openxmlformats.org/markup-compatibility/2006">
-    <mc:Choice xmlns:p14="http://schemas.microsoft.com/office/powerpoint/2010/main" Requires="p14">
+  <mc:AlternateContent xmlns:mc="http://schemas.openxmlformats.org/markup-compatibility/2006" xmlns:p14="http://schemas.microsoft.com/office/powerpoint/2010/main">
+    <mc:Choice Requires="p14">
       <p:transition spd="med" p14:dur="700" advClick="0">
         <p:fade/>
       </p:transition>
     </mc:Choice>
-    <mc:Fallback>
+    <mc:Fallback xmlns="">
       <p:transition xmlns:p14="http://schemas.microsoft.com/office/powerpoint/2010/main" spd="med" advClick="0">
         <p:fade/>
       </p:transition>
@@ -12474,7 +12710,7 @@
           <a:graphicData uri="http://schemas.openxmlformats.org/presentationml/2006/ole">
             <mc:AlternateContent xmlns:mc="http://schemas.openxmlformats.org/markup-compatibility/2006">
               <mc:Choice xmlns:v="urn:schemas-microsoft-com:vml" Requires="v">
-                <p:oleObj spid="_x0000_s365629" name="Equation" r:id="rId3" imgW="2070100" imgH="495300" progId="Equation.DSMT4">
+                <p:oleObj spid="_x0000_s365634" name="Equation" r:id="rId3" imgW="2070100" imgH="495300" progId="Equation.DSMT4">
                   <p:embed/>
                 </p:oleObj>
               </mc:Choice>
@@ -12531,7 +12767,7 @@
           <a:graphicData uri="http://schemas.openxmlformats.org/presentationml/2006/ole">
             <mc:AlternateContent xmlns:mc="http://schemas.openxmlformats.org/markup-compatibility/2006">
               <mc:Choice xmlns:v="urn:schemas-microsoft-com:vml" Requires="v">
-                <p:oleObj spid="_x0000_s365630" name="Equation" r:id="rId5" imgW="1790700" imgH="495300" progId="Equation.DSMT4">
+                <p:oleObj spid="_x0000_s365635" name="Equation" r:id="rId5" imgW="1790700" imgH="495300" progId="Equation.DSMT4">
                   <p:embed/>
                 </p:oleObj>
               </mc:Choice>
@@ -12639,13 +12875,13 @@
   <p:clrMapOvr>
     <a:masterClrMapping/>
   </p:clrMapOvr>
-  <mc:AlternateContent xmlns:mc="http://schemas.openxmlformats.org/markup-compatibility/2006">
-    <mc:Choice xmlns:p14="http://schemas.microsoft.com/office/powerpoint/2010/main" Requires="p14">
+  <mc:AlternateContent xmlns:mc="http://schemas.openxmlformats.org/markup-compatibility/2006" xmlns:p14="http://schemas.microsoft.com/office/powerpoint/2010/main">
+    <mc:Choice Requires="p14">
       <p:transition spd="slow" p14:dur="1300" advClick="0">
         <p:fade thruBlk="1"/>
       </p:transition>
     </mc:Choice>
-    <mc:Fallback>
+    <mc:Fallback xmlns="">
       <p:transition xmlns:p14="http://schemas.microsoft.com/office/powerpoint/2010/main" spd="slow" advClick="0">
         <p:fade thruBlk="1"/>
       </p:transition>
@@ -12838,6 +13074,1078 @@
 </p:sld>
 </file>
 
+<file path=ppt/slides/slide25.xml><?xml version="1.0" encoding="utf-8"?>
+<p:sld xmlns:a="http://schemas.openxmlformats.org/drawingml/2006/main" xmlns:r="http://schemas.openxmlformats.org/officeDocument/2006/relationships" xmlns:p="http://schemas.openxmlformats.org/presentationml/2006/main">
+  <p:cSld>
+    <p:spTree>
+      <p:nvGrpSpPr>
+        <p:cNvPr id="1" name=""/>
+        <p:cNvGrpSpPr/>
+        <p:nvPr/>
+      </p:nvGrpSpPr>
+      <p:grpSpPr>
+        <a:xfrm>
+          <a:off x="0" y="0"/>
+          <a:ext cx="0" cy="0"/>
+          <a:chOff x="0" y="0"/>
+          <a:chExt cx="0" cy="0"/>
+        </a:xfrm>
+      </p:grpSpPr>
+      <p:sp>
+        <p:nvSpPr>
+          <p:cNvPr id="4" name="Slide Number Placeholder 3"/>
+          <p:cNvSpPr>
+            <a:spLocks noGrp="1"/>
+          </p:cNvSpPr>
+          <p:nvPr>
+            <p:ph type="sldNum" sz="quarter" idx="4"/>
+          </p:nvPr>
+        </p:nvSpPr>
+        <p:spPr/>
+        <p:txBody>
+          <a:bodyPr/>
+          <a:lstStyle/>
+          <a:p>
+            <a:pPr>
+              <a:defRPr/>
+            </a:pPr>
+            <a:r>
+              <a:rPr lang="en-US" dirty="0" err="1" smtClean="0"/>
+              <a:t>bayes</a:t>
+            </a:r>
+            <a:r>
+              <a:rPr lang="en-US" dirty="0" smtClean="0"/>
+              <a:t>.</a:t>
+            </a:r>
+            <a:fld id="{B9A0B45D-6AFD-413C-B761-B121FB8BE940}" type="slidenum">
+              <a:rPr lang="en-US" smtClean="0"/>
+              <a:pPr>
+                <a:defRPr/>
+              </a:pPr>
+              <a:t>25</a:t>
+            </a:fld>
+            <a:endParaRPr lang="en-US" dirty="0"/>
+          </a:p>
+        </p:txBody>
+      </p:sp>
+      <p:sp>
+        <p:nvSpPr>
+          <p:cNvPr id="6" name="TextBox 5"/>
+          <p:cNvSpPr txBox="1"/>
+          <p:nvPr/>
+        </p:nvSpPr>
+        <p:spPr>
+          <a:xfrm>
+            <a:off x="355568" y="1379277"/>
+            <a:ext cx="7793119" cy="2308324"/>
+          </a:xfrm>
+          <a:prstGeom prst="rect">
+            <a:avLst/>
+          </a:prstGeom>
+          <a:noFill/>
+        </p:spPr>
+        <p:txBody>
+          <a:bodyPr wrap="none" rtlCol="0">
+            <a:spAutoFit/>
+          </a:bodyPr>
+          <a:lstStyle/>
+          <a:p>
+            <a:pPr algn="l"/>
+            <a:r>
+              <a:rPr lang="en-US" sz="4800" dirty="0" smtClean="0">
+                <a:solidFill>
+                  <a:srgbClr val="000000"/>
+                </a:solidFill>
+                <a:latin typeface="Comic Sans MS"/>
+                <a:cs typeface="Comic Sans MS"/>
+              </a:rPr>
+              <a:t>But</a:t>
+            </a:r>
+            <a:r>
+              <a:rPr lang="en-US" sz="4800" dirty="0" smtClean="0">
+                <a:solidFill>
+                  <a:srgbClr val="0000CC"/>
+                </a:solidFill>
+                <a:latin typeface="Comic Sans MS"/>
+                <a:cs typeface="Comic Sans MS"/>
+              </a:rPr>
+              <a:t> 99</a:t>
+            </a:r>
+            <a:r>
+              <a:rPr lang="en-US" sz="4800" dirty="0">
+                <a:solidFill>
+                  <a:srgbClr val="0000CC"/>
+                </a:solidFill>
+                <a:latin typeface="Comic Sans MS"/>
+                <a:cs typeface="Comic Sans MS"/>
+              </a:rPr>
+              <a:t>%</a:t>
+            </a:r>
+            <a:r>
+              <a:rPr lang="en-US" sz="4800" dirty="0">
+                <a:latin typeface="Comic Sans MS"/>
+                <a:cs typeface="Comic Sans MS"/>
+              </a:rPr>
+              <a:t> accurate </a:t>
+            </a:r>
+            <a:r>
+              <a:rPr lang="en-US" sz="4800" dirty="0" smtClean="0">
+                <a:latin typeface="Comic Sans MS"/>
+                <a:cs typeface="Comic Sans MS"/>
+              </a:rPr>
+              <a:t>test </a:t>
+            </a:r>
+            <a:r>
+              <a:rPr lang="en-US" sz="4800" dirty="0" smtClean="0">
+                <a:latin typeface="Comic Sans MS"/>
+                <a:cs typeface="Comic Sans MS"/>
+              </a:rPr>
+              <a:t>did</a:t>
+            </a:r>
+          </a:p>
+          <a:p>
+            <a:pPr algn="l"/>
+            <a:r>
+              <a:rPr lang="en-US" sz="4800" dirty="0" smtClean="0">
+                <a:latin typeface="Comic Sans MS"/>
+                <a:cs typeface="Comic Sans MS"/>
+              </a:rPr>
+              <a:t>increase your probability</a:t>
+            </a:r>
+          </a:p>
+          <a:p>
+            <a:pPr algn="l"/>
+            <a:r>
+              <a:rPr lang="en-US" sz="4800" dirty="0" smtClean="0">
+                <a:latin typeface="Comic Sans MS"/>
+                <a:cs typeface="Comic Sans MS"/>
+              </a:rPr>
+              <a:t>of TB 100 times.</a:t>
+            </a:r>
+            <a:endParaRPr lang="en-US" sz="4800" dirty="0" smtClean="0">
+              <a:latin typeface="Comic Sans MS"/>
+              <a:cs typeface="Comic Sans MS"/>
+            </a:endParaRPr>
+          </a:p>
+        </p:txBody>
+      </p:sp>
+      <p:sp>
+        <p:nvSpPr>
+          <p:cNvPr id="7" name="Rectangle 4"/>
+          <p:cNvSpPr txBox="1">
+            <a:spLocks noChangeArrowheads="1"/>
+          </p:cNvSpPr>
+          <p:nvPr/>
+        </p:nvSpPr>
+        <p:spPr bwMode="auto">
+          <a:xfrm>
+            <a:off x="1355099" y="250306"/>
+            <a:ext cx="7266290" cy="1112484"/>
+          </a:xfrm>
+          <a:prstGeom prst="rect">
+            <a:avLst/>
+          </a:prstGeom>
+          <a:noFill/>
+          <a:ln w="9525">
+            <a:noFill/>
+            <a:miter lim="800000"/>
+            <a:headEnd/>
+            <a:tailEnd/>
+          </a:ln>
+        </p:spPr>
+        <p:txBody>
+          <a:bodyPr vert="horz" wrap="square" lIns="91440" tIns="45720" rIns="91440" bIns="45720" numCol="1" anchor="ctr" anchorCtr="0" compatLnSpc="1">
+            <a:prstTxWarp prst="textNoShape">
+              <a:avLst/>
+            </a:prstTxWarp>
+          </a:bodyPr>
+          <a:lstStyle>
+            <a:lvl1pPr algn="ctr" rtl="0" eaLnBrk="0" fontAlgn="base" hangingPunct="0">
+              <a:spcBef>
+                <a:spcPct val="0"/>
+              </a:spcBef>
+              <a:spcAft>
+                <a:spcPct val="0"/>
+              </a:spcAft>
+              <a:defRPr sz="3200" b="1">
+                <a:solidFill>
+                  <a:schemeClr val="tx2"/>
+                </a:solidFill>
+                <a:latin typeface="+mj-lt"/>
+                <a:ea typeface="+mj-ea"/>
+                <a:cs typeface="+mj-cs"/>
+              </a:defRPr>
+            </a:lvl1pPr>
+            <a:lvl2pPr algn="ctr" rtl="0" eaLnBrk="0" fontAlgn="base" hangingPunct="0">
+              <a:spcBef>
+                <a:spcPct val="0"/>
+              </a:spcBef>
+              <a:spcAft>
+                <a:spcPct val="0"/>
+              </a:spcAft>
+              <a:defRPr sz="3600" b="1">
+                <a:solidFill>
+                  <a:schemeClr val="tx2"/>
+                </a:solidFill>
+                <a:latin typeface="Comic Sans MS" pitchFamily="66" charset="0"/>
+              </a:defRPr>
+            </a:lvl2pPr>
+            <a:lvl3pPr algn="ctr" rtl="0" eaLnBrk="0" fontAlgn="base" hangingPunct="0">
+              <a:spcBef>
+                <a:spcPct val="0"/>
+              </a:spcBef>
+              <a:spcAft>
+                <a:spcPct val="0"/>
+              </a:spcAft>
+              <a:defRPr sz="3600" b="1">
+                <a:solidFill>
+                  <a:schemeClr val="tx2"/>
+                </a:solidFill>
+                <a:latin typeface="Comic Sans MS" pitchFamily="66" charset="0"/>
+              </a:defRPr>
+            </a:lvl3pPr>
+            <a:lvl4pPr algn="ctr" rtl="0" eaLnBrk="0" fontAlgn="base" hangingPunct="0">
+              <a:spcBef>
+                <a:spcPct val="0"/>
+              </a:spcBef>
+              <a:spcAft>
+                <a:spcPct val="0"/>
+              </a:spcAft>
+              <a:defRPr sz="3600" b="1">
+                <a:solidFill>
+                  <a:schemeClr val="tx2"/>
+                </a:solidFill>
+                <a:latin typeface="Comic Sans MS" pitchFamily="66" charset="0"/>
+              </a:defRPr>
+            </a:lvl4pPr>
+            <a:lvl5pPr algn="ctr" rtl="0" eaLnBrk="0" fontAlgn="base" hangingPunct="0">
+              <a:spcBef>
+                <a:spcPct val="0"/>
+              </a:spcBef>
+              <a:spcAft>
+                <a:spcPct val="0"/>
+              </a:spcAft>
+              <a:defRPr sz="3600" b="1">
+                <a:solidFill>
+                  <a:schemeClr val="tx2"/>
+                </a:solidFill>
+                <a:latin typeface="Comic Sans MS" pitchFamily="66" charset="0"/>
+              </a:defRPr>
+            </a:lvl5pPr>
+            <a:lvl6pPr marL="457200" algn="ctr" rtl="0" fontAlgn="base">
+              <a:spcBef>
+                <a:spcPct val="0"/>
+              </a:spcBef>
+              <a:spcAft>
+                <a:spcPct val="0"/>
+              </a:spcAft>
+              <a:defRPr sz="3600" b="1">
+                <a:solidFill>
+                  <a:schemeClr val="tx2"/>
+                </a:solidFill>
+                <a:latin typeface="Comic Sans MS" pitchFamily="66" charset="0"/>
+              </a:defRPr>
+            </a:lvl6pPr>
+            <a:lvl7pPr marL="914400" algn="ctr" rtl="0" fontAlgn="base">
+              <a:spcBef>
+                <a:spcPct val="0"/>
+              </a:spcBef>
+              <a:spcAft>
+                <a:spcPct val="0"/>
+              </a:spcAft>
+              <a:defRPr sz="3600" b="1">
+                <a:solidFill>
+                  <a:schemeClr val="tx2"/>
+                </a:solidFill>
+                <a:latin typeface="Comic Sans MS" pitchFamily="66" charset="0"/>
+              </a:defRPr>
+            </a:lvl7pPr>
+            <a:lvl8pPr marL="1371600" algn="ctr" rtl="0" fontAlgn="base">
+              <a:spcBef>
+                <a:spcPct val="0"/>
+              </a:spcBef>
+              <a:spcAft>
+                <a:spcPct val="0"/>
+              </a:spcAft>
+              <a:defRPr sz="3600" b="1">
+                <a:solidFill>
+                  <a:schemeClr val="tx2"/>
+                </a:solidFill>
+                <a:latin typeface="Comic Sans MS" pitchFamily="66" charset="0"/>
+              </a:defRPr>
+            </a:lvl8pPr>
+            <a:lvl9pPr marL="1828800" algn="ctr" rtl="0" fontAlgn="base">
+              <a:spcBef>
+                <a:spcPct val="0"/>
+              </a:spcBef>
+              <a:spcAft>
+                <a:spcPct val="0"/>
+              </a:spcAft>
+              <a:defRPr sz="3600" b="1">
+                <a:solidFill>
+                  <a:schemeClr val="tx2"/>
+                </a:solidFill>
+                <a:latin typeface="Comic Sans MS" pitchFamily="66" charset="0"/>
+              </a:defRPr>
+            </a:lvl9pPr>
+          </a:lstStyle>
+          <a:p>
+            <a:pPr eaLnBrk="1" hangingPunct="1"/>
+            <a:r>
+              <a:rPr lang="en-US" sz="4000" dirty="0" smtClean="0">
+                <a:solidFill>
+                  <a:schemeClr val="tx1"/>
+                </a:solidFill>
+              </a:rPr>
+              <a:t>99% accuracy still useful</a:t>
+            </a:r>
+            <a:endParaRPr lang="en-US" sz="4000" dirty="0" smtClean="0">
+              <a:solidFill>
+                <a:schemeClr val="tx1"/>
+              </a:solidFill>
+            </a:endParaRPr>
+          </a:p>
+        </p:txBody>
+      </p:sp>
+    </p:spTree>
+    <p:extLst>
+      <p:ext uri="{BB962C8B-B14F-4D97-AF65-F5344CB8AC3E}">
+        <p14:creationId xmlns:p14="http://schemas.microsoft.com/office/powerpoint/2010/main" val="1860963644"/>
+      </p:ext>
+    </p:extLst>
+  </p:cSld>
+  <p:clrMapOvr>
+    <a:masterClrMapping/>
+  </p:clrMapOvr>
+  <p:transition xmlns:p14="http://schemas.microsoft.com/office/powerpoint/2010/main" spd="slow" advClick="0">
+    <p:fade thruBlk="1"/>
+  </p:transition>
+  <p:timing>
+    <p:tnLst>
+      <p:par>
+        <p:cTn xmlns:p14="http://schemas.microsoft.com/office/powerpoint/2010/main" id="1" dur="indefinite" restart="never" nodeType="tmRoot"/>
+      </p:par>
+    </p:tnLst>
+  </p:timing>
+</p:sld>
+</file>
+
+<file path=ppt/slides/slide26.xml><?xml version="1.0" encoding="utf-8"?>
+<p:sld xmlns:a="http://schemas.openxmlformats.org/drawingml/2006/main" xmlns:r="http://schemas.openxmlformats.org/officeDocument/2006/relationships" xmlns:p="http://schemas.openxmlformats.org/presentationml/2006/main">
+  <p:cSld>
+    <p:spTree>
+      <p:nvGrpSpPr>
+        <p:cNvPr id="1" name=""/>
+        <p:cNvGrpSpPr/>
+        <p:nvPr/>
+      </p:nvGrpSpPr>
+      <p:grpSpPr>
+        <a:xfrm>
+          <a:off x="0" y="0"/>
+          <a:ext cx="0" cy="0"/>
+          <a:chOff x="0" y="0"/>
+          <a:chExt cx="0" cy="0"/>
+        </a:xfrm>
+      </p:grpSpPr>
+      <p:sp>
+        <p:nvSpPr>
+          <p:cNvPr id="4" name="Slide Number Placeholder 3"/>
+          <p:cNvSpPr>
+            <a:spLocks noGrp="1"/>
+          </p:cNvSpPr>
+          <p:nvPr>
+            <p:ph type="sldNum" sz="quarter" idx="4"/>
+          </p:nvPr>
+        </p:nvSpPr>
+        <p:spPr/>
+        <p:txBody>
+          <a:bodyPr/>
+          <a:lstStyle/>
+          <a:p>
+            <a:pPr>
+              <a:defRPr/>
+            </a:pPr>
+            <a:r>
+              <a:rPr lang="en-US" dirty="0" err="1" smtClean="0"/>
+              <a:t>bayes</a:t>
+            </a:r>
+            <a:r>
+              <a:rPr lang="en-US" dirty="0" smtClean="0"/>
+              <a:t>.</a:t>
+            </a:r>
+            <a:fld id="{B9A0B45D-6AFD-413C-B761-B121FB8BE940}" type="slidenum">
+              <a:rPr lang="en-US" smtClean="0"/>
+              <a:pPr>
+                <a:defRPr/>
+              </a:pPr>
+              <a:t>26</a:t>
+            </a:fld>
+            <a:endParaRPr lang="en-US" dirty="0"/>
+          </a:p>
+        </p:txBody>
+      </p:sp>
+      <p:sp>
+        <p:nvSpPr>
+          <p:cNvPr id="6" name="TextBox 5"/>
+          <p:cNvSpPr txBox="1"/>
+          <p:nvPr/>
+        </p:nvSpPr>
+        <p:spPr>
+          <a:xfrm>
+            <a:off x="355568" y="1379277"/>
+            <a:ext cx="8126143" cy="4524315"/>
+          </a:xfrm>
+          <a:prstGeom prst="rect">
+            <a:avLst/>
+          </a:prstGeom>
+          <a:noFill/>
+        </p:spPr>
+        <p:txBody>
+          <a:bodyPr wrap="none" rtlCol="0">
+            <a:spAutoFit/>
+          </a:bodyPr>
+          <a:lstStyle/>
+          <a:p>
+            <a:pPr algn="l"/>
+            <a:r>
+              <a:rPr lang="en-US" sz="4800" dirty="0" smtClean="0">
+                <a:solidFill>
+                  <a:srgbClr val="000000"/>
+                </a:solidFill>
+                <a:latin typeface="Comic Sans MS"/>
+                <a:cs typeface="Comic Sans MS"/>
+              </a:rPr>
+              <a:t>But</a:t>
+            </a:r>
+            <a:r>
+              <a:rPr lang="en-US" sz="4800" dirty="0" smtClean="0">
+                <a:solidFill>
+                  <a:srgbClr val="0000CC"/>
+                </a:solidFill>
+                <a:latin typeface="Comic Sans MS"/>
+                <a:cs typeface="Comic Sans MS"/>
+              </a:rPr>
+              <a:t> 99</a:t>
+            </a:r>
+            <a:r>
+              <a:rPr lang="en-US" sz="4800" dirty="0">
+                <a:solidFill>
+                  <a:srgbClr val="0000CC"/>
+                </a:solidFill>
+                <a:latin typeface="Comic Sans MS"/>
+                <a:cs typeface="Comic Sans MS"/>
+              </a:rPr>
+              <a:t>%</a:t>
+            </a:r>
+            <a:r>
+              <a:rPr lang="en-US" sz="4800" dirty="0">
+                <a:latin typeface="Comic Sans MS"/>
+                <a:cs typeface="Comic Sans MS"/>
+              </a:rPr>
+              <a:t> accurate </a:t>
+            </a:r>
+            <a:r>
+              <a:rPr lang="en-US" sz="4800" dirty="0" smtClean="0">
+                <a:latin typeface="Comic Sans MS"/>
+                <a:cs typeface="Comic Sans MS"/>
+              </a:rPr>
+              <a:t>test </a:t>
+            </a:r>
+            <a:r>
+              <a:rPr lang="en-US" sz="4800" dirty="0" smtClean="0">
+                <a:latin typeface="Comic Sans MS"/>
+                <a:cs typeface="Comic Sans MS"/>
+              </a:rPr>
+              <a:t>did</a:t>
+            </a:r>
+          </a:p>
+          <a:p>
+            <a:pPr algn="l"/>
+            <a:r>
+              <a:rPr lang="en-US" sz="4800" dirty="0" smtClean="0">
+                <a:latin typeface="Comic Sans MS"/>
+                <a:cs typeface="Comic Sans MS"/>
+              </a:rPr>
+              <a:t>increase your probability</a:t>
+            </a:r>
+          </a:p>
+          <a:p>
+            <a:pPr algn="l"/>
+            <a:r>
+              <a:rPr lang="en-US" sz="4800" dirty="0" smtClean="0">
+                <a:latin typeface="Comic Sans MS"/>
+                <a:cs typeface="Comic Sans MS"/>
+              </a:rPr>
+              <a:t>of TB 100 times.   If you</a:t>
+            </a:r>
+          </a:p>
+          <a:p>
+            <a:pPr algn="l"/>
+            <a:r>
+              <a:rPr lang="en-US" sz="4800" dirty="0" smtClean="0">
+                <a:latin typeface="Comic Sans MS"/>
+                <a:cs typeface="Comic Sans MS"/>
+              </a:rPr>
+              <a:t>only had 5M medicine doses</a:t>
+            </a:r>
+          </a:p>
+          <a:p>
+            <a:pPr algn="l"/>
+            <a:r>
+              <a:rPr lang="en-US" sz="4800" dirty="0" smtClean="0">
+                <a:latin typeface="Comic Sans MS"/>
+                <a:cs typeface="Comic Sans MS"/>
+              </a:rPr>
+              <a:t>for a population of 350M,</a:t>
+            </a:r>
+          </a:p>
+          <a:p>
+            <a:pPr algn="l"/>
+            <a:r>
+              <a:rPr lang="en-US" sz="4800" dirty="0" smtClean="0">
+                <a:latin typeface="Comic Sans MS"/>
+                <a:cs typeface="Comic Sans MS"/>
+              </a:rPr>
+              <a:t>whom should you medicate?</a:t>
+            </a:r>
+            <a:endParaRPr lang="en-US" sz="4800" dirty="0" smtClean="0">
+              <a:latin typeface="Comic Sans MS"/>
+              <a:cs typeface="Comic Sans MS"/>
+            </a:endParaRPr>
+          </a:p>
+        </p:txBody>
+      </p:sp>
+      <p:sp>
+        <p:nvSpPr>
+          <p:cNvPr id="5" name="Rectangle 4"/>
+          <p:cNvSpPr txBox="1">
+            <a:spLocks noChangeArrowheads="1"/>
+          </p:cNvSpPr>
+          <p:nvPr/>
+        </p:nvSpPr>
+        <p:spPr bwMode="auto">
+          <a:xfrm>
+            <a:off x="1355099" y="250306"/>
+            <a:ext cx="7266290" cy="1112484"/>
+          </a:xfrm>
+          <a:prstGeom prst="rect">
+            <a:avLst/>
+          </a:prstGeom>
+          <a:noFill/>
+          <a:ln w="9525">
+            <a:noFill/>
+            <a:miter lim="800000"/>
+            <a:headEnd/>
+            <a:tailEnd/>
+          </a:ln>
+        </p:spPr>
+        <p:txBody>
+          <a:bodyPr vert="horz" wrap="square" lIns="91440" tIns="45720" rIns="91440" bIns="45720" numCol="1" anchor="ctr" anchorCtr="0" compatLnSpc="1">
+            <a:prstTxWarp prst="textNoShape">
+              <a:avLst/>
+            </a:prstTxWarp>
+          </a:bodyPr>
+          <a:lstStyle>
+            <a:lvl1pPr algn="ctr" rtl="0" eaLnBrk="0" fontAlgn="base" hangingPunct="0">
+              <a:spcBef>
+                <a:spcPct val="0"/>
+              </a:spcBef>
+              <a:spcAft>
+                <a:spcPct val="0"/>
+              </a:spcAft>
+              <a:defRPr sz="3200" b="1">
+                <a:solidFill>
+                  <a:schemeClr val="tx2"/>
+                </a:solidFill>
+                <a:latin typeface="+mj-lt"/>
+                <a:ea typeface="+mj-ea"/>
+                <a:cs typeface="+mj-cs"/>
+              </a:defRPr>
+            </a:lvl1pPr>
+            <a:lvl2pPr algn="ctr" rtl="0" eaLnBrk="0" fontAlgn="base" hangingPunct="0">
+              <a:spcBef>
+                <a:spcPct val="0"/>
+              </a:spcBef>
+              <a:spcAft>
+                <a:spcPct val="0"/>
+              </a:spcAft>
+              <a:defRPr sz="3600" b="1">
+                <a:solidFill>
+                  <a:schemeClr val="tx2"/>
+                </a:solidFill>
+                <a:latin typeface="Comic Sans MS" pitchFamily="66" charset="0"/>
+              </a:defRPr>
+            </a:lvl2pPr>
+            <a:lvl3pPr algn="ctr" rtl="0" eaLnBrk="0" fontAlgn="base" hangingPunct="0">
+              <a:spcBef>
+                <a:spcPct val="0"/>
+              </a:spcBef>
+              <a:spcAft>
+                <a:spcPct val="0"/>
+              </a:spcAft>
+              <a:defRPr sz="3600" b="1">
+                <a:solidFill>
+                  <a:schemeClr val="tx2"/>
+                </a:solidFill>
+                <a:latin typeface="Comic Sans MS" pitchFamily="66" charset="0"/>
+              </a:defRPr>
+            </a:lvl3pPr>
+            <a:lvl4pPr algn="ctr" rtl="0" eaLnBrk="0" fontAlgn="base" hangingPunct="0">
+              <a:spcBef>
+                <a:spcPct val="0"/>
+              </a:spcBef>
+              <a:spcAft>
+                <a:spcPct val="0"/>
+              </a:spcAft>
+              <a:defRPr sz="3600" b="1">
+                <a:solidFill>
+                  <a:schemeClr val="tx2"/>
+                </a:solidFill>
+                <a:latin typeface="Comic Sans MS" pitchFamily="66" charset="0"/>
+              </a:defRPr>
+            </a:lvl4pPr>
+            <a:lvl5pPr algn="ctr" rtl="0" eaLnBrk="0" fontAlgn="base" hangingPunct="0">
+              <a:spcBef>
+                <a:spcPct val="0"/>
+              </a:spcBef>
+              <a:spcAft>
+                <a:spcPct val="0"/>
+              </a:spcAft>
+              <a:defRPr sz="3600" b="1">
+                <a:solidFill>
+                  <a:schemeClr val="tx2"/>
+                </a:solidFill>
+                <a:latin typeface="Comic Sans MS" pitchFamily="66" charset="0"/>
+              </a:defRPr>
+            </a:lvl5pPr>
+            <a:lvl6pPr marL="457200" algn="ctr" rtl="0" fontAlgn="base">
+              <a:spcBef>
+                <a:spcPct val="0"/>
+              </a:spcBef>
+              <a:spcAft>
+                <a:spcPct val="0"/>
+              </a:spcAft>
+              <a:defRPr sz="3600" b="1">
+                <a:solidFill>
+                  <a:schemeClr val="tx2"/>
+                </a:solidFill>
+                <a:latin typeface="Comic Sans MS" pitchFamily="66" charset="0"/>
+              </a:defRPr>
+            </a:lvl6pPr>
+            <a:lvl7pPr marL="914400" algn="ctr" rtl="0" fontAlgn="base">
+              <a:spcBef>
+                <a:spcPct val="0"/>
+              </a:spcBef>
+              <a:spcAft>
+                <a:spcPct val="0"/>
+              </a:spcAft>
+              <a:defRPr sz="3600" b="1">
+                <a:solidFill>
+                  <a:schemeClr val="tx2"/>
+                </a:solidFill>
+                <a:latin typeface="Comic Sans MS" pitchFamily="66" charset="0"/>
+              </a:defRPr>
+            </a:lvl7pPr>
+            <a:lvl8pPr marL="1371600" algn="ctr" rtl="0" fontAlgn="base">
+              <a:spcBef>
+                <a:spcPct val="0"/>
+              </a:spcBef>
+              <a:spcAft>
+                <a:spcPct val="0"/>
+              </a:spcAft>
+              <a:defRPr sz="3600" b="1">
+                <a:solidFill>
+                  <a:schemeClr val="tx2"/>
+                </a:solidFill>
+                <a:latin typeface="Comic Sans MS" pitchFamily="66" charset="0"/>
+              </a:defRPr>
+            </a:lvl8pPr>
+            <a:lvl9pPr marL="1828800" algn="ctr" rtl="0" fontAlgn="base">
+              <a:spcBef>
+                <a:spcPct val="0"/>
+              </a:spcBef>
+              <a:spcAft>
+                <a:spcPct val="0"/>
+              </a:spcAft>
+              <a:defRPr sz="3600" b="1">
+                <a:solidFill>
+                  <a:schemeClr val="tx2"/>
+                </a:solidFill>
+                <a:latin typeface="Comic Sans MS" pitchFamily="66" charset="0"/>
+              </a:defRPr>
+            </a:lvl9pPr>
+          </a:lstStyle>
+          <a:p>
+            <a:pPr eaLnBrk="1" hangingPunct="1"/>
+            <a:r>
+              <a:rPr lang="en-US" sz="4000" dirty="0" smtClean="0">
+                <a:solidFill>
+                  <a:schemeClr val="tx1"/>
+                </a:solidFill>
+              </a:rPr>
+              <a:t>99% accuracy still useful</a:t>
+            </a:r>
+            <a:endParaRPr lang="en-US" sz="4000" dirty="0" smtClean="0">
+              <a:solidFill>
+                <a:schemeClr val="tx1"/>
+              </a:solidFill>
+            </a:endParaRPr>
+          </a:p>
+        </p:txBody>
+      </p:sp>
+    </p:spTree>
+    <p:extLst>
+      <p:ext uri="{BB962C8B-B14F-4D97-AF65-F5344CB8AC3E}">
+        <p14:creationId xmlns:p14="http://schemas.microsoft.com/office/powerpoint/2010/main" val="4007180300"/>
+      </p:ext>
+    </p:extLst>
+  </p:cSld>
+  <p:clrMapOvr>
+    <a:masterClrMapping/>
+  </p:clrMapOvr>
+  <mc:AlternateContent xmlns:mc="http://schemas.openxmlformats.org/markup-compatibility/2006" xmlns:p14="http://schemas.microsoft.com/office/powerpoint/2010/main">
+    <mc:Choice Requires="p14">
+      <p:transition spd="med" p14:dur="700" advClick="0">
+        <p:fade/>
+      </p:transition>
+    </mc:Choice>
+    <mc:Fallback xmlns="">
+      <p:transition xmlns:p14="http://schemas.microsoft.com/office/powerpoint/2010/main" spd="med" advClick="0">
+        <p:fade/>
+      </p:transition>
+    </mc:Fallback>
+  </mc:AlternateContent>
+  <p:timing>
+    <p:tnLst>
+      <p:par>
+        <p:cTn xmlns:p14="http://schemas.microsoft.com/office/powerpoint/2010/main" id="1" dur="indefinite" restart="never" nodeType="tmRoot"/>
+      </p:par>
+    </p:tnLst>
+  </p:timing>
+</p:sld>
+</file>
+
+<file path=ppt/slides/slide27.xml><?xml version="1.0" encoding="utf-8"?>
+<p:sld xmlns:a="http://schemas.openxmlformats.org/drawingml/2006/main" xmlns:r="http://schemas.openxmlformats.org/officeDocument/2006/relationships" xmlns:p="http://schemas.openxmlformats.org/presentationml/2006/main">
+  <p:cSld>
+    <p:spTree>
+      <p:nvGrpSpPr>
+        <p:cNvPr id="1" name=""/>
+        <p:cNvGrpSpPr/>
+        <p:nvPr/>
+      </p:nvGrpSpPr>
+      <p:grpSpPr>
+        <a:xfrm>
+          <a:off x="0" y="0"/>
+          <a:ext cx="0" cy="0"/>
+          <a:chOff x="0" y="0"/>
+          <a:chExt cx="0" cy="0"/>
+        </a:xfrm>
+      </p:grpSpPr>
+      <p:sp>
+        <p:nvSpPr>
+          <p:cNvPr id="4" name="Slide Number Placeholder 3"/>
+          <p:cNvSpPr>
+            <a:spLocks noGrp="1"/>
+          </p:cNvSpPr>
+          <p:nvPr>
+            <p:ph type="sldNum" sz="quarter" idx="4"/>
+          </p:nvPr>
+        </p:nvSpPr>
+        <p:spPr/>
+        <p:txBody>
+          <a:bodyPr/>
+          <a:lstStyle/>
+          <a:p>
+            <a:pPr>
+              <a:defRPr/>
+            </a:pPr>
+            <a:r>
+              <a:rPr lang="en-US" dirty="0" err="1" smtClean="0"/>
+              <a:t>bayes</a:t>
+            </a:r>
+            <a:r>
+              <a:rPr lang="en-US" dirty="0" smtClean="0"/>
+              <a:t>.</a:t>
+            </a:r>
+            <a:fld id="{B9A0B45D-6AFD-413C-B761-B121FB8BE940}" type="slidenum">
+              <a:rPr lang="en-US" smtClean="0"/>
+              <a:pPr>
+                <a:defRPr/>
+              </a:pPr>
+              <a:t>27</a:t>
+            </a:fld>
+            <a:endParaRPr lang="en-US" dirty="0"/>
+          </a:p>
+        </p:txBody>
+      </p:sp>
+      <p:sp>
+        <p:nvSpPr>
+          <p:cNvPr id="6" name="TextBox 5"/>
+          <p:cNvSpPr txBox="1"/>
+          <p:nvPr/>
+        </p:nvSpPr>
+        <p:spPr>
+          <a:xfrm>
+            <a:off x="386739" y="2269257"/>
+            <a:ext cx="8341947" cy="2308324"/>
+          </a:xfrm>
+          <a:prstGeom prst="rect">
+            <a:avLst/>
+          </a:prstGeom>
+          <a:noFill/>
+        </p:spPr>
+        <p:txBody>
+          <a:bodyPr wrap="none" rtlCol="0">
+            <a:spAutoFit/>
+          </a:bodyPr>
+          <a:lstStyle/>
+          <a:p>
+            <a:pPr algn="l"/>
+            <a:r>
+              <a:rPr lang="en-US" sz="4800" dirty="0" smtClean="0">
+                <a:latin typeface="Comic Sans MS"/>
+                <a:cs typeface="Comic Sans MS"/>
+              </a:rPr>
+              <a:t>Medicate the 3.5M who test</a:t>
+            </a:r>
+          </a:p>
+          <a:p>
+            <a:pPr algn="l"/>
+            <a:r>
+              <a:rPr lang="en-US" sz="4800" dirty="0" smtClean="0">
+                <a:latin typeface="Comic Sans MS"/>
+                <a:cs typeface="Comic Sans MS"/>
+              </a:rPr>
+              <a:t>positive, and you’re likely to</a:t>
+            </a:r>
+          </a:p>
+          <a:p>
+            <a:pPr algn="l"/>
+            <a:r>
+              <a:rPr lang="en-US" sz="4800" dirty="0" smtClean="0">
+                <a:latin typeface="Comic Sans MS"/>
+                <a:cs typeface="Comic Sans MS"/>
+              </a:rPr>
+              <a:t>cure nearly all the cases.</a:t>
+            </a:r>
+            <a:endParaRPr lang="en-US" sz="4800" dirty="0" smtClean="0">
+              <a:latin typeface="Comic Sans MS"/>
+              <a:cs typeface="Comic Sans MS"/>
+            </a:endParaRPr>
+          </a:p>
+        </p:txBody>
+      </p:sp>
+      <p:sp>
+        <p:nvSpPr>
+          <p:cNvPr id="5" name="Rectangle 4"/>
+          <p:cNvSpPr txBox="1">
+            <a:spLocks noChangeArrowheads="1"/>
+          </p:cNvSpPr>
+          <p:nvPr/>
+        </p:nvSpPr>
+        <p:spPr bwMode="auto">
+          <a:xfrm>
+            <a:off x="1355099" y="250306"/>
+            <a:ext cx="7266290" cy="1112484"/>
+          </a:xfrm>
+          <a:prstGeom prst="rect">
+            <a:avLst/>
+          </a:prstGeom>
+          <a:noFill/>
+          <a:ln w="9525">
+            <a:noFill/>
+            <a:miter lim="800000"/>
+            <a:headEnd/>
+            <a:tailEnd/>
+          </a:ln>
+        </p:spPr>
+        <p:txBody>
+          <a:bodyPr vert="horz" wrap="square" lIns="91440" tIns="45720" rIns="91440" bIns="45720" numCol="1" anchor="ctr" anchorCtr="0" compatLnSpc="1">
+            <a:prstTxWarp prst="textNoShape">
+              <a:avLst/>
+            </a:prstTxWarp>
+          </a:bodyPr>
+          <a:lstStyle>
+            <a:lvl1pPr algn="ctr" rtl="0" eaLnBrk="0" fontAlgn="base" hangingPunct="0">
+              <a:spcBef>
+                <a:spcPct val="0"/>
+              </a:spcBef>
+              <a:spcAft>
+                <a:spcPct val="0"/>
+              </a:spcAft>
+              <a:defRPr sz="3200" b="1">
+                <a:solidFill>
+                  <a:schemeClr val="tx2"/>
+                </a:solidFill>
+                <a:latin typeface="+mj-lt"/>
+                <a:ea typeface="+mj-ea"/>
+                <a:cs typeface="+mj-cs"/>
+              </a:defRPr>
+            </a:lvl1pPr>
+            <a:lvl2pPr algn="ctr" rtl="0" eaLnBrk="0" fontAlgn="base" hangingPunct="0">
+              <a:spcBef>
+                <a:spcPct val="0"/>
+              </a:spcBef>
+              <a:spcAft>
+                <a:spcPct val="0"/>
+              </a:spcAft>
+              <a:defRPr sz="3600" b="1">
+                <a:solidFill>
+                  <a:schemeClr val="tx2"/>
+                </a:solidFill>
+                <a:latin typeface="Comic Sans MS" pitchFamily="66" charset="0"/>
+              </a:defRPr>
+            </a:lvl2pPr>
+            <a:lvl3pPr algn="ctr" rtl="0" eaLnBrk="0" fontAlgn="base" hangingPunct="0">
+              <a:spcBef>
+                <a:spcPct val="0"/>
+              </a:spcBef>
+              <a:spcAft>
+                <a:spcPct val="0"/>
+              </a:spcAft>
+              <a:defRPr sz="3600" b="1">
+                <a:solidFill>
+                  <a:schemeClr val="tx2"/>
+                </a:solidFill>
+                <a:latin typeface="Comic Sans MS" pitchFamily="66" charset="0"/>
+              </a:defRPr>
+            </a:lvl3pPr>
+            <a:lvl4pPr algn="ctr" rtl="0" eaLnBrk="0" fontAlgn="base" hangingPunct="0">
+              <a:spcBef>
+                <a:spcPct val="0"/>
+              </a:spcBef>
+              <a:spcAft>
+                <a:spcPct val="0"/>
+              </a:spcAft>
+              <a:defRPr sz="3600" b="1">
+                <a:solidFill>
+                  <a:schemeClr val="tx2"/>
+                </a:solidFill>
+                <a:latin typeface="Comic Sans MS" pitchFamily="66" charset="0"/>
+              </a:defRPr>
+            </a:lvl4pPr>
+            <a:lvl5pPr algn="ctr" rtl="0" eaLnBrk="0" fontAlgn="base" hangingPunct="0">
+              <a:spcBef>
+                <a:spcPct val="0"/>
+              </a:spcBef>
+              <a:spcAft>
+                <a:spcPct val="0"/>
+              </a:spcAft>
+              <a:defRPr sz="3600" b="1">
+                <a:solidFill>
+                  <a:schemeClr val="tx2"/>
+                </a:solidFill>
+                <a:latin typeface="Comic Sans MS" pitchFamily="66" charset="0"/>
+              </a:defRPr>
+            </a:lvl5pPr>
+            <a:lvl6pPr marL="457200" algn="ctr" rtl="0" fontAlgn="base">
+              <a:spcBef>
+                <a:spcPct val="0"/>
+              </a:spcBef>
+              <a:spcAft>
+                <a:spcPct val="0"/>
+              </a:spcAft>
+              <a:defRPr sz="3600" b="1">
+                <a:solidFill>
+                  <a:schemeClr val="tx2"/>
+                </a:solidFill>
+                <a:latin typeface="Comic Sans MS" pitchFamily="66" charset="0"/>
+              </a:defRPr>
+            </a:lvl6pPr>
+            <a:lvl7pPr marL="914400" algn="ctr" rtl="0" fontAlgn="base">
+              <a:spcBef>
+                <a:spcPct val="0"/>
+              </a:spcBef>
+              <a:spcAft>
+                <a:spcPct val="0"/>
+              </a:spcAft>
+              <a:defRPr sz="3600" b="1">
+                <a:solidFill>
+                  <a:schemeClr val="tx2"/>
+                </a:solidFill>
+                <a:latin typeface="Comic Sans MS" pitchFamily="66" charset="0"/>
+              </a:defRPr>
+            </a:lvl7pPr>
+            <a:lvl8pPr marL="1371600" algn="ctr" rtl="0" fontAlgn="base">
+              <a:spcBef>
+                <a:spcPct val="0"/>
+              </a:spcBef>
+              <a:spcAft>
+                <a:spcPct val="0"/>
+              </a:spcAft>
+              <a:defRPr sz="3600" b="1">
+                <a:solidFill>
+                  <a:schemeClr val="tx2"/>
+                </a:solidFill>
+                <a:latin typeface="Comic Sans MS" pitchFamily="66" charset="0"/>
+              </a:defRPr>
+            </a:lvl8pPr>
+            <a:lvl9pPr marL="1828800" algn="ctr" rtl="0" fontAlgn="base">
+              <a:spcBef>
+                <a:spcPct val="0"/>
+              </a:spcBef>
+              <a:spcAft>
+                <a:spcPct val="0"/>
+              </a:spcAft>
+              <a:defRPr sz="3600" b="1">
+                <a:solidFill>
+                  <a:schemeClr val="tx2"/>
+                </a:solidFill>
+                <a:latin typeface="Comic Sans MS" pitchFamily="66" charset="0"/>
+              </a:defRPr>
+            </a:lvl9pPr>
+          </a:lstStyle>
+          <a:p>
+            <a:pPr eaLnBrk="1" hangingPunct="1"/>
+            <a:r>
+              <a:rPr lang="en-US" sz="4000" dirty="0" smtClean="0">
+                <a:solidFill>
+                  <a:schemeClr val="tx1"/>
+                </a:solidFill>
+              </a:rPr>
+              <a:t>99% accuracy still useful</a:t>
+            </a:r>
+            <a:endParaRPr lang="en-US" sz="4000" dirty="0" smtClean="0">
+              <a:solidFill>
+                <a:schemeClr val="tx1"/>
+              </a:solidFill>
+            </a:endParaRPr>
+          </a:p>
+        </p:txBody>
+      </p:sp>
+    </p:spTree>
+    <p:extLst>
+      <p:ext uri="{BB962C8B-B14F-4D97-AF65-F5344CB8AC3E}">
+        <p14:creationId xmlns:p14="http://schemas.microsoft.com/office/powerpoint/2010/main" val="2890415697"/>
+      </p:ext>
+    </p:extLst>
+  </p:cSld>
+  <p:clrMapOvr>
+    <a:masterClrMapping/>
+  </p:clrMapOvr>
+  <mc:AlternateContent xmlns:mc="http://schemas.openxmlformats.org/markup-compatibility/2006" xmlns:p14="http://schemas.microsoft.com/office/powerpoint/2010/main">
+    <mc:Choice Requires="p14">
+      <p:transition spd="med" p14:dur="700" advClick="0">
+        <p:fade/>
+      </p:transition>
+    </mc:Choice>
+    <mc:Fallback xmlns="">
+      <p:transition xmlns:p14="http://schemas.microsoft.com/office/powerpoint/2010/main" spd="med" advClick="0">
+        <p:fade/>
+      </p:transition>
+    </mc:Fallback>
+  </mc:AlternateContent>
+  <p:timing>
+    <p:tnLst>
+      <p:par>
+        <p:cTn xmlns:p14="http://schemas.microsoft.com/office/powerpoint/2010/main" id="1" dur="indefinite" restart="never" nodeType="tmRoot"/>
+      </p:par>
+    </p:tnLst>
+  </p:timing>
+</p:sld>
+</file>
+
 <file path=ppt/slides/slide3.xml><?xml version="1.0" encoding="utf-8"?>
 <p:sld xmlns:a="http://schemas.openxmlformats.org/drawingml/2006/main" xmlns:r="http://schemas.openxmlformats.org/officeDocument/2006/relationships" xmlns:p="http://schemas.openxmlformats.org/presentationml/2006/main">
   <p:cSld>
@@ -13650,11 +14958,6 @@
               </a:rPr>
               <a:t>99% accurate TB testing</a:t>
             </a:r>
-            <a:endParaRPr lang="en-US" sz="4000" dirty="0" smtClean="0">
-              <a:solidFill>
-                <a:schemeClr val="tx1"/>
-              </a:solidFill>
-            </a:endParaRPr>
           </a:p>
         </p:txBody>
       </p:sp>
@@ -13997,12 +15300,6 @@
               </a:rPr>
               <a:t>it says you have TB!</a:t>
             </a:r>
-            <a:endParaRPr lang="en-US" sz="4400" dirty="0" smtClean="0">
-              <a:solidFill>
-                <a:srgbClr val="EE040A"/>
-              </a:solidFill>
-              <a:latin typeface="+mj-lt"/>
-            </a:endParaRPr>
           </a:p>
         </p:txBody>
       </p:sp>
@@ -14036,11 +15333,6 @@
               </a:rPr>
               <a:t>99% accurate TB testing</a:t>
             </a:r>
-            <a:endParaRPr lang="en-US" sz="4000" dirty="0" smtClean="0">
-              <a:solidFill>
-                <a:schemeClr val="tx1"/>
-              </a:solidFill>
-            </a:endParaRPr>
           </a:p>
         </p:txBody>
       </p:sp>
@@ -14056,13 +15348,13 @@
   </p:clrMapOvr>
   <mc:AlternateContent xmlns:mc="http://schemas.openxmlformats.org/markup-compatibility/2006">
     <mc:Choice xmlns:p14="http://schemas.microsoft.com/office/powerpoint/2010/main" Requires="p14">
-      <p:transition spd="med" p14:dur="700" advClick="0">
-        <p:fade thruBlk="1"/>
+      <p:transition spd="slow" p14:dur="800" advClick="0">
+        <p:fade/>
       </p:transition>
     </mc:Choice>
     <mc:Fallback>
-      <p:transition xmlns:p14="http://schemas.microsoft.com/office/powerpoint/2010/main" spd="med" advClick="0">
-        <p:fade thruBlk="1"/>
+      <p:transition xmlns:p14="http://schemas.microsoft.com/office/powerpoint/2010/main" spd="slow" advClick="0">
+        <p:fade/>
       </p:transition>
     </mc:Fallback>
   </mc:AlternateContent>
@@ -14413,11 +15705,6 @@
               </a:rPr>
               <a:t>99% accurate TB testing</a:t>
             </a:r>
-            <a:endParaRPr lang="en-US" sz="4000" dirty="0" smtClean="0">
-              <a:solidFill>
-                <a:schemeClr val="tx1"/>
-              </a:solidFill>
-            </a:endParaRPr>
           </a:p>
         </p:txBody>
       </p:sp>
@@ -14431,18 +15718,9 @@
   <p:clrMapOvr>
     <a:masterClrMapping/>
   </p:clrMapOvr>
-  <mc:AlternateContent xmlns:mc="http://schemas.openxmlformats.org/markup-compatibility/2006">
-    <mc:Choice xmlns:p14="http://schemas.microsoft.com/office/powerpoint/2010/main" Requires="p14">
-      <p:transition spd="med" p14:dur="700" advClick="0">
-        <p:fade thruBlk="1"/>
-      </p:transition>
-    </mc:Choice>
-    <mc:Fallback>
-      <p:transition xmlns:p14="http://schemas.microsoft.com/office/powerpoint/2010/main" spd="med" advClick="0">
-        <p:fade thruBlk="1"/>
-      </p:transition>
-    </mc:Fallback>
-  </mc:AlternateContent>
+  <p:transition xmlns:p14="http://schemas.microsoft.com/office/powerpoint/2010/main" spd="slow" advClick="0">
+    <p:fade thruBlk="1"/>
+  </p:transition>
   <p:timing>
     <p:tnLst>
       <p:par>
@@ -14747,11 +16025,6 @@
               </a:rPr>
               <a:t>Do you have TB?</a:t>
             </a:r>
-            <a:endParaRPr lang="en-US" sz="4800" dirty="0" smtClean="0">
-              <a:solidFill>
-                <a:schemeClr val="tx1"/>
-              </a:solidFill>
-            </a:endParaRPr>
           </a:p>
         </p:txBody>
       </p:sp>
@@ -14959,28 +16232,16 @@
               <a:rPr lang="en-US" sz="4800" dirty="0" smtClean="0">
                 <a:latin typeface="+mj-lt"/>
               </a:rPr>
-              <a:t>you </a:t>
-            </a:r>
+              <a:t>you have TB given that a</a:t>
+            </a:r>
+          </a:p>
+          <a:p>
+            <a:pPr algn="l"/>
             <a:r>
               <a:rPr lang="en-US" sz="4800" dirty="0" smtClean="0">
                 <a:latin typeface="+mj-lt"/>
               </a:rPr>
-              <a:t>have TB given that a</a:t>
-            </a:r>
-          </a:p>
-          <a:p>
-            <a:pPr algn="l"/>
-            <a:r>
-              <a:rPr lang="en-US" sz="4800" dirty="0" smtClean="0">
-                <a:latin typeface="+mj-lt"/>
-              </a:rPr>
-              <a:t>99% accurate </a:t>
-            </a:r>
-            <a:r>
-              <a:rPr lang="en-US" sz="4800" dirty="0" smtClean="0">
-                <a:latin typeface="+mj-lt"/>
-              </a:rPr>
-              <a:t>says you do</a:t>
+              <a:t>99% accurate says you do</a:t>
             </a:r>
             <a:r>
               <a:rPr lang="en-US" sz="5400" dirty="0" smtClean="0">
@@ -15051,12 +16312,6 @@
               </a:rPr>
               <a:t>] </a:t>
             </a:r>
-            <a:endParaRPr lang="en-US" sz="5400" dirty="0" smtClean="0">
-              <a:solidFill>
-                <a:srgbClr val="0000CC"/>
-              </a:solidFill>
-              <a:latin typeface="+mj-lt"/>
-            </a:endParaRPr>
           </a:p>
         </p:txBody>
       </p:sp>
@@ -15082,7 +16337,7 @@
           <a:graphicData uri="http://schemas.openxmlformats.org/presentationml/2006/ole">
             <mc:AlternateContent xmlns:mc="http://schemas.openxmlformats.org/markup-compatibility/2006">
               <mc:Choice xmlns:v="urn:schemas-microsoft-com:vml" Requires="v">
-                <p:oleObj spid="_x0000_s366612" name="Equation" r:id="rId4" imgW="1752600" imgH="241300" progId="Equation.DSMT4">
+                <p:oleObj spid="_x0000_s366615" name="Equation" r:id="rId4" imgW="1752600" imgH="241300" progId="Equation.DSMT4">
                   <p:embed/>
                 </p:oleObj>
               </mc:Choice>
@@ -15148,12 +16403,6 @@
               </a:rPr>
               <a:t>       +              </a:t>
             </a:r>
-            <a:endParaRPr lang="en-US" sz="6000" dirty="0" smtClean="0">
-              <a:solidFill>
-                <a:srgbClr val="247643"/>
-              </a:solidFill>
-              <a:latin typeface="+mj-lt"/>
-            </a:endParaRPr>
           </a:p>
         </p:txBody>
       </p:sp>
@@ -15615,7 +16864,7 @@
           <a:graphicData uri="http://schemas.openxmlformats.org/presentationml/2006/ole">
             <mc:AlternateContent xmlns:mc="http://schemas.openxmlformats.org/markup-compatibility/2006">
               <mc:Choice xmlns:v="urn:schemas-microsoft-com:vml" Requires="v">
-                <p:oleObj spid="_x0000_s371738" name="Equation" r:id="rId4" imgW="1016000" imgH="241300" progId="Equation.DSMT4">
+                <p:oleObj spid="_x0000_s371743" name="Equation" r:id="rId4" imgW="1016000" imgH="241300" progId="Equation.DSMT4">
                   <p:embed/>
                 </p:oleObj>
               </mc:Choice>
@@ -15672,7 +16921,7 @@
           <a:graphicData uri="http://schemas.openxmlformats.org/presentationml/2006/ole">
             <mc:AlternateContent xmlns:mc="http://schemas.openxmlformats.org/markup-compatibility/2006">
               <mc:Choice xmlns:v="urn:schemas-microsoft-com:vml" Requires="v">
-                <p:oleObj spid="_x0000_s371739" name="Equation" r:id="rId6" imgW="1473200" imgH="469900" progId="Equation.DSMT4">
+                <p:oleObj spid="_x0000_s371744" name="Equation" r:id="rId6" imgW="1473200" imgH="469900" progId="Equation.DSMT4">
                   <p:embed/>
                 </p:oleObj>
               </mc:Choice>
@@ -15744,9 +16993,6 @@
               </a:rPr>
               <a:t> rate only 1%</a:t>
             </a:r>
-            <a:endParaRPr lang="en-US" sz="5400" dirty="0" smtClean="0">
-              <a:latin typeface="+mj-lt"/>
-            </a:endParaRPr>
           </a:p>
         </p:txBody>
       </p:sp>
@@ -15780,11 +17026,6 @@
               </a:rPr>
               <a:t>Do you have TB?</a:t>
             </a:r>
-            <a:endParaRPr lang="en-US" sz="4800" dirty="0" smtClean="0">
-              <a:solidFill>
-                <a:schemeClr val="tx1"/>
-              </a:solidFill>
-            </a:endParaRPr>
           </a:p>
         </p:txBody>
       </p:sp>
@@ -15799,7 +17040,7 @@
     <a:masterClrMapping/>
   </p:clrMapOvr>
   <p:transition xmlns:p14="http://schemas.microsoft.com/office/powerpoint/2010/main" spd="slow" advClick="0">
-    <p:fade/>
+    <p:fade thruBlk="1"/>
   </p:transition>
   <p:timing>
     <p:tnLst>
@@ -16189,7 +17430,7 @@
           <a:graphicData uri="http://schemas.openxmlformats.org/presentationml/2006/ole">
             <mc:AlternateContent xmlns:mc="http://schemas.openxmlformats.org/markup-compatibility/2006">
               <mc:Choice xmlns:v="urn:schemas-microsoft-com:vml" Requires="v">
-                <p:oleObj spid="_x0000_s358447" name="Equation" r:id="rId4" imgW="1727200" imgH="495300" progId="Equation.DSMT4">
+                <p:oleObj spid="_x0000_s358452" name="Equation" r:id="rId4" imgW="1727200" imgH="495300" progId="Equation.DSMT4">
                   <p:embed/>
                 </p:oleObj>
               </mc:Choice>
@@ -16254,11 +17495,6 @@
               </a:rPr>
               <a:t>Do you have TB?</a:t>
             </a:r>
-            <a:endParaRPr lang="en-US" sz="4800" dirty="0" smtClean="0">
-              <a:solidFill>
-                <a:schemeClr val="tx1"/>
-              </a:solidFill>
-            </a:endParaRPr>
           </a:p>
         </p:txBody>
       </p:sp>
@@ -16284,7 +17520,7 @@
           <a:graphicData uri="http://schemas.openxmlformats.org/presentationml/2006/ole">
             <mc:AlternateContent xmlns:mc="http://schemas.openxmlformats.org/markup-compatibility/2006">
               <mc:Choice xmlns:v="urn:schemas-microsoft-com:vml" Requires="v">
-                <p:oleObj spid="_x0000_s358448" name="Equation" r:id="rId6" imgW="1422400" imgH="495300" progId="Equation.DSMT4">
+                <p:oleObj spid="_x0000_s358453" name="Equation" r:id="rId6" imgW="1422400" imgH="495300" progId="Equation.DSMT4">
                   <p:embed/>
                 </p:oleObj>
               </mc:Choice>
@@ -16374,12 +17610,6 @@
                 </a:rPr>
                 <a:t> 1</a:t>
               </a:r>
-              <a:endParaRPr lang="en-US" sz="6000" dirty="0" smtClean="0">
-                <a:solidFill>
-                  <a:srgbClr val="FF33CC"/>
-                </a:solidFill>
-                <a:latin typeface="+mj-lt"/>
-              </a:endParaRPr>
             </a:p>
           </p:txBody>
         </p:sp>

--- a/spring13/slides13/prob-bayes.pptx
+++ b/spring13/slides13/prob-bayes.pptx
@@ -5,10 +5,10 @@
     <p:sldMasterId id="2147483649" r:id="rId1"/>
   </p:sldMasterIdLst>
   <p:notesMasterIdLst>
-    <p:notesMasterId r:id="rId29"/>
+    <p:notesMasterId r:id="rId30"/>
   </p:notesMasterIdLst>
   <p:handoutMasterIdLst>
-    <p:handoutMasterId r:id="rId30"/>
+    <p:handoutMasterId r:id="rId31"/>
   </p:handoutMasterIdLst>
   <p:sldIdLst>
     <p:sldId id="306" r:id="rId2"/>
@@ -22,27 +22,28 @@
     <p:sldId id="408" r:id="rId10"/>
     <p:sldId id="427" r:id="rId11"/>
     <p:sldId id="404" r:id="rId12"/>
-    <p:sldId id="431" r:id="rId13"/>
-    <p:sldId id="430" r:id="rId14"/>
-    <p:sldId id="429" r:id="rId15"/>
-    <p:sldId id="412" r:id="rId16"/>
-    <p:sldId id="433" r:id="rId17"/>
-    <p:sldId id="435" r:id="rId18"/>
-    <p:sldId id="432" r:id="rId19"/>
-    <p:sldId id="428" r:id="rId20"/>
-    <p:sldId id="415" r:id="rId21"/>
-    <p:sldId id="417" r:id="rId22"/>
-    <p:sldId id="418" r:id="rId23"/>
-    <p:sldId id="419" r:id="rId24"/>
-    <p:sldId id="416" r:id="rId25"/>
-    <p:sldId id="436" r:id="rId26"/>
-    <p:sldId id="437" r:id="rId27"/>
-    <p:sldId id="438" r:id="rId28"/>
+    <p:sldId id="439" r:id="rId13"/>
+    <p:sldId id="431" r:id="rId14"/>
+    <p:sldId id="430" r:id="rId15"/>
+    <p:sldId id="429" r:id="rId16"/>
+    <p:sldId id="412" r:id="rId17"/>
+    <p:sldId id="433" r:id="rId18"/>
+    <p:sldId id="435" r:id="rId19"/>
+    <p:sldId id="432" r:id="rId20"/>
+    <p:sldId id="428" r:id="rId21"/>
+    <p:sldId id="415" r:id="rId22"/>
+    <p:sldId id="417" r:id="rId23"/>
+    <p:sldId id="418" r:id="rId24"/>
+    <p:sldId id="419" r:id="rId25"/>
+    <p:sldId id="416" r:id="rId26"/>
+    <p:sldId id="436" r:id="rId27"/>
+    <p:sldId id="437" r:id="rId28"/>
+    <p:sldId id="438" r:id="rId29"/>
   </p:sldIdLst>
   <p:sldSz cx="9144000" cy="6858000" type="screen4x3"/>
   <p:notesSz cx="9601200" cy="7315200"/>
   <p:custDataLst>
-    <p:tags r:id="rId32"/>
+    <p:tags r:id="rId33"/>
   </p:custDataLst>
   <p:defaultTextStyle>
     <a:defPPr>
@@ -1870,6 +1871,94 @@
               <a:rPr lang="en-US" smtClean="0"/>
               <a:pPr/>
               <a:t>2</a:t>
+            </a:fld>
+            <a:endParaRPr lang="en-US" smtClean="0"/>
+          </a:p>
+        </p:txBody>
+      </p:sp>
+      <p:sp>
+        <p:nvSpPr>
+          <p:cNvPr id="69635" name="Rectangle 2"/>
+          <p:cNvSpPr>
+            <a:spLocks noGrp="1" noRot="1" noChangeAspect="1" noChangeArrowheads="1" noTextEdit="1"/>
+          </p:cNvSpPr>
+          <p:nvPr>
+            <p:ph type="sldImg"/>
+          </p:nvPr>
+        </p:nvSpPr>
+        <p:spPr>
+          <a:ln/>
+        </p:spPr>
+      </p:sp>
+      <p:sp>
+        <p:nvSpPr>
+          <p:cNvPr id="69636" name="Rectangle 3"/>
+          <p:cNvSpPr>
+            <a:spLocks noGrp="1" noChangeArrowheads="1"/>
+          </p:cNvSpPr>
+          <p:nvPr>
+            <p:ph type="body" idx="1"/>
+          </p:nvPr>
+        </p:nvSpPr>
+        <p:spPr>
+          <a:noFill/>
+          <a:ln/>
+        </p:spPr>
+        <p:txBody>
+          <a:bodyPr/>
+          <a:lstStyle/>
+          <a:p>
+            <a:pPr eaLnBrk="1" hangingPunct="1"/>
+            <a:endParaRPr lang="en-US" smtClean="0"/>
+          </a:p>
+        </p:txBody>
+      </p:sp>
+    </p:spTree>
+  </p:cSld>
+  <p:clrMapOvr>
+    <a:masterClrMapping/>
+  </p:clrMapOvr>
+</p:notes>
+</file>
+
+<file path=ppt/notesSlides/notesSlide20.xml><?xml version="1.0" encoding="utf-8"?>
+<p:notes xmlns:a="http://schemas.openxmlformats.org/drawingml/2006/main" xmlns:r="http://schemas.openxmlformats.org/officeDocument/2006/relationships" xmlns:p="http://schemas.openxmlformats.org/presentationml/2006/main">
+  <p:cSld>
+    <p:spTree>
+      <p:nvGrpSpPr>
+        <p:cNvPr id="1" name=""/>
+        <p:cNvGrpSpPr/>
+        <p:nvPr/>
+      </p:nvGrpSpPr>
+      <p:grpSpPr>
+        <a:xfrm>
+          <a:off x="0" y="0"/>
+          <a:ext cx="0" cy="0"/>
+          <a:chOff x="0" y="0"/>
+          <a:chExt cx="0" cy="0"/>
+        </a:xfrm>
+      </p:grpSpPr>
+      <p:sp>
+        <p:nvSpPr>
+          <p:cNvPr id="69634" name="Rectangle 7"/>
+          <p:cNvSpPr>
+            <a:spLocks noGrp="1" noChangeArrowheads="1"/>
+          </p:cNvSpPr>
+          <p:nvPr>
+            <p:ph type="sldNum" sz="quarter" idx="5"/>
+          </p:nvPr>
+        </p:nvSpPr>
+        <p:spPr>
+          <a:noFill/>
+        </p:spPr>
+        <p:txBody>
+          <a:bodyPr/>
+          <a:lstStyle/>
+          <a:p>
+            <a:fld id="{47D539D4-74E1-492A-9468-BA66B65E4B96}" type="slidenum">
+              <a:rPr lang="en-US" smtClean="0"/>
+              <a:pPr/>
+              <a:t>20</a:t>
             </a:fld>
             <a:endParaRPr lang="en-US" smtClean="0"/>
           </a:p>
@@ -4153,7 +4242,7 @@
             </a:br>
             <a:r>
               <a:rPr lang="en-US" sz="8000" dirty="0" smtClean="0"/>
-              <a:t>Testing</a:t>
+              <a:t>Diagnosis</a:t>
             </a:r>
           </a:p>
         </p:txBody>
@@ -4634,20 +4723,20 @@
           <p:nvPr>
             <p:extLst>
               <p:ext uri="{D42A27DB-BD31-4B8C-83A1-F6EECF244321}">
-                <p14:modId xmlns:p14="http://schemas.microsoft.com/office/powerpoint/2010/main" val="3715230460"/>
+                <p14:modId xmlns:p14="http://schemas.microsoft.com/office/powerpoint/2010/main" val="3568409086"/>
               </p:ext>
             </p:extLst>
           </p:nvPr>
         </p:nvGraphicFramePr>
         <p:xfrm>
-          <a:off x="318143" y="1129339"/>
+          <a:off x="792175" y="914683"/>
           <a:ext cx="7635848" cy="2182631"/>
         </p:xfrm>
         <a:graphic>
           <a:graphicData uri="http://schemas.openxmlformats.org/presentationml/2006/ole">
             <mc:AlternateContent xmlns:mc="http://schemas.openxmlformats.org/markup-compatibility/2006">
               <mc:Choice xmlns:v="urn:schemas-microsoft-com:vml" Requires="v">
-                <p:oleObj spid="_x0000_s373782" name="Equation" r:id="rId4" imgW="1727200" imgH="495300" progId="Equation.DSMT4">
+                <p:oleObj spid="_x0000_s373796" name="Equation" r:id="rId4" imgW="1727200" imgH="495300" progId="Equation.DSMT4">
                   <p:embed/>
                 </p:oleObj>
               </mc:Choice>
@@ -4668,7 +4757,7 @@
                     </p:blipFill>
                     <p:spPr>
                       <a:xfrm>
-                        <a:off x="318143" y="1129339"/>
+                        <a:off x="792175" y="914683"/>
                         <a:ext cx="7635848" cy="2182631"/>
                       </a:xfrm>
                       <a:prstGeom prst="rect">
@@ -4737,7 +4826,7 @@
           <a:graphicData uri="http://schemas.openxmlformats.org/presentationml/2006/ole">
             <mc:AlternateContent xmlns:mc="http://schemas.openxmlformats.org/markup-compatibility/2006">
               <mc:Choice xmlns:v="urn:schemas-microsoft-com:vml" Requires="v">
-                <p:oleObj spid="_x0000_s373783" name="Equation" r:id="rId6" imgW="723900" imgH="495300" progId="Equation.DSMT4">
+                <p:oleObj spid="_x0000_s373797" name="Equation" r:id="rId6" imgW="723900" imgH="495300" progId="Equation.DSMT4">
                   <p:embed/>
                 </p:oleObj>
               </mc:Choice>
@@ -5031,25 +5120,25 @@
           <p:nvPr>
             <p:extLst>
               <p:ext uri="{D42A27DB-BD31-4B8C-83A1-F6EECF244321}">
-                <p14:modId xmlns:p14="http://schemas.microsoft.com/office/powerpoint/2010/main" val="3544701545"/>
+                <p14:modId xmlns:p14="http://schemas.microsoft.com/office/powerpoint/2010/main" val="3286273150"/>
               </p:ext>
             </p:extLst>
           </p:nvPr>
         </p:nvGraphicFramePr>
         <p:xfrm>
-          <a:off x="354013" y="1298575"/>
-          <a:ext cx="8361362" cy="1570038"/>
+          <a:off x="348829" y="1360548"/>
+          <a:ext cx="1882775" cy="696912"/>
         </p:xfrm>
         <a:graphic>
           <a:graphicData uri="http://schemas.openxmlformats.org/presentationml/2006/ole">
             <mc:AlternateContent xmlns:mc="http://schemas.openxmlformats.org/markup-compatibility/2006">
               <mc:Choice xmlns:v="urn:schemas-microsoft-com:vml" Requires="v">
-                <p:oleObj spid="_x0000_s354413" name="Equation" r:id="rId4" imgW="2425700" imgH="457200" progId="Equation.DSMT4">
+                <p:oleObj spid="_x0000_s354422" name="Equation" r:id="rId4" imgW="546100" imgH="203200" progId="Equation.DSMT4">
                   <p:embed/>
                 </p:oleObj>
               </mc:Choice>
               <mc:Fallback>
-                <p:oleObj name="Equation" r:id="rId4" imgW="2425700" imgH="457200" progId="Equation.DSMT4">
+                <p:oleObj name="Equation" r:id="rId4" imgW="546100" imgH="203200" progId="Equation.DSMT4">
                   <p:embed/>
                   <p:pic>
                     <p:nvPicPr>
@@ -5065,8 +5154,8 @@
                     </p:blipFill>
                     <p:spPr>
                       <a:xfrm>
-                        <a:off x="354013" y="1298575"/>
-                        <a:ext cx="8361362" cy="1570038"/>
+                        <a:off x="348829" y="1360548"/>
+                        <a:ext cx="1882775" cy="696912"/>
                       </a:xfrm>
                       <a:prstGeom prst="rect">
                         <a:avLst/>
@@ -5079,179 +5168,6 @@
           </a:graphicData>
         </a:graphic>
       </p:graphicFrame>
-      <p:sp>
-        <p:nvSpPr>
-          <p:cNvPr id="13" name="Rectangle 4"/>
-          <p:cNvSpPr txBox="1">
-            <a:spLocks noChangeArrowheads="1"/>
-          </p:cNvSpPr>
-          <p:nvPr/>
-        </p:nvSpPr>
-        <p:spPr bwMode="auto">
-          <a:xfrm>
-            <a:off x="1318020" y="381000"/>
-            <a:ext cx="6553200" cy="838200"/>
-          </a:xfrm>
-          <a:prstGeom prst="rect">
-            <a:avLst/>
-          </a:prstGeom>
-          <a:noFill/>
-          <a:ln w="9525">
-            <a:noFill/>
-            <a:miter lim="800000"/>
-            <a:headEnd/>
-            <a:tailEnd/>
-          </a:ln>
-        </p:spPr>
-        <p:txBody>
-          <a:bodyPr vert="horz" wrap="square" lIns="91440" tIns="45720" rIns="91440" bIns="45720" numCol="1" anchor="ctr" anchorCtr="0" compatLnSpc="1">
-            <a:prstTxWarp prst="textNoShape">
-              <a:avLst/>
-            </a:prstTxWarp>
-          </a:bodyPr>
-          <a:lstStyle>
-            <a:lvl1pPr algn="ctr" rtl="0" eaLnBrk="0" fontAlgn="base" hangingPunct="0">
-              <a:spcBef>
-                <a:spcPct val="0"/>
-              </a:spcBef>
-              <a:spcAft>
-                <a:spcPct val="0"/>
-              </a:spcAft>
-              <a:defRPr sz="3200" b="1">
-                <a:solidFill>
-                  <a:schemeClr val="tx2"/>
-                </a:solidFill>
-                <a:latin typeface="+mj-lt"/>
-                <a:ea typeface="+mj-ea"/>
-                <a:cs typeface="+mj-cs"/>
-              </a:defRPr>
-            </a:lvl1pPr>
-            <a:lvl2pPr algn="ctr" rtl="0" eaLnBrk="0" fontAlgn="base" hangingPunct="0">
-              <a:spcBef>
-                <a:spcPct val="0"/>
-              </a:spcBef>
-              <a:spcAft>
-                <a:spcPct val="0"/>
-              </a:spcAft>
-              <a:defRPr sz="3600" b="1">
-                <a:solidFill>
-                  <a:schemeClr val="tx2"/>
-                </a:solidFill>
-                <a:latin typeface="Comic Sans MS" pitchFamily="66" charset="0"/>
-              </a:defRPr>
-            </a:lvl2pPr>
-            <a:lvl3pPr algn="ctr" rtl="0" eaLnBrk="0" fontAlgn="base" hangingPunct="0">
-              <a:spcBef>
-                <a:spcPct val="0"/>
-              </a:spcBef>
-              <a:spcAft>
-                <a:spcPct val="0"/>
-              </a:spcAft>
-              <a:defRPr sz="3600" b="1">
-                <a:solidFill>
-                  <a:schemeClr val="tx2"/>
-                </a:solidFill>
-                <a:latin typeface="Comic Sans MS" pitchFamily="66" charset="0"/>
-              </a:defRPr>
-            </a:lvl3pPr>
-            <a:lvl4pPr algn="ctr" rtl="0" eaLnBrk="0" fontAlgn="base" hangingPunct="0">
-              <a:spcBef>
-                <a:spcPct val="0"/>
-              </a:spcBef>
-              <a:spcAft>
-                <a:spcPct val="0"/>
-              </a:spcAft>
-              <a:defRPr sz="3600" b="1">
-                <a:solidFill>
-                  <a:schemeClr val="tx2"/>
-                </a:solidFill>
-                <a:latin typeface="Comic Sans MS" pitchFamily="66" charset="0"/>
-              </a:defRPr>
-            </a:lvl4pPr>
-            <a:lvl5pPr algn="ctr" rtl="0" eaLnBrk="0" fontAlgn="base" hangingPunct="0">
-              <a:spcBef>
-                <a:spcPct val="0"/>
-              </a:spcBef>
-              <a:spcAft>
-                <a:spcPct val="0"/>
-              </a:spcAft>
-              <a:defRPr sz="3600" b="1">
-                <a:solidFill>
-                  <a:schemeClr val="tx2"/>
-                </a:solidFill>
-                <a:latin typeface="Comic Sans MS" pitchFamily="66" charset="0"/>
-              </a:defRPr>
-            </a:lvl5pPr>
-            <a:lvl6pPr marL="457200" algn="ctr" rtl="0" fontAlgn="base">
-              <a:spcBef>
-                <a:spcPct val="0"/>
-              </a:spcBef>
-              <a:spcAft>
-                <a:spcPct val="0"/>
-              </a:spcAft>
-              <a:defRPr sz="3600" b="1">
-                <a:solidFill>
-                  <a:schemeClr val="tx2"/>
-                </a:solidFill>
-                <a:latin typeface="Comic Sans MS" pitchFamily="66" charset="0"/>
-              </a:defRPr>
-            </a:lvl6pPr>
-            <a:lvl7pPr marL="914400" algn="ctr" rtl="0" fontAlgn="base">
-              <a:spcBef>
-                <a:spcPct val="0"/>
-              </a:spcBef>
-              <a:spcAft>
-                <a:spcPct val="0"/>
-              </a:spcAft>
-              <a:defRPr sz="3600" b="1">
-                <a:solidFill>
-                  <a:schemeClr val="tx2"/>
-                </a:solidFill>
-                <a:latin typeface="Comic Sans MS" pitchFamily="66" charset="0"/>
-              </a:defRPr>
-            </a:lvl7pPr>
-            <a:lvl8pPr marL="1371600" algn="ctr" rtl="0" fontAlgn="base">
-              <a:spcBef>
-                <a:spcPct val="0"/>
-              </a:spcBef>
-              <a:spcAft>
-                <a:spcPct val="0"/>
-              </a:spcAft>
-              <a:defRPr sz="3600" b="1">
-                <a:solidFill>
-                  <a:schemeClr val="tx2"/>
-                </a:solidFill>
-                <a:latin typeface="Comic Sans MS" pitchFamily="66" charset="0"/>
-              </a:defRPr>
-            </a:lvl8pPr>
-            <a:lvl9pPr marL="1828800" algn="ctr" rtl="0" fontAlgn="base">
-              <a:spcBef>
-                <a:spcPct val="0"/>
-              </a:spcBef>
-              <a:spcAft>
-                <a:spcPct val="0"/>
-              </a:spcAft>
-              <a:defRPr sz="3600" b="1">
-                <a:solidFill>
-                  <a:schemeClr val="tx2"/>
-                </a:solidFill>
-                <a:latin typeface="Comic Sans MS" pitchFamily="66" charset="0"/>
-              </a:defRPr>
-            </a:lvl9pPr>
-          </a:lstStyle>
-          <a:p>
-            <a:pPr eaLnBrk="1" hangingPunct="1"/>
-            <a:r>
-              <a:rPr lang="en-US" sz="4400" dirty="0" smtClean="0">
-                <a:solidFill>
-                  <a:schemeClr val="tx1"/>
-                </a:solidFill>
-              </a:rPr>
-              <a:t>You do or you don’t</a:t>
-            </a:r>
-          </a:p>
-        </p:txBody>
-      </p:sp>
       <p:sp>
         <p:nvSpPr>
           <p:cNvPr id="14" name="Rectangle 4"/>
@@ -5425,6 +5341,179 @@
           </a:p>
         </p:txBody>
       </p:sp>
+      <p:sp>
+        <p:nvSpPr>
+          <p:cNvPr id="9" name="Rectangle 4"/>
+          <p:cNvSpPr txBox="1">
+            <a:spLocks noChangeArrowheads="1"/>
+          </p:cNvSpPr>
+          <p:nvPr/>
+        </p:nvSpPr>
+        <p:spPr bwMode="auto">
+          <a:xfrm>
+            <a:off x="1318020" y="381000"/>
+            <a:ext cx="6553200" cy="838200"/>
+          </a:xfrm>
+          <a:prstGeom prst="rect">
+            <a:avLst/>
+          </a:prstGeom>
+          <a:noFill/>
+          <a:ln w="9525">
+            <a:noFill/>
+            <a:miter lim="800000"/>
+            <a:headEnd/>
+            <a:tailEnd/>
+          </a:ln>
+        </p:spPr>
+        <p:txBody>
+          <a:bodyPr vert="horz" wrap="square" lIns="91440" tIns="45720" rIns="91440" bIns="45720" numCol="1" anchor="ctr" anchorCtr="0" compatLnSpc="1">
+            <a:prstTxWarp prst="textNoShape">
+              <a:avLst/>
+            </a:prstTxWarp>
+          </a:bodyPr>
+          <a:lstStyle>
+            <a:lvl1pPr algn="ctr" rtl="0" eaLnBrk="0" fontAlgn="base" hangingPunct="0">
+              <a:spcBef>
+                <a:spcPct val="0"/>
+              </a:spcBef>
+              <a:spcAft>
+                <a:spcPct val="0"/>
+              </a:spcAft>
+              <a:defRPr sz="3200" b="1">
+                <a:solidFill>
+                  <a:schemeClr val="tx2"/>
+                </a:solidFill>
+                <a:latin typeface="+mj-lt"/>
+                <a:ea typeface="+mj-ea"/>
+                <a:cs typeface="+mj-cs"/>
+              </a:defRPr>
+            </a:lvl1pPr>
+            <a:lvl2pPr algn="ctr" rtl="0" eaLnBrk="0" fontAlgn="base" hangingPunct="0">
+              <a:spcBef>
+                <a:spcPct val="0"/>
+              </a:spcBef>
+              <a:spcAft>
+                <a:spcPct val="0"/>
+              </a:spcAft>
+              <a:defRPr sz="3600" b="1">
+                <a:solidFill>
+                  <a:schemeClr val="tx2"/>
+                </a:solidFill>
+                <a:latin typeface="Comic Sans MS" pitchFamily="66" charset="0"/>
+              </a:defRPr>
+            </a:lvl2pPr>
+            <a:lvl3pPr algn="ctr" rtl="0" eaLnBrk="0" fontAlgn="base" hangingPunct="0">
+              <a:spcBef>
+                <a:spcPct val="0"/>
+              </a:spcBef>
+              <a:spcAft>
+                <a:spcPct val="0"/>
+              </a:spcAft>
+              <a:defRPr sz="3600" b="1">
+                <a:solidFill>
+                  <a:schemeClr val="tx2"/>
+                </a:solidFill>
+                <a:latin typeface="Comic Sans MS" pitchFamily="66" charset="0"/>
+              </a:defRPr>
+            </a:lvl3pPr>
+            <a:lvl4pPr algn="ctr" rtl="0" eaLnBrk="0" fontAlgn="base" hangingPunct="0">
+              <a:spcBef>
+                <a:spcPct val="0"/>
+              </a:spcBef>
+              <a:spcAft>
+                <a:spcPct val="0"/>
+              </a:spcAft>
+              <a:defRPr sz="3600" b="1">
+                <a:solidFill>
+                  <a:schemeClr val="tx2"/>
+                </a:solidFill>
+                <a:latin typeface="Comic Sans MS" pitchFamily="66" charset="0"/>
+              </a:defRPr>
+            </a:lvl4pPr>
+            <a:lvl5pPr algn="ctr" rtl="0" eaLnBrk="0" fontAlgn="base" hangingPunct="0">
+              <a:spcBef>
+                <a:spcPct val="0"/>
+              </a:spcBef>
+              <a:spcAft>
+                <a:spcPct val="0"/>
+              </a:spcAft>
+              <a:defRPr sz="3600" b="1">
+                <a:solidFill>
+                  <a:schemeClr val="tx2"/>
+                </a:solidFill>
+                <a:latin typeface="Comic Sans MS" pitchFamily="66" charset="0"/>
+              </a:defRPr>
+            </a:lvl5pPr>
+            <a:lvl6pPr marL="457200" algn="ctr" rtl="0" fontAlgn="base">
+              <a:spcBef>
+                <a:spcPct val="0"/>
+              </a:spcBef>
+              <a:spcAft>
+                <a:spcPct val="0"/>
+              </a:spcAft>
+              <a:defRPr sz="3600" b="1">
+                <a:solidFill>
+                  <a:schemeClr val="tx2"/>
+                </a:solidFill>
+                <a:latin typeface="Comic Sans MS" pitchFamily="66" charset="0"/>
+              </a:defRPr>
+            </a:lvl6pPr>
+            <a:lvl7pPr marL="914400" algn="ctr" rtl="0" fontAlgn="base">
+              <a:spcBef>
+                <a:spcPct val="0"/>
+              </a:spcBef>
+              <a:spcAft>
+                <a:spcPct val="0"/>
+              </a:spcAft>
+              <a:defRPr sz="3600" b="1">
+                <a:solidFill>
+                  <a:schemeClr val="tx2"/>
+                </a:solidFill>
+                <a:latin typeface="Comic Sans MS" pitchFamily="66" charset="0"/>
+              </a:defRPr>
+            </a:lvl7pPr>
+            <a:lvl8pPr marL="1371600" algn="ctr" rtl="0" fontAlgn="base">
+              <a:spcBef>
+                <a:spcPct val="0"/>
+              </a:spcBef>
+              <a:spcAft>
+                <a:spcPct val="0"/>
+              </a:spcAft>
+              <a:defRPr sz="3600" b="1">
+                <a:solidFill>
+                  <a:schemeClr val="tx2"/>
+                </a:solidFill>
+                <a:latin typeface="Comic Sans MS" pitchFamily="66" charset="0"/>
+              </a:defRPr>
+            </a:lvl8pPr>
+            <a:lvl9pPr marL="1828800" algn="ctr" rtl="0" fontAlgn="base">
+              <a:spcBef>
+                <a:spcPct val="0"/>
+              </a:spcBef>
+              <a:spcAft>
+                <a:spcPct val="0"/>
+              </a:spcAft>
+              <a:defRPr sz="3600" b="1">
+                <a:solidFill>
+                  <a:schemeClr val="tx2"/>
+                </a:solidFill>
+                <a:latin typeface="Comic Sans MS" pitchFamily="66" charset="0"/>
+              </a:defRPr>
+            </a:lvl9pPr>
+          </a:lstStyle>
+          <a:p>
+            <a:pPr eaLnBrk="1" hangingPunct="1"/>
+            <a:r>
+              <a:rPr lang="en-US" sz="4400" dirty="0" smtClean="0">
+                <a:solidFill>
+                  <a:schemeClr val="tx1"/>
+                </a:solidFill>
+              </a:rPr>
+              <a:t>You do or you don’t</a:t>
+            </a:r>
+          </a:p>
+        </p:txBody>
+      </p:sp>
     </p:spTree>
     <p:extLst>
       <p:ext uri="{BB962C8B-B14F-4D97-AF65-F5344CB8AC3E}">
@@ -5450,9 +5539,6 @@
                     <p:cTn id="3" fill="hold">
                       <p:stCondLst>
                         <p:cond delay="indefinite"/>
-                        <p:cond evt="onBegin" delay="0">
-                          <p:tn val="2"/>
-                        </p:cond>
                       </p:stCondLst>
                       <p:childTnLst>
                         <p:par>
@@ -5462,7 +5548,7 @@
                             </p:stCondLst>
                             <p:childTnLst>
                               <p:par>
-                                <p:cTn id="5" presetID="22" presetClass="entr" presetSubtype="8" fill="hold" nodeType="afterEffect">
+                                <p:cTn id="5" presetID="10" presetClass="entr" presetSubtype="0" fill="hold" grpId="0" nodeType="clickEffect">
                                   <p:stCondLst>
                                     <p:cond delay="0"/>
                                   </p:stCondLst>
@@ -5475,7 +5561,7 @@
                                           </p:stCondLst>
                                         </p:cTn>
                                         <p:tgtEl>
-                                          <p:spTgt spid="11"/>
+                                          <p:spTgt spid="14"/>
                                         </p:tgtEl>
                                         <p:attrNameLst>
                                           <p:attrName>style.visibility</p:attrName>
@@ -5485,11 +5571,11 @@
                                         <p:strVal val="visible"/>
                                       </p:to>
                                     </p:set>
-                                    <p:animEffect transition="in" filter="wipe(left)">
+                                    <p:animEffect transition="in" filter="fade">
                                       <p:cBhvr>
-                                        <p:cTn id="7" dur="2000"/>
+                                        <p:cTn id="7" dur="500"/>
                                         <p:tgtEl>
-                                          <p:spTgt spid="11"/>
+                                          <p:spTgt spid="14"/>
                                         </p:tgtEl>
                                       </p:cBhvr>
                                     </p:animEffect>
@@ -5528,7 +5614,7 @@
                                           </p:stCondLst>
                                         </p:cTn>
                                         <p:tgtEl>
-                                          <p:spTgt spid="14"/>
+                                          <p:spTgt spid="9"/>
                                         </p:tgtEl>
                                         <p:attrNameLst>
                                           <p:attrName>style.visibility</p:attrName>
@@ -5542,7 +5628,7 @@
                                       <p:cBhvr>
                                         <p:cTn id="12" dur="500"/>
                                         <p:tgtEl>
-                                          <p:spTgt spid="14"/>
+                                          <p:spTgt spid="9"/>
                                         </p:tgtEl>
                                       </p:cBhvr>
                                     </p:animEffect>
@@ -5578,6 +5664,7 @@
     </p:tnLst>
     <p:bldLst>
       <p:bldP spid="14" grpId="0"/>
+      <p:bldP spid="9" grpId="0"/>
     </p:bldLst>
   </p:timing>
 </p:sld>
@@ -5819,7 +5906,7 @@
           <p:nvPr>
             <p:extLst>
               <p:ext uri="{D42A27DB-BD31-4B8C-83A1-F6EECF244321}">
-                <p14:modId xmlns:p14="http://schemas.microsoft.com/office/powerpoint/2010/main" val="1466624467"/>
+                <p14:modId xmlns:p14="http://schemas.microsoft.com/office/powerpoint/2010/main" val="576051348"/>
               </p:ext>
             </p:extLst>
           </p:nvPr>
@@ -5832,7 +5919,7 @@
           <a:graphicData uri="http://schemas.openxmlformats.org/presentationml/2006/ole">
             <mc:AlternateContent xmlns:mc="http://schemas.openxmlformats.org/markup-compatibility/2006">
               <mc:Choice xmlns:v="urn:schemas-microsoft-com:vml" Requires="v">
-                <p:oleObj spid="_x0000_s377872" name="Equation" r:id="rId4" imgW="2425700" imgH="457200" progId="Equation.DSMT4">
+                <p:oleObj spid="_x0000_s1030" name="Equation" r:id="rId4" imgW="2425700" imgH="457200" progId="Equation.DSMT4">
                   <p:embed/>
                 </p:oleObj>
               </mc:Choice>
@@ -5867,34 +5954,207 @@
           </a:graphicData>
         </a:graphic>
       </p:graphicFrame>
+      <p:sp>
+        <p:nvSpPr>
+          <p:cNvPr id="14" name="Rectangle 4"/>
+          <p:cNvSpPr txBox="1">
+            <a:spLocks noChangeArrowheads="1"/>
+          </p:cNvSpPr>
+          <p:nvPr/>
+        </p:nvSpPr>
+        <p:spPr bwMode="auto">
+          <a:xfrm>
+            <a:off x="1108878" y="3564918"/>
+            <a:ext cx="6553200" cy="838200"/>
+          </a:xfrm>
+          <a:prstGeom prst="rect">
+            <a:avLst/>
+          </a:prstGeom>
+          <a:noFill/>
+          <a:ln w="9525">
+            <a:noFill/>
+            <a:miter lim="800000"/>
+            <a:headEnd/>
+            <a:tailEnd/>
+          </a:ln>
+        </p:spPr>
+        <p:txBody>
+          <a:bodyPr vert="horz" wrap="square" lIns="91440" tIns="45720" rIns="91440" bIns="45720" numCol="1" anchor="ctr" anchorCtr="0" compatLnSpc="1">
+            <a:prstTxWarp prst="textNoShape">
+              <a:avLst/>
+            </a:prstTxWarp>
+          </a:bodyPr>
+          <a:lstStyle>
+            <a:lvl1pPr algn="ctr" rtl="0" eaLnBrk="0" fontAlgn="base" hangingPunct="0">
+              <a:spcBef>
+                <a:spcPct val="0"/>
+              </a:spcBef>
+              <a:spcAft>
+                <a:spcPct val="0"/>
+              </a:spcAft>
+              <a:defRPr sz="3200" b="1">
+                <a:solidFill>
+                  <a:schemeClr val="tx2"/>
+                </a:solidFill>
+                <a:latin typeface="+mj-lt"/>
+                <a:ea typeface="+mj-ea"/>
+                <a:cs typeface="+mj-cs"/>
+              </a:defRPr>
+            </a:lvl1pPr>
+            <a:lvl2pPr algn="ctr" rtl="0" eaLnBrk="0" fontAlgn="base" hangingPunct="0">
+              <a:spcBef>
+                <a:spcPct val="0"/>
+              </a:spcBef>
+              <a:spcAft>
+                <a:spcPct val="0"/>
+              </a:spcAft>
+              <a:defRPr sz="3600" b="1">
+                <a:solidFill>
+                  <a:schemeClr val="tx2"/>
+                </a:solidFill>
+                <a:latin typeface="Comic Sans MS" pitchFamily="66" charset="0"/>
+              </a:defRPr>
+            </a:lvl2pPr>
+            <a:lvl3pPr algn="ctr" rtl="0" eaLnBrk="0" fontAlgn="base" hangingPunct="0">
+              <a:spcBef>
+                <a:spcPct val="0"/>
+              </a:spcBef>
+              <a:spcAft>
+                <a:spcPct val="0"/>
+              </a:spcAft>
+              <a:defRPr sz="3600" b="1">
+                <a:solidFill>
+                  <a:schemeClr val="tx2"/>
+                </a:solidFill>
+                <a:latin typeface="Comic Sans MS" pitchFamily="66" charset="0"/>
+              </a:defRPr>
+            </a:lvl3pPr>
+            <a:lvl4pPr algn="ctr" rtl="0" eaLnBrk="0" fontAlgn="base" hangingPunct="0">
+              <a:spcBef>
+                <a:spcPct val="0"/>
+              </a:spcBef>
+              <a:spcAft>
+                <a:spcPct val="0"/>
+              </a:spcAft>
+              <a:defRPr sz="3600" b="1">
+                <a:solidFill>
+                  <a:schemeClr val="tx2"/>
+                </a:solidFill>
+                <a:latin typeface="Comic Sans MS" pitchFamily="66" charset="0"/>
+              </a:defRPr>
+            </a:lvl4pPr>
+            <a:lvl5pPr algn="ctr" rtl="0" eaLnBrk="0" fontAlgn="base" hangingPunct="0">
+              <a:spcBef>
+                <a:spcPct val="0"/>
+              </a:spcBef>
+              <a:spcAft>
+                <a:spcPct val="0"/>
+              </a:spcAft>
+              <a:defRPr sz="3600" b="1">
+                <a:solidFill>
+                  <a:schemeClr val="tx2"/>
+                </a:solidFill>
+                <a:latin typeface="Comic Sans MS" pitchFamily="66" charset="0"/>
+              </a:defRPr>
+            </a:lvl5pPr>
+            <a:lvl6pPr marL="457200" algn="ctr" rtl="0" fontAlgn="base">
+              <a:spcBef>
+                <a:spcPct val="0"/>
+              </a:spcBef>
+              <a:spcAft>
+                <a:spcPct val="0"/>
+              </a:spcAft>
+              <a:defRPr sz="3600" b="1">
+                <a:solidFill>
+                  <a:schemeClr val="tx2"/>
+                </a:solidFill>
+                <a:latin typeface="Comic Sans MS" pitchFamily="66" charset="0"/>
+              </a:defRPr>
+            </a:lvl6pPr>
+            <a:lvl7pPr marL="914400" algn="ctr" rtl="0" fontAlgn="base">
+              <a:spcBef>
+                <a:spcPct val="0"/>
+              </a:spcBef>
+              <a:spcAft>
+                <a:spcPct val="0"/>
+              </a:spcAft>
+              <a:defRPr sz="3600" b="1">
+                <a:solidFill>
+                  <a:schemeClr val="tx2"/>
+                </a:solidFill>
+                <a:latin typeface="Comic Sans MS" pitchFamily="66" charset="0"/>
+              </a:defRPr>
+            </a:lvl7pPr>
+            <a:lvl8pPr marL="1371600" algn="ctr" rtl="0" fontAlgn="base">
+              <a:spcBef>
+                <a:spcPct val="0"/>
+              </a:spcBef>
+              <a:spcAft>
+                <a:spcPct val="0"/>
+              </a:spcAft>
+              <a:defRPr sz="3600" b="1">
+                <a:solidFill>
+                  <a:schemeClr val="tx2"/>
+                </a:solidFill>
+                <a:latin typeface="Comic Sans MS" pitchFamily="66" charset="0"/>
+              </a:defRPr>
+            </a:lvl8pPr>
+            <a:lvl9pPr marL="1828800" algn="ctr" rtl="0" fontAlgn="base">
+              <a:spcBef>
+                <a:spcPct val="0"/>
+              </a:spcBef>
+              <a:spcAft>
+                <a:spcPct val="0"/>
+              </a:spcAft>
+              <a:defRPr sz="3600" b="1">
+                <a:solidFill>
+                  <a:schemeClr val="tx2"/>
+                </a:solidFill>
+                <a:latin typeface="Comic Sans MS" pitchFamily="66" charset="0"/>
+              </a:defRPr>
+            </a:lvl9pPr>
+          </a:lstStyle>
+          <a:p>
+            <a:pPr eaLnBrk="1" hangingPunct="1"/>
+            <a:r>
+              <a:rPr lang="en-US" sz="4400" dirty="0" smtClean="0">
+                <a:solidFill>
+                  <a:schemeClr val="tx1"/>
+                </a:solidFill>
+              </a:rPr>
+              <a:t>Total Probability Rule</a:t>
+            </a:r>
+          </a:p>
+        </p:txBody>
+      </p:sp>
       <p:graphicFrame>
         <p:nvGraphicFramePr>
-          <p:cNvPr id="10" name="Object 9"/>
+          <p:cNvPr id="8" name="Object 7"/>
           <p:cNvGraphicFramePr>
             <a:graphicFrameLocks noChangeAspect="1"/>
           </p:cNvGraphicFramePr>
           <p:nvPr>
             <p:extLst>
               <p:ext uri="{D42A27DB-BD31-4B8C-83A1-F6EECF244321}">
-                <p14:modId xmlns:p14="http://schemas.microsoft.com/office/powerpoint/2010/main" val="3700865543"/>
+                <p14:modId xmlns:p14="http://schemas.microsoft.com/office/powerpoint/2010/main" val="119939049"/>
               </p:ext>
             </p:extLst>
           </p:nvPr>
         </p:nvGraphicFramePr>
         <p:xfrm>
-          <a:off x="1573073" y="3057525"/>
-          <a:ext cx="7005637" cy="2268538"/>
+          <a:off x="348829" y="1360548"/>
+          <a:ext cx="1882775" cy="696912"/>
         </p:xfrm>
         <a:graphic>
           <a:graphicData uri="http://schemas.openxmlformats.org/presentationml/2006/ole">
             <mc:AlternateContent xmlns:mc="http://schemas.openxmlformats.org/markup-compatibility/2006">
               <mc:Choice xmlns:v="urn:schemas-microsoft-com:vml" Requires="v">
-                <p:oleObj spid="_x0000_s377873" name="Equation" r:id="rId6" imgW="2032000" imgH="660400" progId="Equation.DSMT4">
+                <p:oleObj spid="_x0000_s1031" name="Equation" r:id="rId6" imgW="546100" imgH="203200" progId="Equation.DSMT4">
                   <p:embed/>
                 </p:oleObj>
               </mc:Choice>
               <mc:Fallback>
-                <p:oleObj name="Equation" r:id="rId6" imgW="2032000" imgH="660400" progId="Equation.DSMT4">
+                <p:oleObj name="Equation" r:id="rId6" imgW="546100" imgH="203200" progId="Equation.DSMT4">
                   <p:embed/>
                   <p:pic>
                     <p:nvPicPr>
@@ -5910,8 +6170,8 @@
                     </p:blipFill>
                     <p:spPr>
                       <a:xfrm>
-                        <a:off x="1573073" y="3057525"/>
-                        <a:ext cx="7005637" cy="2268538"/>
+                        <a:off x="348829" y="1360548"/>
+                        <a:ext cx="1882775" cy="696912"/>
                       </a:xfrm>
                       <a:prstGeom prst="rect">
                         <a:avLst/>
@@ -5926,7 +6186,7 @@
       </p:graphicFrame>
       <p:sp>
         <p:nvSpPr>
-          <p:cNvPr id="8" name="Rectangle 4"/>
+          <p:cNvPr id="9" name="Rectangle 4"/>
           <p:cNvSpPr txBox="1">
             <a:spLocks noChangeArrowheads="1"/>
           </p:cNvSpPr>
@@ -6100,21 +6360,21 @@
     </p:spTree>
     <p:extLst>
       <p:ext uri="{BB962C8B-B14F-4D97-AF65-F5344CB8AC3E}">
-        <p14:creationId xmlns:p14="http://schemas.microsoft.com/office/powerpoint/2010/main" val="1021035542"/>
+        <p14:creationId xmlns:p14="http://schemas.microsoft.com/office/powerpoint/2010/main" val="3021422032"/>
       </p:ext>
     </p:extLst>
   </p:cSld>
   <p:clrMapOvr>
     <a:masterClrMapping/>
   </p:clrMapOvr>
-  <mc:AlternateContent xmlns:mc="http://schemas.openxmlformats.org/markup-compatibility/2006" xmlns:p14="http://schemas.microsoft.com/office/powerpoint/2010/main">
-    <mc:Choice Requires="p14">
-      <p:transition spd="slow" p14:dur="800" advClick="0">
+  <mc:AlternateContent xmlns:mc="http://schemas.openxmlformats.org/markup-compatibility/2006">
+    <mc:Choice xmlns:p14="http://schemas.microsoft.com/office/powerpoint/2010/main" Requires="p14">
+      <p:transition spd="med" p14:dur="700" advClick="0">
         <p:fade/>
       </p:transition>
     </mc:Choice>
-    <mc:Fallback xmlns="">
-      <p:transition xmlns:p14="http://schemas.microsoft.com/office/powerpoint/2010/main" spd="slow" advClick="0">
+    <mc:Fallback>
+      <p:transition xmlns:p14="http://schemas.microsoft.com/office/powerpoint/2010/main" spd="med" advClick="0">
         <p:fade/>
       </p:transition>
     </mc:Fallback>
@@ -6131,6 +6391,9 @@
                     <p:cTn id="3" fill="hold">
                       <p:stCondLst>
                         <p:cond delay="indefinite"/>
+                        <p:cond evt="onBegin" delay="0">
+                          <p:tn val="2"/>
+                        </p:cond>
                       </p:stCondLst>
                       <p:childTnLst>
                         <p:par>
@@ -6140,7 +6403,7 @@
                             </p:stCondLst>
                             <p:childTnLst>
                               <p:par>
-                                <p:cTn id="5" presetID="22" presetClass="entr" presetSubtype="1" fill="hold" nodeType="clickEffect">
+                                <p:cTn id="5" presetID="22" presetClass="entr" presetSubtype="1" fill="hold" nodeType="withEffect">
                                   <p:stCondLst>
                                     <p:cond delay="0"/>
                                   </p:stCondLst>
@@ -6153,7 +6416,7 @@
                                           </p:stCondLst>
                                         </p:cTn>
                                         <p:tgtEl>
-                                          <p:spTgt spid="10"/>
+                                          <p:spTgt spid="11"/>
                                         </p:tgtEl>
                                         <p:attrNameLst>
                                           <p:attrName>style.visibility</p:attrName>
@@ -6165,9 +6428,9 @@
                                     </p:set>
                                     <p:animEffect transition="in" filter="wipe(up)">
                                       <p:cBhvr>
-                                        <p:cTn id="7" dur="1000"/>
+                                        <p:cTn id="7" dur="2000"/>
                                         <p:tgtEl>
-                                          <p:spTgt spid="10"/>
+                                          <p:spTgt spid="11"/>
                                         </p:tgtEl>
                                       </p:cBhvr>
                                     </p:animEffect>
@@ -6441,7 +6704,7 @@
           <p:nvPr>
             <p:extLst>
               <p:ext uri="{D42A27DB-BD31-4B8C-83A1-F6EECF244321}">
-                <p14:modId xmlns:p14="http://schemas.microsoft.com/office/powerpoint/2010/main" val="202820660"/>
+                <p14:modId xmlns:p14="http://schemas.microsoft.com/office/powerpoint/2010/main" val="1466624467"/>
               </p:ext>
             </p:extLst>
           </p:nvPr>
@@ -6454,7 +6717,7 @@
           <a:graphicData uri="http://schemas.openxmlformats.org/presentationml/2006/ole">
             <mc:AlternateContent xmlns:mc="http://schemas.openxmlformats.org/markup-compatibility/2006">
               <mc:Choice xmlns:v="urn:schemas-microsoft-com:vml" Requires="v">
-                <p:oleObj spid="_x0000_s376848" name="Equation" r:id="rId4" imgW="2425700" imgH="457200" progId="Equation.DSMT4">
+                <p:oleObj spid="_x0000_s377888" name="Equation" r:id="rId4" imgW="2425700" imgH="457200" progId="Equation.DSMT4">
                   <p:embed/>
                 </p:oleObj>
               </mc:Choice>
@@ -6498,25 +6761,25 @@
           <p:nvPr>
             <p:extLst>
               <p:ext uri="{D42A27DB-BD31-4B8C-83A1-F6EECF244321}">
-                <p14:modId xmlns:p14="http://schemas.microsoft.com/office/powerpoint/2010/main" val="1568505354"/>
+                <p14:modId xmlns:p14="http://schemas.microsoft.com/office/powerpoint/2010/main" val="3881317270"/>
               </p:ext>
             </p:extLst>
           </p:nvPr>
         </p:nvGraphicFramePr>
         <p:xfrm>
-          <a:off x="1617663" y="3057525"/>
-          <a:ext cx="6916737" cy="2268538"/>
+          <a:off x="1737539" y="3057525"/>
+          <a:ext cx="7005637" cy="2268538"/>
         </p:xfrm>
         <a:graphic>
           <a:graphicData uri="http://schemas.openxmlformats.org/presentationml/2006/ole">
             <mc:AlternateContent xmlns:mc="http://schemas.openxmlformats.org/markup-compatibility/2006">
               <mc:Choice xmlns:v="urn:schemas-microsoft-com:vml" Requires="v">
-                <p:oleObj spid="_x0000_s376849" name="Equation" r:id="rId6" imgW="2006600" imgH="660400" progId="Equation.DSMT4">
+                <p:oleObj spid="_x0000_s377889" name="Equation" r:id="rId6" imgW="2032000" imgH="660400" progId="Equation.DSMT4">
                   <p:embed/>
                 </p:oleObj>
               </mc:Choice>
               <mc:Fallback>
-                <p:oleObj name="Equation" r:id="rId6" imgW="2006600" imgH="660400" progId="Equation.DSMT4">
+                <p:oleObj name="Equation" r:id="rId6" imgW="2032000" imgH="660400" progId="Equation.DSMT4">
                   <p:embed/>
                   <p:pic>
                     <p:nvPicPr>
@@ -6532,8 +6795,8 @@
                     </p:blipFill>
                     <p:spPr>
                       <a:xfrm>
-                        <a:off x="1617663" y="3057525"/>
-                        <a:ext cx="6916737" cy="2268538"/>
+                        <a:off x="1737539" y="3057525"/>
+                        <a:ext cx="7005637" cy="2268538"/>
                       </a:xfrm>
                       <a:prstGeom prst="rect">
                         <a:avLst/>
@@ -6548,7 +6811,7 @@
       </p:graphicFrame>
       <p:sp>
         <p:nvSpPr>
-          <p:cNvPr id="9" name="Rectangle 4"/>
+          <p:cNvPr id="8" name="Rectangle 4"/>
           <p:cNvSpPr txBox="1">
             <a:spLocks noChangeArrowheads="1"/>
           </p:cNvSpPr>
@@ -6722,20 +6985,108 @@
     </p:spTree>
     <p:extLst>
       <p:ext uri="{BB962C8B-B14F-4D97-AF65-F5344CB8AC3E}">
-        <p14:creationId xmlns:p14="http://schemas.microsoft.com/office/powerpoint/2010/main" val="478187727"/>
+        <p14:creationId xmlns:p14="http://schemas.microsoft.com/office/powerpoint/2010/main" val="1021035542"/>
       </p:ext>
     </p:extLst>
   </p:cSld>
   <p:clrMapOvr>
     <a:masterClrMapping/>
   </p:clrMapOvr>
-  <p:transition xmlns:p14="http://schemas.microsoft.com/office/powerpoint/2010/main" spd="slow" advClick="0">
-    <p:fade/>
-  </p:transition>
+  <mc:AlternateContent xmlns:mc="http://schemas.openxmlformats.org/markup-compatibility/2006" xmlns:p14="http://schemas.microsoft.com/office/powerpoint/2010/main">
+    <mc:Choice Requires="p14">
+      <p:transition spd="slow" p14:dur="800" advClick="0">
+        <p:fade/>
+      </p:transition>
+    </mc:Choice>
+    <mc:Fallback xmlns="">
+      <p:transition xmlns:p14="http://schemas.microsoft.com/office/powerpoint/2010/main" spd="slow" advClick="0">
+        <p:fade/>
+      </p:transition>
+    </mc:Fallback>
+  </mc:AlternateContent>
   <p:timing>
     <p:tnLst>
       <p:par>
-        <p:cTn xmlns:p14="http://schemas.microsoft.com/office/powerpoint/2010/main" id="1" dur="indefinite" restart="never" nodeType="tmRoot"/>
+        <p:cTn xmlns:p14="http://schemas.microsoft.com/office/powerpoint/2010/main" id="1" dur="indefinite" restart="never" nodeType="tmRoot">
+          <p:childTnLst>
+            <p:seq concurrent="1" nextAc="seek">
+              <p:cTn id="2" dur="indefinite" nodeType="mainSeq">
+                <p:childTnLst>
+                  <p:par>
+                    <p:cTn id="3" fill="hold">
+                      <p:stCondLst>
+                        <p:cond delay="indefinite"/>
+                        <p:cond evt="onBegin" delay="0">
+                          <p:tn val="2"/>
+                        </p:cond>
+                      </p:stCondLst>
+                      <p:childTnLst>
+                        <p:par>
+                          <p:cTn id="4" fill="hold">
+                            <p:stCondLst>
+                              <p:cond delay="0"/>
+                            </p:stCondLst>
+                            <p:childTnLst>
+                              <p:par>
+                                <p:cTn id="5" presetID="22" presetClass="entr" presetSubtype="1" fill="hold" nodeType="withEffect">
+                                  <p:stCondLst>
+                                    <p:cond delay="0"/>
+                                  </p:stCondLst>
+                                  <p:childTnLst>
+                                    <p:set>
+                                      <p:cBhvr>
+                                        <p:cTn id="6" dur="1" fill="hold">
+                                          <p:stCondLst>
+                                            <p:cond delay="0"/>
+                                          </p:stCondLst>
+                                        </p:cTn>
+                                        <p:tgtEl>
+                                          <p:spTgt spid="10"/>
+                                        </p:tgtEl>
+                                        <p:attrNameLst>
+                                          <p:attrName>style.visibility</p:attrName>
+                                        </p:attrNameLst>
+                                      </p:cBhvr>
+                                      <p:to>
+                                        <p:strVal val="visible"/>
+                                      </p:to>
+                                    </p:set>
+                                    <p:animEffect transition="in" filter="wipe(up)">
+                                      <p:cBhvr>
+                                        <p:cTn id="7" dur="1000"/>
+                                        <p:tgtEl>
+                                          <p:spTgt spid="10"/>
+                                        </p:tgtEl>
+                                      </p:cBhvr>
+                                    </p:animEffect>
+                                  </p:childTnLst>
+                                </p:cTn>
+                              </p:par>
+                            </p:childTnLst>
+                          </p:cTn>
+                        </p:par>
+                      </p:childTnLst>
+                    </p:cTn>
+                  </p:par>
+                </p:childTnLst>
+              </p:cTn>
+              <p:prevCondLst>
+                <p:cond evt="onPrev" delay="0">
+                  <p:tgtEl>
+                    <p:sldTgt/>
+                  </p:tgtEl>
+                </p:cond>
+              </p:prevCondLst>
+              <p:nextCondLst>
+                <p:cond evt="onNext" delay="0">
+                  <p:tgtEl>
+                    <p:sldTgt/>
+                  </p:tgtEl>
+                </p:cond>
+              </p:nextCondLst>
+            </p:seq>
+          </p:childTnLst>
+        </p:cTn>
       </p:par>
     </p:tnLst>
   </p:timing>
@@ -6978,6 +7329,543 @@
           <p:nvPr>
             <p:extLst>
               <p:ext uri="{D42A27DB-BD31-4B8C-83A1-F6EECF244321}">
+                <p14:modId xmlns:p14="http://schemas.microsoft.com/office/powerpoint/2010/main" val="202820660"/>
+              </p:ext>
+            </p:extLst>
+          </p:nvPr>
+        </p:nvGraphicFramePr>
+        <p:xfrm>
+          <a:off x="354013" y="1298575"/>
+          <a:ext cx="8361362" cy="1570038"/>
+        </p:xfrm>
+        <a:graphic>
+          <a:graphicData uri="http://schemas.openxmlformats.org/presentationml/2006/ole">
+            <mc:AlternateContent xmlns:mc="http://schemas.openxmlformats.org/markup-compatibility/2006">
+              <mc:Choice xmlns:v="urn:schemas-microsoft-com:vml" Requires="v">
+                <p:oleObj spid="_x0000_s376860" name="Equation" r:id="rId4" imgW="2425700" imgH="457200" progId="Equation.DSMT4">
+                  <p:embed/>
+                </p:oleObj>
+              </mc:Choice>
+              <mc:Fallback>
+                <p:oleObj name="Equation" r:id="rId4" imgW="2425700" imgH="457200" progId="Equation.DSMT4">
+                  <p:embed/>
+                  <p:pic>
+                    <p:nvPicPr>
+                      <p:cNvPr id="0" name=""/>
+                      <p:cNvPicPr/>
+                      <p:nvPr/>
+                    </p:nvPicPr>
+                    <p:blipFill>
+                      <a:blip r:embed="rId5"/>
+                      <a:stretch>
+                        <a:fillRect/>
+                      </a:stretch>
+                    </p:blipFill>
+                    <p:spPr>
+                      <a:xfrm>
+                        <a:off x="354013" y="1298575"/>
+                        <a:ext cx="8361362" cy="1570038"/>
+                      </a:xfrm>
+                      <a:prstGeom prst="rect">
+                        <a:avLst/>
+                      </a:prstGeom>
+                    </p:spPr>
+                  </p:pic>
+                </p:oleObj>
+              </mc:Fallback>
+            </mc:AlternateContent>
+          </a:graphicData>
+        </a:graphic>
+      </p:graphicFrame>
+      <p:graphicFrame>
+        <p:nvGraphicFramePr>
+          <p:cNvPr id="10" name="Object 9"/>
+          <p:cNvGraphicFramePr>
+            <a:graphicFrameLocks noChangeAspect="1"/>
+          </p:cNvGraphicFramePr>
+          <p:nvPr>
+            <p:extLst>
+              <p:ext uri="{D42A27DB-BD31-4B8C-83A1-F6EECF244321}">
+                <p14:modId xmlns:p14="http://schemas.microsoft.com/office/powerpoint/2010/main" val="2191497416"/>
+              </p:ext>
+            </p:extLst>
+          </p:nvPr>
+        </p:nvGraphicFramePr>
+        <p:xfrm>
+          <a:off x="1754469" y="3048000"/>
+          <a:ext cx="6827838" cy="2268538"/>
+        </p:xfrm>
+        <a:graphic>
+          <a:graphicData uri="http://schemas.openxmlformats.org/presentationml/2006/ole">
+            <mc:AlternateContent xmlns:mc="http://schemas.openxmlformats.org/markup-compatibility/2006">
+              <mc:Choice xmlns:v="urn:schemas-microsoft-com:vml" Requires="v">
+                <p:oleObj spid="_x0000_s376861" name="Equation" r:id="rId6" imgW="1981200" imgH="660400" progId="Equation.DSMT4">
+                  <p:embed/>
+                </p:oleObj>
+              </mc:Choice>
+              <mc:Fallback>
+                <p:oleObj name="Equation" r:id="rId6" imgW="1981200" imgH="660400" progId="Equation.DSMT4">
+                  <p:embed/>
+                  <p:pic>
+                    <p:nvPicPr>
+                      <p:cNvPr id="0" name=""/>
+                      <p:cNvPicPr/>
+                      <p:nvPr/>
+                    </p:nvPicPr>
+                    <p:blipFill>
+                      <a:blip r:embed="rId7"/>
+                      <a:stretch>
+                        <a:fillRect/>
+                      </a:stretch>
+                    </p:blipFill>
+                    <p:spPr>
+                      <a:xfrm>
+                        <a:off x="1754469" y="3048000"/>
+                        <a:ext cx="6827838" cy="2268538"/>
+                      </a:xfrm>
+                      <a:prstGeom prst="rect">
+                        <a:avLst/>
+                      </a:prstGeom>
+                    </p:spPr>
+                  </p:pic>
+                </p:oleObj>
+              </mc:Fallback>
+            </mc:AlternateContent>
+          </a:graphicData>
+        </a:graphic>
+      </p:graphicFrame>
+      <p:sp>
+        <p:nvSpPr>
+          <p:cNvPr id="9" name="Rectangle 4"/>
+          <p:cNvSpPr txBox="1">
+            <a:spLocks noChangeArrowheads="1"/>
+          </p:cNvSpPr>
+          <p:nvPr/>
+        </p:nvSpPr>
+        <p:spPr bwMode="auto">
+          <a:xfrm>
+            <a:off x="1318020" y="381000"/>
+            <a:ext cx="6553200" cy="838200"/>
+          </a:xfrm>
+          <a:prstGeom prst="rect">
+            <a:avLst/>
+          </a:prstGeom>
+          <a:noFill/>
+          <a:ln w="9525">
+            <a:noFill/>
+            <a:miter lim="800000"/>
+            <a:headEnd/>
+            <a:tailEnd/>
+          </a:ln>
+        </p:spPr>
+        <p:txBody>
+          <a:bodyPr vert="horz" wrap="square" lIns="91440" tIns="45720" rIns="91440" bIns="45720" numCol="1" anchor="ctr" anchorCtr="0" compatLnSpc="1">
+            <a:prstTxWarp prst="textNoShape">
+              <a:avLst/>
+            </a:prstTxWarp>
+          </a:bodyPr>
+          <a:lstStyle>
+            <a:lvl1pPr algn="ctr" rtl="0" eaLnBrk="0" fontAlgn="base" hangingPunct="0">
+              <a:spcBef>
+                <a:spcPct val="0"/>
+              </a:spcBef>
+              <a:spcAft>
+                <a:spcPct val="0"/>
+              </a:spcAft>
+              <a:defRPr sz="3200" b="1">
+                <a:solidFill>
+                  <a:schemeClr val="tx2"/>
+                </a:solidFill>
+                <a:latin typeface="+mj-lt"/>
+                <a:ea typeface="+mj-ea"/>
+                <a:cs typeface="+mj-cs"/>
+              </a:defRPr>
+            </a:lvl1pPr>
+            <a:lvl2pPr algn="ctr" rtl="0" eaLnBrk="0" fontAlgn="base" hangingPunct="0">
+              <a:spcBef>
+                <a:spcPct val="0"/>
+              </a:spcBef>
+              <a:spcAft>
+                <a:spcPct val="0"/>
+              </a:spcAft>
+              <a:defRPr sz="3600" b="1">
+                <a:solidFill>
+                  <a:schemeClr val="tx2"/>
+                </a:solidFill>
+                <a:latin typeface="Comic Sans MS" pitchFamily="66" charset="0"/>
+              </a:defRPr>
+            </a:lvl2pPr>
+            <a:lvl3pPr algn="ctr" rtl="0" eaLnBrk="0" fontAlgn="base" hangingPunct="0">
+              <a:spcBef>
+                <a:spcPct val="0"/>
+              </a:spcBef>
+              <a:spcAft>
+                <a:spcPct val="0"/>
+              </a:spcAft>
+              <a:defRPr sz="3600" b="1">
+                <a:solidFill>
+                  <a:schemeClr val="tx2"/>
+                </a:solidFill>
+                <a:latin typeface="Comic Sans MS" pitchFamily="66" charset="0"/>
+              </a:defRPr>
+            </a:lvl3pPr>
+            <a:lvl4pPr algn="ctr" rtl="0" eaLnBrk="0" fontAlgn="base" hangingPunct="0">
+              <a:spcBef>
+                <a:spcPct val="0"/>
+              </a:spcBef>
+              <a:spcAft>
+                <a:spcPct val="0"/>
+              </a:spcAft>
+              <a:defRPr sz="3600" b="1">
+                <a:solidFill>
+                  <a:schemeClr val="tx2"/>
+                </a:solidFill>
+                <a:latin typeface="Comic Sans MS" pitchFamily="66" charset="0"/>
+              </a:defRPr>
+            </a:lvl4pPr>
+            <a:lvl5pPr algn="ctr" rtl="0" eaLnBrk="0" fontAlgn="base" hangingPunct="0">
+              <a:spcBef>
+                <a:spcPct val="0"/>
+              </a:spcBef>
+              <a:spcAft>
+                <a:spcPct val="0"/>
+              </a:spcAft>
+              <a:defRPr sz="3600" b="1">
+                <a:solidFill>
+                  <a:schemeClr val="tx2"/>
+                </a:solidFill>
+                <a:latin typeface="Comic Sans MS" pitchFamily="66" charset="0"/>
+              </a:defRPr>
+            </a:lvl5pPr>
+            <a:lvl6pPr marL="457200" algn="ctr" rtl="0" fontAlgn="base">
+              <a:spcBef>
+                <a:spcPct val="0"/>
+              </a:spcBef>
+              <a:spcAft>
+                <a:spcPct val="0"/>
+              </a:spcAft>
+              <a:defRPr sz="3600" b="1">
+                <a:solidFill>
+                  <a:schemeClr val="tx2"/>
+                </a:solidFill>
+                <a:latin typeface="Comic Sans MS" pitchFamily="66" charset="0"/>
+              </a:defRPr>
+            </a:lvl6pPr>
+            <a:lvl7pPr marL="914400" algn="ctr" rtl="0" fontAlgn="base">
+              <a:spcBef>
+                <a:spcPct val="0"/>
+              </a:spcBef>
+              <a:spcAft>
+                <a:spcPct val="0"/>
+              </a:spcAft>
+              <a:defRPr sz="3600" b="1">
+                <a:solidFill>
+                  <a:schemeClr val="tx2"/>
+                </a:solidFill>
+                <a:latin typeface="Comic Sans MS" pitchFamily="66" charset="0"/>
+              </a:defRPr>
+            </a:lvl7pPr>
+            <a:lvl8pPr marL="1371600" algn="ctr" rtl="0" fontAlgn="base">
+              <a:spcBef>
+                <a:spcPct val="0"/>
+              </a:spcBef>
+              <a:spcAft>
+                <a:spcPct val="0"/>
+              </a:spcAft>
+              <a:defRPr sz="3600" b="1">
+                <a:solidFill>
+                  <a:schemeClr val="tx2"/>
+                </a:solidFill>
+                <a:latin typeface="Comic Sans MS" pitchFamily="66" charset="0"/>
+              </a:defRPr>
+            </a:lvl8pPr>
+            <a:lvl9pPr marL="1828800" algn="ctr" rtl="0" fontAlgn="base">
+              <a:spcBef>
+                <a:spcPct val="0"/>
+              </a:spcBef>
+              <a:spcAft>
+                <a:spcPct val="0"/>
+              </a:spcAft>
+              <a:defRPr sz="3600" b="1">
+                <a:solidFill>
+                  <a:schemeClr val="tx2"/>
+                </a:solidFill>
+                <a:latin typeface="Comic Sans MS" pitchFamily="66" charset="0"/>
+              </a:defRPr>
+            </a:lvl9pPr>
+          </a:lstStyle>
+          <a:p>
+            <a:pPr eaLnBrk="1" hangingPunct="1"/>
+            <a:r>
+              <a:rPr lang="en-US" sz="4400" dirty="0" smtClean="0">
+                <a:solidFill>
+                  <a:schemeClr val="tx1"/>
+                </a:solidFill>
+              </a:rPr>
+              <a:t>You do or you don’t</a:t>
+            </a:r>
+          </a:p>
+        </p:txBody>
+      </p:sp>
+    </p:spTree>
+    <p:extLst>
+      <p:ext uri="{BB962C8B-B14F-4D97-AF65-F5344CB8AC3E}">
+        <p14:creationId xmlns:p14="http://schemas.microsoft.com/office/powerpoint/2010/main" val="478187727"/>
+      </p:ext>
+    </p:extLst>
+  </p:cSld>
+  <p:clrMapOvr>
+    <a:masterClrMapping/>
+  </p:clrMapOvr>
+  <p:transition xmlns:p14="http://schemas.microsoft.com/office/powerpoint/2010/main" spd="slow" advClick="0">
+    <p:fade/>
+  </p:transition>
+  <p:timing>
+    <p:tnLst>
+      <p:par>
+        <p:cTn xmlns:p14="http://schemas.microsoft.com/office/powerpoint/2010/main" id="1" dur="indefinite" restart="never" nodeType="tmRoot"/>
+      </p:par>
+    </p:tnLst>
+  </p:timing>
+</p:sld>
+</file>
+
+<file path=ppt/slides/slide15.xml><?xml version="1.0" encoding="utf-8"?>
+<p:sld xmlns:a="http://schemas.openxmlformats.org/drawingml/2006/main" xmlns:r="http://schemas.openxmlformats.org/officeDocument/2006/relationships" xmlns:p="http://schemas.openxmlformats.org/presentationml/2006/main">
+  <p:cSld>
+    <p:spTree>
+      <p:nvGrpSpPr>
+        <p:cNvPr id="1" name=""/>
+        <p:cNvGrpSpPr/>
+        <p:nvPr/>
+      </p:nvGrpSpPr>
+      <p:grpSpPr>
+        <a:xfrm>
+          <a:off x="0" y="0"/>
+          <a:ext cx="0" cy="0"/>
+          <a:chOff x="0" y="0"/>
+          <a:chExt cx="0" cy="0"/>
+        </a:xfrm>
+      </p:grpSpPr>
+      <p:sp>
+        <p:nvSpPr>
+          <p:cNvPr id="20" name="Slide Number Placeholder 3"/>
+          <p:cNvSpPr>
+            <a:spLocks noGrp="1"/>
+          </p:cNvSpPr>
+          <p:nvPr>
+            <p:ph type="sldNum" sz="quarter" idx="4"/>
+          </p:nvPr>
+        </p:nvSpPr>
+        <p:spPr>
+          <a:xfrm>
+            <a:off x="7696200" y="6629400"/>
+            <a:ext cx="1447800" cy="228600"/>
+          </a:xfrm>
+        </p:spPr>
+        <p:txBody>
+          <a:bodyPr/>
+          <a:lstStyle/>
+          <a:p>
+            <a:pPr>
+              <a:defRPr/>
+            </a:pPr>
+            <a:r>
+              <a:rPr lang="en-US" dirty="0" err="1" smtClean="0"/>
+              <a:t>bayes</a:t>
+            </a:r>
+            <a:r>
+              <a:rPr lang="en-US" dirty="0" smtClean="0"/>
+              <a:t>.</a:t>
+            </a:r>
+            <a:fld id="{EAD82470-6C7C-49DD-8212-C557C8A87E2B}" type="slidenum">
+              <a:rPr lang="en-US" smtClean="0"/>
+              <a:pPr>
+                <a:defRPr/>
+              </a:pPr>
+              <a:t>15</a:t>
+            </a:fld>
+            <a:endParaRPr lang="en-US" dirty="0"/>
+          </a:p>
+        </p:txBody>
+      </p:sp>
+      <p:cxnSp>
+        <p:nvCxnSpPr>
+          <p:cNvPr id="30727" name="AutoShape 21"/>
+          <p:cNvCxnSpPr>
+            <a:cxnSpLocks noChangeShapeType="1"/>
+          </p:cNvCxnSpPr>
+          <p:nvPr/>
+        </p:nvCxnSpPr>
+        <p:spPr bwMode="auto">
+          <a:xfrm>
+            <a:off x="1219200" y="3543300"/>
+            <a:ext cx="0" cy="0"/>
+          </a:xfrm>
+          <a:prstGeom prst="straightConnector1">
+            <a:avLst/>
+          </a:prstGeom>
+          <a:noFill/>
+          <a:ln w="9525">
+            <a:solidFill>
+              <a:schemeClr val="tx1"/>
+            </a:solidFill>
+            <a:round/>
+            <a:headEnd/>
+            <a:tailEnd/>
+          </a:ln>
+        </p:spPr>
+      </p:cxnSp>
+      <p:sp>
+        <p:nvSpPr>
+          <p:cNvPr id="39" name="Rectangle 4"/>
+          <p:cNvSpPr txBox="1">
+            <a:spLocks noChangeArrowheads="1"/>
+          </p:cNvSpPr>
+          <p:nvPr/>
+        </p:nvSpPr>
+        <p:spPr bwMode="auto">
+          <a:xfrm>
+            <a:off x="7696200" y="6629400"/>
+            <a:ext cx="1447800" cy="228600"/>
+          </a:xfrm>
+          <a:prstGeom prst="rect">
+            <a:avLst/>
+          </a:prstGeom>
+          <a:noFill/>
+          <a:ln w="9525">
+            <a:noFill/>
+            <a:miter lim="800000"/>
+            <a:headEnd/>
+            <a:tailEnd/>
+          </a:ln>
+          <a:effectLst/>
+        </p:spPr>
+        <p:txBody>
+          <a:bodyPr vert="horz" wrap="square" lIns="91440" tIns="45720" rIns="91440" bIns="45720" numCol="1" anchor="t" anchorCtr="0" compatLnSpc="1">
+            <a:prstTxWarp prst="textNoShape">
+              <a:avLst/>
+            </a:prstTxWarp>
+          </a:bodyPr>
+          <a:lstStyle>
+            <a:lvl1pPr algn="r">
+              <a:defRPr sz="1200" dirty="0" err="1" smtClean="0">
+                <a:latin typeface="+mn-lt"/>
+              </a:defRPr>
+            </a:lvl1pPr>
+          </a:lstStyle>
+          <a:p>
+            <a:pPr marL="0" marR="0" lvl="0" indent="0" algn="r" defTabSz="914400" rtl="0" eaLnBrk="1" fontAlgn="base" latinLnBrk="0" hangingPunct="1">
+              <a:lnSpc>
+                <a:spcPct val="100000"/>
+              </a:lnSpc>
+              <a:spcBef>
+                <a:spcPct val="0"/>
+              </a:spcBef>
+              <a:spcAft>
+                <a:spcPct val="0"/>
+              </a:spcAft>
+              <a:buClrTx/>
+              <a:buSzTx/>
+              <a:buFontTx/>
+              <a:buNone/>
+              <a:tabLst/>
+              <a:defRPr/>
+            </a:pPr>
+            <a:r>
+              <a:rPr kumimoji="0" lang="en-US" sz="1200" b="0" i="0" u="none" strike="noStrike" kern="1200" cap="none" spc="0" normalizeH="0" baseline="0" noProof="0" dirty="0" err="1" smtClean="0">
+                <a:ln>
+                  <a:noFill/>
+                </a:ln>
+                <a:solidFill>
+                  <a:schemeClr val="tx1"/>
+                </a:solidFill>
+                <a:effectLst/>
+                <a:uLnTx/>
+                <a:uFillTx/>
+                <a:latin typeface="+mn-lt"/>
+                <a:ea typeface="+mn-ea"/>
+                <a:cs typeface="+mn-cs"/>
+              </a:rPr>
+              <a:t>bayes</a:t>
+            </a:r>
+            <a:r>
+              <a:rPr kumimoji="0" lang="en-US" sz="1200" b="0" i="0" u="none" strike="noStrike" kern="1200" cap="none" spc="0" normalizeH="0" baseline="0" noProof="0" dirty="0" smtClean="0">
+                <a:ln>
+                  <a:noFill/>
+                </a:ln>
+                <a:solidFill>
+                  <a:schemeClr val="tx1"/>
+                </a:solidFill>
+                <a:effectLst/>
+                <a:uLnTx/>
+                <a:uFillTx/>
+                <a:latin typeface="+mn-lt"/>
+                <a:ea typeface="+mn-ea"/>
+                <a:cs typeface="+mn-cs"/>
+              </a:rPr>
+              <a:t>.</a:t>
+            </a:r>
+            <a:fld id="{B9A0B45D-6AFD-413C-B761-B121FB8BE940}" type="slidenum">
+              <a:rPr kumimoji="0" lang="en-US" sz="1200" b="0" i="0" u="none" strike="noStrike" kern="1200" cap="none" spc="0" normalizeH="0" baseline="0" noProof="0" smtClean="0">
+                <a:ln>
+                  <a:noFill/>
+                </a:ln>
+                <a:solidFill>
+                  <a:schemeClr val="tx1"/>
+                </a:solidFill>
+                <a:effectLst/>
+                <a:uLnTx/>
+                <a:uFillTx/>
+                <a:latin typeface="+mn-lt"/>
+                <a:ea typeface="+mn-ea"/>
+                <a:cs typeface="+mn-cs"/>
+              </a:rPr>
+              <a:pPr marL="0" marR="0" lvl="0" indent="0" algn="r" defTabSz="914400" rtl="0" eaLnBrk="1" fontAlgn="base" latinLnBrk="0" hangingPunct="1">
+                <a:lnSpc>
+                  <a:spcPct val="100000"/>
+                </a:lnSpc>
+                <a:spcBef>
+                  <a:spcPct val="0"/>
+                </a:spcBef>
+                <a:spcAft>
+                  <a:spcPct val="0"/>
+                </a:spcAft>
+                <a:buClrTx/>
+                <a:buSzTx/>
+                <a:buFontTx/>
+                <a:buNone/>
+                <a:tabLst/>
+                <a:defRPr/>
+              </a:pPr>
+              <a:t>15</a:t>
+            </a:fld>
+            <a:endParaRPr kumimoji="0" lang="en-US" sz="1200" b="0" i="0" u="none" strike="noStrike" kern="1200" cap="none" spc="0" normalizeH="0" baseline="0" noProof="0" dirty="0">
+              <a:ln>
+                <a:noFill/>
+              </a:ln>
+              <a:solidFill>
+                <a:schemeClr val="tx1"/>
+              </a:solidFill>
+              <a:effectLst/>
+              <a:uLnTx/>
+              <a:uFillTx/>
+              <a:latin typeface="+mn-lt"/>
+              <a:ea typeface="+mn-ea"/>
+              <a:cs typeface="+mn-cs"/>
+            </a:endParaRPr>
+          </a:p>
+        </p:txBody>
+      </p:sp>
+      <p:graphicFrame>
+        <p:nvGraphicFramePr>
+          <p:cNvPr id="11" name="Object 10"/>
+          <p:cNvGraphicFramePr>
+            <a:graphicFrameLocks noChangeAspect="1"/>
+          </p:cNvGraphicFramePr>
+          <p:nvPr>
+            <p:extLst>
+              <p:ext uri="{D42A27DB-BD31-4B8C-83A1-F6EECF244321}">
                 <p14:modId xmlns:p14="http://schemas.microsoft.com/office/powerpoint/2010/main" val="288213104"/>
               </p:ext>
             </p:extLst>
@@ -6991,7 +7879,7 @@
           <a:graphicData uri="http://schemas.openxmlformats.org/presentationml/2006/ole">
             <mc:AlternateContent xmlns:mc="http://schemas.openxmlformats.org/markup-compatibility/2006">
               <mc:Choice xmlns:v="urn:schemas-microsoft-com:vml" Requires="v">
-                <p:oleObj spid="_x0000_s375838" name="Equation" r:id="rId4" imgW="2425700" imgH="457200" progId="Equation.DSMT4">
+                <p:oleObj spid="_x0000_s375848" name="Equation" r:id="rId4" imgW="2425700" imgH="457200" progId="Equation.DSMT4">
                   <p:embed/>
                 </p:oleObj>
               </mc:Choice>
@@ -7221,7 +8109,7 @@
           <a:graphicData uri="http://schemas.openxmlformats.org/presentationml/2006/ole">
             <mc:AlternateContent xmlns:mc="http://schemas.openxmlformats.org/markup-compatibility/2006">
               <mc:Choice xmlns:v="urn:schemas-microsoft-com:vml" Requires="v">
-                <p:oleObj spid="_x0000_s375839" name="Equation" r:id="rId6" imgW="1371600" imgH="469900" progId="Equation.DSMT4">
+                <p:oleObj spid="_x0000_s375849" name="Equation" r:id="rId6" imgW="1371600" imgH="469900" progId="Equation.DSMT4">
                   <p:embed/>
                 </p:oleObj>
               </mc:Choice>
@@ -7288,7 +8176,7 @@
 </p:sld>
 </file>
 
-<file path=ppt/slides/slide15.xml><?xml version="1.0" encoding="utf-8"?>
+<file path=ppt/slides/slide16.xml><?xml version="1.0" encoding="utf-8"?>
 <p:sld xmlns:a="http://schemas.openxmlformats.org/drawingml/2006/main" xmlns:r="http://schemas.openxmlformats.org/officeDocument/2006/relationships" xmlns:p="http://schemas.openxmlformats.org/presentationml/2006/main">
   <p:cSld>
     <p:spTree>
@@ -7341,7 +8229,7 @@
               <a:pPr>
                 <a:defRPr/>
               </a:pPr>
-              <a:t>15</a:t>
+              <a:t>16</a:t>
             </a:fld>
             <a:endParaRPr lang="en-US" dirty="0"/>
           </a:p>
@@ -7496,7 +8384,7 @@
                 <a:tabLst/>
                 <a:defRPr/>
               </a:pPr>
-              <a:t>15</a:t>
+              <a:t>16</a:t>
             </a:fld>
             <a:endParaRPr kumimoji="0" lang="en-US" sz="1200" b="0" i="0" u="none" strike="noStrike" kern="1200" cap="none" spc="0" normalizeH="0" baseline="0" noProof="0" dirty="0">
               <a:ln>
@@ -7537,7 +8425,7 @@
           <a:graphicData uri="http://schemas.openxmlformats.org/presentationml/2006/ole">
             <mc:AlternateContent xmlns:mc="http://schemas.openxmlformats.org/markup-compatibility/2006">
               <mc:Choice xmlns:v="urn:schemas-microsoft-com:vml" Requires="v">
-                <p:oleObj spid="_x0000_s362570" name="Equation" r:id="rId4" imgW="1358900" imgH="495300" progId="Equation.DSMT4">
+                <p:oleObj spid="_x0000_s362582" name="Equation" r:id="rId4" imgW="1358900" imgH="495300" progId="Equation.DSMT4">
                   <p:embed/>
                 </p:oleObj>
               </mc:Choice>
@@ -7594,7 +8482,7 @@
           <a:graphicData uri="http://schemas.openxmlformats.org/presentationml/2006/ole">
             <mc:AlternateContent xmlns:mc="http://schemas.openxmlformats.org/markup-compatibility/2006">
               <mc:Choice xmlns:v="urn:schemas-microsoft-com:vml" Requires="v">
-                <p:oleObj spid="_x0000_s362571" name="Equation" r:id="rId6" imgW="1397000" imgH="698500" progId="Equation.DSMT4">
+                <p:oleObj spid="_x0000_s362583" name="Equation" r:id="rId6" imgW="1397000" imgH="698500" progId="Equation.DSMT4">
                   <p:embed/>
                 </p:oleObj>
               </mc:Choice>
@@ -7678,14 +8566,90 @@
   <p:timing>
     <p:tnLst>
       <p:par>
-        <p:cTn xmlns:p14="http://schemas.microsoft.com/office/powerpoint/2010/main" id="1" dur="indefinite" restart="never" nodeType="tmRoot"/>
+        <p:cTn xmlns:p14="http://schemas.microsoft.com/office/powerpoint/2010/main" id="1" dur="indefinite" restart="never" nodeType="tmRoot">
+          <p:childTnLst>
+            <p:seq concurrent="1" nextAc="seek">
+              <p:cTn id="2" dur="indefinite" nodeType="mainSeq">
+                <p:childTnLst>
+                  <p:par>
+                    <p:cTn id="3" fill="hold">
+                      <p:stCondLst>
+                        <p:cond delay="indefinite"/>
+                      </p:stCondLst>
+                      <p:childTnLst>
+                        <p:par>
+                          <p:cTn id="4" fill="hold">
+                            <p:stCondLst>
+                              <p:cond delay="0"/>
+                            </p:stCondLst>
+                            <p:childTnLst>
+                              <p:par>
+                                <p:cTn id="5" presetID="22" presetClass="entr" presetSubtype="1" fill="hold" nodeType="clickEffect">
+                                  <p:stCondLst>
+                                    <p:cond delay="0"/>
+                                  </p:stCondLst>
+                                  <p:childTnLst>
+                                    <p:set>
+                                      <p:cBhvr>
+                                        <p:cTn id="6" dur="1" fill="hold">
+                                          <p:stCondLst>
+                                            <p:cond delay="0"/>
+                                          </p:stCondLst>
+                                        </p:cTn>
+                                        <p:tgtEl>
+                                          <p:spTgt spid="2"/>
+                                        </p:tgtEl>
+                                        <p:attrNameLst>
+                                          <p:attrName>style.visibility</p:attrName>
+                                        </p:attrNameLst>
+                                      </p:cBhvr>
+                                      <p:to>
+                                        <p:strVal val="visible"/>
+                                      </p:to>
+                                    </p:set>
+                                    <p:animEffect transition="in" filter="wipe(up)">
+                                      <p:cBhvr>
+                                        <p:cTn id="7" dur="2000"/>
+                                        <p:tgtEl>
+                                          <p:spTgt spid="2"/>
+                                        </p:tgtEl>
+                                      </p:cBhvr>
+                                    </p:animEffect>
+                                  </p:childTnLst>
+                                </p:cTn>
+                              </p:par>
+                            </p:childTnLst>
+                          </p:cTn>
+                        </p:par>
+                      </p:childTnLst>
+                    </p:cTn>
+                  </p:par>
+                </p:childTnLst>
+              </p:cTn>
+              <p:prevCondLst>
+                <p:cond evt="onPrev" delay="0">
+                  <p:tgtEl>
+                    <p:sldTgt/>
+                  </p:tgtEl>
+                </p:cond>
+              </p:prevCondLst>
+              <p:nextCondLst>
+                <p:cond evt="onNext" delay="0">
+                  <p:tgtEl>
+                    <p:sldTgt/>
+                  </p:tgtEl>
+                </p:cond>
+              </p:nextCondLst>
+            </p:seq>
+          </p:childTnLst>
+        </p:cTn>
       </p:par>
     </p:tnLst>
   </p:timing>
 </p:sld>
 </file>
 
-<file path=ppt/slides/slide16.xml><?xml version="1.0" encoding="utf-8"?>
+<file path=ppt/slides/slide17.xml><?xml version="1.0" encoding="utf-8"?>
 <p:sld xmlns:a="http://schemas.openxmlformats.org/drawingml/2006/main" xmlns:r="http://schemas.openxmlformats.org/officeDocument/2006/relationships" xmlns:p="http://schemas.openxmlformats.org/presentationml/2006/main">
   <p:cSld>
     <p:spTree>
@@ -7738,7 +8702,7 @@
               <a:pPr>
                 <a:defRPr/>
               </a:pPr>
-              <a:t>16</a:t>
+              <a:t>17</a:t>
             </a:fld>
             <a:endParaRPr lang="en-US" dirty="0"/>
           </a:p>
@@ -7893,7 +8857,7 @@
                 <a:tabLst/>
                 <a:defRPr/>
               </a:pPr>
-              <a:t>16</a:t>
+              <a:t>17</a:t>
             </a:fld>
             <a:endParaRPr kumimoji="0" lang="en-US" sz="1200" b="0" i="0" u="none" strike="noStrike" kern="1200" cap="none" spc="0" normalizeH="0" baseline="0" noProof="0" dirty="0">
               <a:ln>
@@ -7934,7 +8898,7 @@
           <a:graphicData uri="http://schemas.openxmlformats.org/presentationml/2006/ole">
             <mc:AlternateContent xmlns:mc="http://schemas.openxmlformats.org/markup-compatibility/2006">
               <mc:Choice xmlns:v="urn:schemas-microsoft-com:vml" Requires="v">
-                <p:oleObj spid="_x0000_s379922" name="Equation" r:id="rId4" imgW="1358900" imgH="495300" progId="Equation.DSMT4">
+                <p:oleObj spid="_x0000_s379932" name="Equation" r:id="rId4" imgW="1358900" imgH="495300" progId="Equation.DSMT4">
                   <p:embed/>
                 </p:oleObj>
               </mc:Choice>
@@ -7991,7 +8955,7 @@
           <a:graphicData uri="http://schemas.openxmlformats.org/presentationml/2006/ole">
             <mc:AlternateContent xmlns:mc="http://schemas.openxmlformats.org/markup-compatibility/2006">
               <mc:Choice xmlns:v="urn:schemas-microsoft-com:vml" Requires="v">
-                <p:oleObj spid="_x0000_s379923" name="Equation" r:id="rId6" imgW="1104900" imgH="508000" progId="Equation.DSMT4">
+                <p:oleObj spid="_x0000_s379933" name="Equation" r:id="rId6" imgW="1104900" imgH="508000" progId="Equation.DSMT4">
                   <p:embed/>
                 </p:oleObj>
               </mc:Choice>
@@ -8333,7 +9297,7 @@
 </p:sld>
 </file>
 
-<file path=ppt/slides/slide17.xml><?xml version="1.0" encoding="utf-8"?>
+<file path=ppt/slides/slide18.xml><?xml version="1.0" encoding="utf-8"?>
 <p:sld xmlns:a="http://schemas.openxmlformats.org/drawingml/2006/main" xmlns:r="http://schemas.openxmlformats.org/officeDocument/2006/relationships" xmlns:p="http://schemas.openxmlformats.org/presentationml/2006/main">
   <p:cSld>
     <p:spTree>
@@ -8386,7 +9350,7 @@
               <a:pPr>
                 <a:defRPr/>
               </a:pPr>
-              <a:t>17</a:t>
+              <a:t>18</a:t>
             </a:fld>
             <a:endParaRPr lang="en-US" dirty="0"/>
           </a:p>
@@ -8582,7 +9546,7 @@
                 <a:tabLst/>
                 <a:defRPr/>
               </a:pPr>
-              <a:t>17</a:t>
+              <a:t>18</a:t>
             </a:fld>
             <a:endParaRPr kumimoji="0" lang="en-US" sz="1200" b="0" i="0" u="none" strike="noStrike" kern="1200" cap="none" spc="0" normalizeH="0" baseline="0" noProof="0" dirty="0">
               <a:ln>
@@ -8691,7 +9655,7 @@
           <a:graphicData uri="http://schemas.openxmlformats.org/presentationml/2006/ole">
             <mc:AlternateContent xmlns:mc="http://schemas.openxmlformats.org/markup-compatibility/2006">
               <mc:Choice xmlns:v="urn:schemas-microsoft-com:vml" Requires="v">
-                <p:oleObj spid="_x0000_s381958" name="Equation" r:id="rId4" imgW="1193800" imgH="495300" progId="Equation.DSMT4">
+                <p:oleObj spid="_x0000_s381965" name="Equation" r:id="rId4" imgW="1193800" imgH="495300" progId="Equation.DSMT4">
                   <p:embed/>
                 </p:oleObj>
               </mc:Choice>
@@ -8736,13 +9700,13 @@
   <p:clrMapOvr>
     <a:masterClrMapping/>
   </p:clrMapOvr>
-  <mc:AlternateContent xmlns:mc="http://schemas.openxmlformats.org/markup-compatibility/2006">
-    <mc:Choice xmlns:p14="http://schemas.microsoft.com/office/powerpoint/2010/main" Requires="p14">
+  <mc:AlternateContent xmlns:mc="http://schemas.openxmlformats.org/markup-compatibility/2006" xmlns:p14="http://schemas.microsoft.com/office/powerpoint/2010/main">
+    <mc:Choice Requires="p14">
       <p:transition spd="slow" p14:dur="1100" advClick="0">
         <p:fade thruBlk="1"/>
       </p:transition>
     </mc:Choice>
-    <mc:Fallback>
+    <mc:Fallback xmlns="">
       <p:transition xmlns:p14="http://schemas.microsoft.com/office/powerpoint/2010/main" spd="slow" advClick="0">
         <p:fade thruBlk="1"/>
       </p:transition>
@@ -8977,7 +9941,7 @@
                                     </p:set>
                                     <p:animEffect transition="in" filter="wipe(left)">
                                       <p:cBhvr>
-                                        <p:cTn id="22" dur="1000"/>
+                                        <p:cTn id="22" dur="2000"/>
                                         <p:tgtEl>
                                           <p:spTgt spid="7"/>
                                         </p:tgtEl>
@@ -9020,7 +9984,7 @@
 </p:sld>
 </file>
 
-<file path=ppt/slides/slide18.xml><?xml version="1.0" encoding="utf-8"?>
+<file path=ppt/slides/slide19.xml><?xml version="1.0" encoding="utf-8"?>
 <p:sld xmlns:a="http://schemas.openxmlformats.org/drawingml/2006/main" xmlns:r="http://schemas.openxmlformats.org/officeDocument/2006/relationships" xmlns:p="http://schemas.openxmlformats.org/presentationml/2006/main">
   <p:cSld>
     <p:spTree>
@@ -9073,7 +10037,7 @@
               <a:pPr>
                 <a:defRPr/>
               </a:pPr>
-              <a:t>18</a:t>
+              <a:t>19</a:t>
             </a:fld>
             <a:endParaRPr lang="en-US" dirty="0"/>
           </a:p>
@@ -9228,7 +10192,7 @@
                 <a:tabLst/>
                 <a:defRPr/>
               </a:pPr>
-              <a:t>18</a:t>
+              <a:t>19</a:t>
             </a:fld>
             <a:endParaRPr kumimoji="0" lang="en-US" sz="1200" b="0" i="0" u="none" strike="noStrike" kern="1200" cap="none" spc="0" normalizeH="0" baseline="0" noProof="0" dirty="0">
               <a:ln>
@@ -9256,20 +10220,20 @@
           <p:nvPr>
             <p:extLst>
               <p:ext uri="{D42A27DB-BD31-4B8C-83A1-F6EECF244321}">
-                <p14:modId xmlns:p14="http://schemas.microsoft.com/office/powerpoint/2010/main" val="3231661755"/>
+                <p14:modId xmlns:p14="http://schemas.microsoft.com/office/powerpoint/2010/main" val="3439676804"/>
               </p:ext>
             </p:extLst>
           </p:nvPr>
         </p:nvGraphicFramePr>
         <p:xfrm>
-          <a:off x="1290161" y="1207771"/>
-          <a:ext cx="6323012" cy="1800225"/>
+          <a:off x="1164944" y="1118331"/>
+          <a:ext cx="6753239" cy="1922715"/>
         </p:xfrm>
         <a:graphic>
           <a:graphicData uri="http://schemas.openxmlformats.org/presentationml/2006/ole">
             <mc:AlternateContent xmlns:mc="http://schemas.openxmlformats.org/markup-compatibility/2006">
               <mc:Choice xmlns:v="urn:schemas-microsoft-com:vml" Requires="v">
-                <p:oleObj spid="_x0000_s378898" name="Equation" r:id="rId4" imgW="1778000" imgH="508000" progId="Equation.DSMT4">
+                <p:oleObj spid="_x0000_s378908" name="Equation" r:id="rId4" imgW="1778000" imgH="508000" progId="Equation.DSMT4">
                   <p:embed/>
                 </p:oleObj>
               </mc:Choice>
@@ -9290,8 +10254,8 @@
                     </p:blipFill>
                     <p:spPr>
                       <a:xfrm>
-                        <a:off x="1290161" y="1207771"/>
-                        <a:ext cx="6323012" cy="1800225"/>
+                        <a:off x="1164944" y="1118331"/>
+                        <a:ext cx="6753239" cy="1922715"/>
                       </a:xfrm>
                       <a:prstGeom prst="rect">
                         <a:avLst/>
@@ -9313,20 +10277,20 @@
           <p:nvPr>
             <p:extLst>
               <p:ext uri="{D42A27DB-BD31-4B8C-83A1-F6EECF244321}">
-                <p14:modId xmlns:p14="http://schemas.microsoft.com/office/powerpoint/2010/main" val="1285849984"/>
+                <p14:modId xmlns:p14="http://schemas.microsoft.com/office/powerpoint/2010/main" val="610928455"/>
               </p:ext>
             </p:extLst>
           </p:nvPr>
         </p:nvGraphicFramePr>
         <p:xfrm>
-          <a:off x="2081213" y="2751022"/>
+          <a:off x="2081213" y="2938846"/>
           <a:ext cx="4953000" cy="3257550"/>
         </p:xfrm>
         <a:graphic>
           <a:graphicData uri="http://schemas.openxmlformats.org/presentationml/2006/ole">
             <mc:AlternateContent xmlns:mc="http://schemas.openxmlformats.org/markup-compatibility/2006">
               <mc:Choice xmlns:v="urn:schemas-microsoft-com:vml" Requires="v">
-                <p:oleObj spid="_x0000_s378899" name="Equation" r:id="rId6" imgW="1346200" imgH="889000" progId="Equation.DSMT4">
+                <p:oleObj spid="_x0000_s378909" name="Equation" r:id="rId6" imgW="1346200" imgH="889000" progId="Equation.DSMT4">
                   <p:embed/>
                 </p:oleObj>
               </mc:Choice>
@@ -9347,7 +10311,7 @@
                     </p:blipFill>
                     <p:spPr>
                       <a:xfrm>
-                        <a:off x="2081213" y="2751022"/>
+                        <a:off x="2081213" y="2938846"/>
                         <a:ext cx="4953000" cy="3257550"/>
                       </a:xfrm>
                       <a:prstGeom prst="rect">
@@ -9405,7 +10369,7 @@
     <a:masterClrMapping/>
   </p:clrMapOvr>
   <p:transition xmlns:p14="http://schemas.microsoft.com/office/powerpoint/2010/main" spd="slow" advClick="0">
-    <p:fade/>
+    <p:fade thruBlk="1"/>
   </p:transition>
   <p:timing>
     <p:tnLst>
@@ -9419,9 +10383,6 @@
                     <p:cTn id="3" fill="hold">
                       <p:stCondLst>
                         <p:cond delay="indefinite"/>
-                        <p:cond evt="onBegin" delay="0">
-                          <p:tn val="2"/>
-                        </p:cond>
                       </p:stCondLst>
                       <p:childTnLst>
                         <p:par>
@@ -9431,7 +10392,7 @@
                             </p:stCondLst>
                             <p:childTnLst>
                               <p:par>
-                                <p:cTn id="5" presetID="22" presetClass="entr" presetSubtype="8" fill="hold" nodeType="withEffect">
+                                <p:cTn id="5" presetID="22" presetClass="entr" presetSubtype="8" fill="hold" nodeType="clickEffect">
                                   <p:stCondLst>
                                     <p:cond delay="0"/>
                                   </p:stCondLst>
@@ -9496,8 +10457,8 @@
 </p:sld>
 </file>
 
-<file path=ppt/slides/slide19.xml><?xml version="1.0" encoding="utf-8"?>
-<p:sld xmlns:a="http://schemas.openxmlformats.org/drawingml/2006/main" xmlns:r="http://schemas.openxmlformats.org/officeDocument/2006/relationships" xmlns:p="http://schemas.openxmlformats.org/presentationml/2006/main" show="0">
+<file path=ppt/slides/slide2.xml><?xml version="1.0" encoding="utf-8"?>
+<p:sld xmlns:a="http://schemas.openxmlformats.org/drawingml/2006/main" xmlns:r="http://schemas.openxmlformats.org/officeDocument/2006/relationships" xmlns:p="http://schemas.openxmlformats.org/presentationml/2006/main">
   <p:cSld>
     <p:spTree>
       <p:nvGrpSpPr>
@@ -9549,9 +10510,38 @@
               <a:pPr>
                 <a:defRPr/>
               </a:pPr>
-              <a:t>19</a:t>
+              <a:t>2</a:t>
             </a:fld>
             <a:endParaRPr lang="en-US" dirty="0"/>
+          </a:p>
+        </p:txBody>
+      </p:sp>
+      <p:sp>
+        <p:nvSpPr>
+          <p:cNvPr id="30726" name="Rectangle 4"/>
+          <p:cNvSpPr>
+            <a:spLocks noGrp="1" noChangeArrowheads="1"/>
+          </p:cNvSpPr>
+          <p:nvPr>
+            <p:ph type="title"/>
+          </p:nvPr>
+        </p:nvSpPr>
+        <p:spPr>
+          <a:noFill/>
+        </p:spPr>
+        <p:txBody>
+          <a:bodyPr/>
+          <a:lstStyle/>
+          <a:p>
+            <a:pPr eaLnBrk="1" hangingPunct="1"/>
+            <a:r>
+              <a:rPr lang="en-US" sz="4000" dirty="0" smtClean="0">
+                <a:solidFill>
+                  <a:schemeClr val="tx1"/>
+                </a:solidFill>
+              </a:rPr>
+              <a:t>99% accurate TB testing</a:t>
+            </a:r>
           </a:p>
         </p:txBody>
       </p:sp>
@@ -9704,7 +10694,304 @@
                 <a:tabLst/>
                 <a:defRPr/>
               </a:pPr>
-              <a:t>19</a:t>
+              <a:t>2</a:t>
+            </a:fld>
+            <a:endParaRPr kumimoji="0" lang="en-US" sz="1200" b="0" i="0" u="none" strike="noStrike" kern="1200" cap="none" spc="0" normalizeH="0" baseline="0" noProof="0" dirty="0">
+              <a:ln>
+                <a:noFill/>
+              </a:ln>
+              <a:solidFill>
+                <a:schemeClr val="tx1"/>
+              </a:solidFill>
+              <a:effectLst/>
+              <a:uLnTx/>
+              <a:uFillTx/>
+              <a:latin typeface="+mn-lt"/>
+              <a:ea typeface="+mn-ea"/>
+              <a:cs typeface="+mn-cs"/>
+            </a:endParaRPr>
+          </a:p>
+        </p:txBody>
+      </p:sp>
+      <p:sp>
+        <p:nvSpPr>
+          <p:cNvPr id="2" name="TextBox 1"/>
+          <p:cNvSpPr txBox="1"/>
+          <p:nvPr/>
+        </p:nvSpPr>
+        <p:spPr>
+          <a:xfrm>
+            <a:off x="199038" y="1061467"/>
+            <a:ext cx="8681943" cy="1446550"/>
+          </a:xfrm>
+          <a:prstGeom prst="rect">
+            <a:avLst/>
+          </a:prstGeom>
+          <a:noFill/>
+        </p:spPr>
+        <p:txBody>
+          <a:bodyPr wrap="square" rtlCol="0">
+            <a:spAutoFit/>
+          </a:bodyPr>
+          <a:lstStyle/>
+          <a:p>
+            <a:pPr algn="l"/>
+            <a:r>
+              <a:rPr lang="en-US" sz="4400" dirty="0" smtClean="0">
+                <a:latin typeface="+mj-lt"/>
+              </a:rPr>
+              <a:t>A great-sounding diagnostic test for TB:</a:t>
+            </a:r>
+            <a:endParaRPr lang="en-US" sz="4400" dirty="0" smtClean="0">
+              <a:solidFill>
+                <a:srgbClr val="EE040A"/>
+              </a:solidFill>
+              <a:latin typeface="+mj-lt"/>
+            </a:endParaRPr>
+          </a:p>
+        </p:txBody>
+      </p:sp>
+    </p:spTree>
+    <p:extLst>
+      <p:ext uri="{BB962C8B-B14F-4D97-AF65-F5344CB8AC3E}">
+        <p14:creationId xmlns:p14="http://schemas.microsoft.com/office/powerpoint/2010/main" val="3452217804"/>
+      </p:ext>
+    </p:extLst>
+  </p:cSld>
+  <p:clrMapOvr>
+    <a:masterClrMapping/>
+  </p:clrMapOvr>
+  <mc:AlternateContent xmlns:mc="http://schemas.openxmlformats.org/markup-compatibility/2006" xmlns:p14="http://schemas.microsoft.com/office/powerpoint/2010/main">
+    <mc:Choice Requires="p14">
+      <p:transition spd="slow" p14:dur="1200" advClick="0">
+        <p:fade thruBlk="1"/>
+      </p:transition>
+    </mc:Choice>
+    <mc:Fallback xmlns="">
+      <p:transition xmlns:p14="http://schemas.microsoft.com/office/powerpoint/2010/main" spd="slow" advClick="0">
+        <p:fade thruBlk="1"/>
+      </p:transition>
+    </mc:Fallback>
+  </mc:AlternateContent>
+  <p:timing>
+    <p:tnLst>
+      <p:par>
+        <p:cTn xmlns:p14="http://schemas.microsoft.com/office/powerpoint/2010/main" id="1" dur="indefinite" restart="never" nodeType="tmRoot"/>
+      </p:par>
+    </p:tnLst>
+  </p:timing>
+</p:sld>
+</file>
+
+<file path=ppt/slides/slide20.xml><?xml version="1.0" encoding="utf-8"?>
+<p:sld xmlns:a="http://schemas.openxmlformats.org/drawingml/2006/main" xmlns:r="http://schemas.openxmlformats.org/officeDocument/2006/relationships" xmlns:p="http://schemas.openxmlformats.org/presentationml/2006/main" show="0">
+  <p:cSld>
+    <p:spTree>
+      <p:nvGrpSpPr>
+        <p:cNvPr id="1" name=""/>
+        <p:cNvGrpSpPr/>
+        <p:nvPr/>
+      </p:nvGrpSpPr>
+      <p:grpSpPr>
+        <a:xfrm>
+          <a:off x="0" y="0"/>
+          <a:ext cx="0" cy="0"/>
+          <a:chOff x="0" y="0"/>
+          <a:chExt cx="0" cy="0"/>
+        </a:xfrm>
+      </p:grpSpPr>
+      <p:sp>
+        <p:nvSpPr>
+          <p:cNvPr id="20" name="Slide Number Placeholder 3"/>
+          <p:cNvSpPr>
+            <a:spLocks noGrp="1"/>
+          </p:cNvSpPr>
+          <p:nvPr>
+            <p:ph type="sldNum" sz="quarter" idx="4"/>
+          </p:nvPr>
+        </p:nvSpPr>
+        <p:spPr>
+          <a:xfrm>
+            <a:off x="7696200" y="6629400"/>
+            <a:ext cx="1447800" cy="228600"/>
+          </a:xfrm>
+        </p:spPr>
+        <p:txBody>
+          <a:bodyPr/>
+          <a:lstStyle/>
+          <a:p>
+            <a:pPr>
+              <a:defRPr/>
+            </a:pPr>
+            <a:r>
+              <a:rPr lang="en-US" dirty="0" err="1" smtClean="0"/>
+              <a:t>bayes</a:t>
+            </a:r>
+            <a:r>
+              <a:rPr lang="en-US" dirty="0" smtClean="0"/>
+              <a:t>.</a:t>
+            </a:r>
+            <a:fld id="{EAD82470-6C7C-49DD-8212-C557C8A87E2B}" type="slidenum">
+              <a:rPr lang="en-US" smtClean="0"/>
+              <a:pPr>
+                <a:defRPr/>
+              </a:pPr>
+              <a:t>20</a:t>
+            </a:fld>
+            <a:endParaRPr lang="en-US" dirty="0"/>
+          </a:p>
+        </p:txBody>
+      </p:sp>
+      <p:cxnSp>
+        <p:nvCxnSpPr>
+          <p:cNvPr id="30727" name="AutoShape 21"/>
+          <p:cNvCxnSpPr>
+            <a:cxnSpLocks noChangeShapeType="1"/>
+          </p:cNvCxnSpPr>
+          <p:nvPr/>
+        </p:nvCxnSpPr>
+        <p:spPr bwMode="auto">
+          <a:xfrm>
+            <a:off x="1219200" y="3543300"/>
+            <a:ext cx="0" cy="0"/>
+          </a:xfrm>
+          <a:prstGeom prst="straightConnector1">
+            <a:avLst/>
+          </a:prstGeom>
+          <a:noFill/>
+          <a:ln w="9525">
+            <a:solidFill>
+              <a:schemeClr val="tx1"/>
+            </a:solidFill>
+            <a:round/>
+            <a:headEnd/>
+            <a:tailEnd/>
+          </a:ln>
+        </p:spPr>
+      </p:cxnSp>
+      <p:sp>
+        <p:nvSpPr>
+          <p:cNvPr id="39" name="Rectangle 4"/>
+          <p:cNvSpPr txBox="1">
+            <a:spLocks noChangeArrowheads="1"/>
+          </p:cNvSpPr>
+          <p:nvPr/>
+        </p:nvSpPr>
+        <p:spPr bwMode="auto">
+          <a:xfrm>
+            <a:off x="7696200" y="6629400"/>
+            <a:ext cx="1447800" cy="228600"/>
+          </a:xfrm>
+          <a:prstGeom prst="rect">
+            <a:avLst/>
+          </a:prstGeom>
+          <a:noFill/>
+          <a:ln w="9525">
+            <a:noFill/>
+            <a:miter lim="800000"/>
+            <a:headEnd/>
+            <a:tailEnd/>
+          </a:ln>
+          <a:effectLst/>
+        </p:spPr>
+        <p:txBody>
+          <a:bodyPr vert="horz" wrap="square" lIns="91440" tIns="45720" rIns="91440" bIns="45720" numCol="1" anchor="t" anchorCtr="0" compatLnSpc="1">
+            <a:prstTxWarp prst="textNoShape">
+              <a:avLst/>
+            </a:prstTxWarp>
+          </a:bodyPr>
+          <a:lstStyle>
+            <a:lvl1pPr algn="r">
+              <a:defRPr sz="1200" dirty="0" err="1" smtClean="0">
+                <a:latin typeface="+mn-lt"/>
+              </a:defRPr>
+            </a:lvl1pPr>
+          </a:lstStyle>
+          <a:p>
+            <a:pPr marL="0" marR="0" lvl="0" indent="0" algn="r" defTabSz="914400" rtl="0" eaLnBrk="1" fontAlgn="base" latinLnBrk="0" hangingPunct="1">
+              <a:lnSpc>
+                <a:spcPct val="100000"/>
+              </a:lnSpc>
+              <a:spcBef>
+                <a:spcPct val="0"/>
+              </a:spcBef>
+              <a:spcAft>
+                <a:spcPct val="0"/>
+              </a:spcAft>
+              <a:buClrTx/>
+              <a:buSzTx/>
+              <a:buFontTx/>
+              <a:buNone/>
+              <a:tabLst/>
+              <a:defRPr/>
+            </a:pPr>
+            <a:r>
+              <a:rPr kumimoji="0" lang="en-US" sz="1200" b="0" i="0" u="none" strike="noStrike" kern="1200" cap="none" spc="0" normalizeH="0" baseline="0" noProof="0" dirty="0" err="1" smtClean="0">
+                <a:ln>
+                  <a:noFill/>
+                </a:ln>
+                <a:solidFill>
+                  <a:schemeClr val="tx1"/>
+                </a:solidFill>
+                <a:effectLst/>
+                <a:uLnTx/>
+                <a:uFillTx/>
+                <a:latin typeface="+mn-lt"/>
+                <a:ea typeface="+mn-ea"/>
+                <a:cs typeface="+mn-cs"/>
+              </a:rPr>
+              <a:t>bayes</a:t>
+            </a:r>
+            <a:r>
+              <a:rPr kumimoji="0" lang="en-US" sz="1200" b="0" i="0" u="none" strike="noStrike" kern="1200" cap="none" spc="0" normalizeH="0" baseline="0" noProof="0" dirty="0" smtClean="0">
+                <a:ln>
+                  <a:noFill/>
+                </a:ln>
+                <a:solidFill>
+                  <a:schemeClr val="tx1"/>
+                </a:solidFill>
+                <a:effectLst/>
+                <a:uLnTx/>
+                <a:uFillTx/>
+                <a:latin typeface="+mn-lt"/>
+                <a:ea typeface="+mn-ea"/>
+                <a:cs typeface="+mn-cs"/>
+              </a:rPr>
+              <a:t>.</a:t>
+            </a:r>
+            <a:fld id="{B9A0B45D-6AFD-413C-B761-B121FB8BE940}" type="slidenum">
+              <a:rPr kumimoji="0" lang="en-US" sz="1200" b="0" i="0" u="none" strike="noStrike" kern="1200" cap="none" spc="0" normalizeH="0" baseline="0" noProof="0" smtClean="0">
+                <a:ln>
+                  <a:noFill/>
+                </a:ln>
+                <a:solidFill>
+                  <a:schemeClr val="tx1"/>
+                </a:solidFill>
+                <a:effectLst/>
+                <a:uLnTx/>
+                <a:uFillTx/>
+                <a:latin typeface="+mn-lt"/>
+                <a:ea typeface="+mn-ea"/>
+                <a:cs typeface="+mn-cs"/>
+              </a:rPr>
+              <a:pPr marL="0" marR="0" lvl="0" indent="0" algn="r" defTabSz="914400" rtl="0" eaLnBrk="1" fontAlgn="base" latinLnBrk="0" hangingPunct="1">
+                <a:lnSpc>
+                  <a:spcPct val="100000"/>
+                </a:lnSpc>
+                <a:spcBef>
+                  <a:spcPct val="0"/>
+                </a:spcBef>
+                <a:spcAft>
+                  <a:spcPct val="0"/>
+                </a:spcAft>
+                <a:buClrTx/>
+                <a:buSzTx/>
+                <a:buFontTx/>
+                <a:buNone/>
+                <a:tabLst/>
+                <a:defRPr/>
+              </a:pPr>
+              <a:t>20</a:t>
             </a:fld>
             <a:endParaRPr kumimoji="0" lang="en-US" sz="1200" b="0" i="0" u="none" strike="noStrike" kern="1200" cap="none" spc="0" normalizeH="0" baseline="0" noProof="0" dirty="0">
               <a:ln>
@@ -9745,7 +11032,7 @@
           <a:graphicData uri="http://schemas.openxmlformats.org/presentationml/2006/ole">
             <mc:AlternateContent xmlns:mc="http://schemas.openxmlformats.org/markup-compatibility/2006">
               <mc:Choice xmlns:v="urn:schemas-microsoft-com:vml" Requires="v">
-                <p:oleObj spid="_x0000_s374816" name="Equation" r:id="rId4" imgW="2413000" imgH="457200" progId="Equation.DSMT4">
+                <p:oleObj spid="_x0000_s374830" name="Equation" r:id="rId4" imgW="2413000" imgH="457200" progId="Equation.DSMT4">
                   <p:embed/>
                 </p:oleObj>
               </mc:Choice>
@@ -9802,7 +11089,7 @@
           <a:graphicData uri="http://schemas.openxmlformats.org/presentationml/2006/ole">
             <mc:AlternateContent xmlns:mc="http://schemas.openxmlformats.org/markup-compatibility/2006">
               <mc:Choice xmlns:v="urn:schemas-microsoft-com:vml" Requires="v">
-                <p:oleObj spid="_x0000_s374817" name="Equation" r:id="rId6" imgW="2235200" imgH="495300" progId="Equation.DSMT4">
+                <p:oleObj spid="_x0000_s374831" name="Equation" r:id="rId6" imgW="2235200" imgH="495300" progId="Equation.DSMT4">
                   <p:embed/>
                 </p:oleObj>
               </mc:Choice>
@@ -10037,7 +11324,7 @@
           <a:graphicData uri="http://schemas.openxmlformats.org/presentationml/2006/ole">
             <mc:AlternateContent xmlns:mc="http://schemas.openxmlformats.org/markup-compatibility/2006">
               <mc:Choice xmlns:v="urn:schemas-microsoft-com:vml" Requires="v">
-                <p:oleObj spid="_x0000_s374818" name="Equation" r:id="rId8" imgW="457200" imgH="469900" progId="Equation.DSMT4">
+                <p:oleObj spid="_x0000_s374832" name="Equation" r:id="rId8" imgW="457200" imgH="469900" progId="Equation.DSMT4">
                   <p:embed/>
                 </p:oleObj>
               </mc:Choice>
@@ -10380,333 +11667,7 @@
 </p:sld>
 </file>
 
-<file path=ppt/slides/slide2.xml><?xml version="1.0" encoding="utf-8"?>
-<p:sld xmlns:a="http://schemas.openxmlformats.org/drawingml/2006/main" xmlns:r="http://schemas.openxmlformats.org/officeDocument/2006/relationships" xmlns:p="http://schemas.openxmlformats.org/presentationml/2006/main">
-  <p:cSld>
-    <p:spTree>
-      <p:nvGrpSpPr>
-        <p:cNvPr id="1" name=""/>
-        <p:cNvGrpSpPr/>
-        <p:nvPr/>
-      </p:nvGrpSpPr>
-      <p:grpSpPr>
-        <a:xfrm>
-          <a:off x="0" y="0"/>
-          <a:ext cx="0" cy="0"/>
-          <a:chOff x="0" y="0"/>
-          <a:chExt cx="0" cy="0"/>
-        </a:xfrm>
-      </p:grpSpPr>
-      <p:sp>
-        <p:nvSpPr>
-          <p:cNvPr id="20" name="Slide Number Placeholder 3"/>
-          <p:cNvSpPr>
-            <a:spLocks noGrp="1"/>
-          </p:cNvSpPr>
-          <p:nvPr>
-            <p:ph type="sldNum" sz="quarter" idx="4"/>
-          </p:nvPr>
-        </p:nvSpPr>
-        <p:spPr>
-          <a:xfrm>
-            <a:off x="7696200" y="6629400"/>
-            <a:ext cx="1447800" cy="228600"/>
-          </a:xfrm>
-        </p:spPr>
-        <p:txBody>
-          <a:bodyPr/>
-          <a:lstStyle/>
-          <a:p>
-            <a:pPr>
-              <a:defRPr/>
-            </a:pPr>
-            <a:r>
-              <a:rPr lang="en-US" dirty="0" err="1" smtClean="0"/>
-              <a:t>bayes</a:t>
-            </a:r>
-            <a:r>
-              <a:rPr lang="en-US" dirty="0" smtClean="0"/>
-              <a:t>.</a:t>
-            </a:r>
-            <a:fld id="{EAD82470-6C7C-49DD-8212-C557C8A87E2B}" type="slidenum">
-              <a:rPr lang="en-US" smtClean="0"/>
-              <a:pPr>
-                <a:defRPr/>
-              </a:pPr>
-              <a:t>2</a:t>
-            </a:fld>
-            <a:endParaRPr lang="en-US" dirty="0"/>
-          </a:p>
-        </p:txBody>
-      </p:sp>
-      <p:sp>
-        <p:nvSpPr>
-          <p:cNvPr id="30726" name="Rectangle 4"/>
-          <p:cNvSpPr>
-            <a:spLocks noGrp="1" noChangeArrowheads="1"/>
-          </p:cNvSpPr>
-          <p:nvPr>
-            <p:ph type="title"/>
-          </p:nvPr>
-        </p:nvSpPr>
-        <p:spPr>
-          <a:noFill/>
-        </p:spPr>
-        <p:txBody>
-          <a:bodyPr/>
-          <a:lstStyle/>
-          <a:p>
-            <a:pPr eaLnBrk="1" hangingPunct="1"/>
-            <a:r>
-              <a:rPr lang="en-US" sz="4000" dirty="0" smtClean="0">
-                <a:solidFill>
-                  <a:schemeClr val="tx1"/>
-                </a:solidFill>
-              </a:rPr>
-              <a:t>99% accurate TB testing</a:t>
-            </a:r>
-          </a:p>
-        </p:txBody>
-      </p:sp>
-      <p:cxnSp>
-        <p:nvCxnSpPr>
-          <p:cNvPr id="30727" name="AutoShape 21"/>
-          <p:cNvCxnSpPr>
-            <a:cxnSpLocks noChangeShapeType="1"/>
-          </p:cNvCxnSpPr>
-          <p:nvPr/>
-        </p:nvCxnSpPr>
-        <p:spPr bwMode="auto">
-          <a:xfrm>
-            <a:off x="1219200" y="3543300"/>
-            <a:ext cx="0" cy="0"/>
-          </a:xfrm>
-          <a:prstGeom prst="straightConnector1">
-            <a:avLst/>
-          </a:prstGeom>
-          <a:noFill/>
-          <a:ln w="9525">
-            <a:solidFill>
-              <a:schemeClr val="tx1"/>
-            </a:solidFill>
-            <a:round/>
-            <a:headEnd/>
-            <a:tailEnd/>
-          </a:ln>
-        </p:spPr>
-      </p:cxnSp>
-      <p:sp>
-        <p:nvSpPr>
-          <p:cNvPr id="39" name="Rectangle 4"/>
-          <p:cNvSpPr txBox="1">
-            <a:spLocks noChangeArrowheads="1"/>
-          </p:cNvSpPr>
-          <p:nvPr/>
-        </p:nvSpPr>
-        <p:spPr bwMode="auto">
-          <a:xfrm>
-            <a:off x="7696200" y="6629400"/>
-            <a:ext cx="1447800" cy="228600"/>
-          </a:xfrm>
-          <a:prstGeom prst="rect">
-            <a:avLst/>
-          </a:prstGeom>
-          <a:noFill/>
-          <a:ln w="9525">
-            <a:noFill/>
-            <a:miter lim="800000"/>
-            <a:headEnd/>
-            <a:tailEnd/>
-          </a:ln>
-          <a:effectLst/>
-        </p:spPr>
-        <p:txBody>
-          <a:bodyPr vert="horz" wrap="square" lIns="91440" tIns="45720" rIns="91440" bIns="45720" numCol="1" anchor="t" anchorCtr="0" compatLnSpc="1">
-            <a:prstTxWarp prst="textNoShape">
-              <a:avLst/>
-            </a:prstTxWarp>
-          </a:bodyPr>
-          <a:lstStyle>
-            <a:lvl1pPr algn="r">
-              <a:defRPr sz="1200" dirty="0" err="1" smtClean="0">
-                <a:latin typeface="+mn-lt"/>
-              </a:defRPr>
-            </a:lvl1pPr>
-          </a:lstStyle>
-          <a:p>
-            <a:pPr marL="0" marR="0" lvl="0" indent="0" algn="r" defTabSz="914400" rtl="0" eaLnBrk="1" fontAlgn="base" latinLnBrk="0" hangingPunct="1">
-              <a:lnSpc>
-                <a:spcPct val="100000"/>
-              </a:lnSpc>
-              <a:spcBef>
-                <a:spcPct val="0"/>
-              </a:spcBef>
-              <a:spcAft>
-                <a:spcPct val="0"/>
-              </a:spcAft>
-              <a:buClrTx/>
-              <a:buSzTx/>
-              <a:buFontTx/>
-              <a:buNone/>
-              <a:tabLst/>
-              <a:defRPr/>
-            </a:pPr>
-            <a:r>
-              <a:rPr kumimoji="0" lang="en-US" sz="1200" b="0" i="0" u="none" strike="noStrike" kern="1200" cap="none" spc="0" normalizeH="0" baseline="0" noProof="0" dirty="0" err="1" smtClean="0">
-                <a:ln>
-                  <a:noFill/>
-                </a:ln>
-                <a:solidFill>
-                  <a:schemeClr val="tx1"/>
-                </a:solidFill>
-                <a:effectLst/>
-                <a:uLnTx/>
-                <a:uFillTx/>
-                <a:latin typeface="+mn-lt"/>
-                <a:ea typeface="+mn-ea"/>
-                <a:cs typeface="+mn-cs"/>
-              </a:rPr>
-              <a:t>bayes</a:t>
-            </a:r>
-            <a:r>
-              <a:rPr kumimoji="0" lang="en-US" sz="1200" b="0" i="0" u="none" strike="noStrike" kern="1200" cap="none" spc="0" normalizeH="0" baseline="0" noProof="0" dirty="0" smtClean="0">
-                <a:ln>
-                  <a:noFill/>
-                </a:ln>
-                <a:solidFill>
-                  <a:schemeClr val="tx1"/>
-                </a:solidFill>
-                <a:effectLst/>
-                <a:uLnTx/>
-                <a:uFillTx/>
-                <a:latin typeface="+mn-lt"/>
-                <a:ea typeface="+mn-ea"/>
-                <a:cs typeface="+mn-cs"/>
-              </a:rPr>
-              <a:t>.</a:t>
-            </a:r>
-            <a:fld id="{B9A0B45D-6AFD-413C-B761-B121FB8BE940}" type="slidenum">
-              <a:rPr kumimoji="0" lang="en-US" sz="1200" b="0" i="0" u="none" strike="noStrike" kern="1200" cap="none" spc="0" normalizeH="0" baseline="0" noProof="0" smtClean="0">
-                <a:ln>
-                  <a:noFill/>
-                </a:ln>
-                <a:solidFill>
-                  <a:schemeClr val="tx1"/>
-                </a:solidFill>
-                <a:effectLst/>
-                <a:uLnTx/>
-                <a:uFillTx/>
-                <a:latin typeface="+mn-lt"/>
-                <a:ea typeface="+mn-ea"/>
-                <a:cs typeface="+mn-cs"/>
-              </a:rPr>
-              <a:pPr marL="0" marR="0" lvl="0" indent="0" algn="r" defTabSz="914400" rtl="0" eaLnBrk="1" fontAlgn="base" latinLnBrk="0" hangingPunct="1">
-                <a:lnSpc>
-                  <a:spcPct val="100000"/>
-                </a:lnSpc>
-                <a:spcBef>
-                  <a:spcPct val="0"/>
-                </a:spcBef>
-                <a:spcAft>
-                  <a:spcPct val="0"/>
-                </a:spcAft>
-                <a:buClrTx/>
-                <a:buSzTx/>
-                <a:buFontTx/>
-                <a:buNone/>
-                <a:tabLst/>
-                <a:defRPr/>
-              </a:pPr>
-              <a:t>2</a:t>
-            </a:fld>
-            <a:endParaRPr kumimoji="0" lang="en-US" sz="1200" b="0" i="0" u="none" strike="noStrike" kern="1200" cap="none" spc="0" normalizeH="0" baseline="0" noProof="0" dirty="0">
-              <a:ln>
-                <a:noFill/>
-              </a:ln>
-              <a:solidFill>
-                <a:schemeClr val="tx1"/>
-              </a:solidFill>
-              <a:effectLst/>
-              <a:uLnTx/>
-              <a:uFillTx/>
-              <a:latin typeface="+mn-lt"/>
-              <a:ea typeface="+mn-ea"/>
-              <a:cs typeface="+mn-cs"/>
-            </a:endParaRPr>
-          </a:p>
-        </p:txBody>
-      </p:sp>
-      <p:sp>
-        <p:nvSpPr>
-          <p:cNvPr id="2" name="TextBox 1"/>
-          <p:cNvSpPr txBox="1"/>
-          <p:nvPr/>
-        </p:nvSpPr>
-        <p:spPr>
-          <a:xfrm>
-            <a:off x="199038" y="1061467"/>
-            <a:ext cx="8681943" cy="1446550"/>
-          </a:xfrm>
-          <a:prstGeom prst="rect">
-            <a:avLst/>
-          </a:prstGeom>
-          <a:noFill/>
-        </p:spPr>
-        <p:txBody>
-          <a:bodyPr wrap="square" rtlCol="0">
-            <a:spAutoFit/>
-          </a:bodyPr>
-          <a:lstStyle/>
-          <a:p>
-            <a:pPr algn="l"/>
-            <a:r>
-              <a:rPr lang="en-US" sz="4400" dirty="0" smtClean="0">
-                <a:latin typeface="+mj-lt"/>
-              </a:rPr>
-              <a:t>A great-sounding diagnostic test for TB:</a:t>
-            </a:r>
-            <a:endParaRPr lang="en-US" sz="4400" dirty="0" smtClean="0">
-              <a:solidFill>
-                <a:srgbClr val="EE040A"/>
-              </a:solidFill>
-              <a:latin typeface="+mj-lt"/>
-            </a:endParaRPr>
-          </a:p>
-        </p:txBody>
-      </p:sp>
-    </p:spTree>
-    <p:extLst>
-      <p:ext uri="{BB962C8B-B14F-4D97-AF65-F5344CB8AC3E}">
-        <p14:creationId xmlns:p14="http://schemas.microsoft.com/office/powerpoint/2010/main" val="3452217804"/>
-      </p:ext>
-    </p:extLst>
-  </p:cSld>
-  <p:clrMapOvr>
-    <a:masterClrMapping/>
-  </p:clrMapOvr>
-  <mc:AlternateContent xmlns:mc="http://schemas.openxmlformats.org/markup-compatibility/2006" xmlns:p14="http://schemas.microsoft.com/office/powerpoint/2010/main">
-    <mc:Choice Requires="p14">
-      <p:transition spd="slow" p14:dur="1200" advClick="0">
-        <p:fade thruBlk="1"/>
-      </p:transition>
-    </mc:Choice>
-    <mc:Fallback xmlns="">
-      <p:transition xmlns:p14="http://schemas.microsoft.com/office/powerpoint/2010/main" spd="slow" advClick="0">
-        <p:fade thruBlk="1"/>
-      </p:transition>
-    </mc:Fallback>
-  </mc:AlternateContent>
-  <p:timing>
-    <p:tnLst>
-      <p:par>
-        <p:cTn xmlns:p14="http://schemas.microsoft.com/office/powerpoint/2010/main" id="1" dur="indefinite" restart="never" nodeType="tmRoot"/>
-      </p:par>
-    </p:tnLst>
-  </p:timing>
-</p:sld>
-</file>
-
-<file path=ppt/slides/slide20.xml><?xml version="1.0" encoding="utf-8"?>
+<file path=ppt/slides/slide21.xml><?xml version="1.0" encoding="utf-8"?>
 <p:sld xmlns:a="http://schemas.openxmlformats.org/drawingml/2006/main" xmlns:r="http://schemas.openxmlformats.org/officeDocument/2006/relationships" xmlns:p="http://schemas.openxmlformats.org/presentationml/2006/main">
   <p:cSld>
     <p:spTree>
@@ -10754,7 +11715,7 @@
               <a:pPr>
                 <a:defRPr/>
               </a:pPr>
-              <a:t>20</a:t>
+              <a:t>21</a:t>
             </a:fld>
             <a:endParaRPr lang="en-US" dirty="0"/>
           </a:p>
@@ -11439,7 +12400,7 @@
 </p:sld>
 </file>
 
-<file path=ppt/slides/slide21.xml><?xml version="1.0" encoding="utf-8"?>
+<file path=ppt/slides/slide22.xml><?xml version="1.0" encoding="utf-8"?>
 <p:sld xmlns:a="http://schemas.openxmlformats.org/drawingml/2006/main" xmlns:r="http://schemas.openxmlformats.org/officeDocument/2006/relationships" xmlns:p="http://schemas.openxmlformats.org/presentationml/2006/main" show="0">
   <p:cSld>
     <p:spTree>
@@ -11487,7 +12448,7 @@
               <a:pPr>
                 <a:defRPr/>
               </a:pPr>
-              <a:t>21</a:t>
+              <a:t>22</a:t>
             </a:fld>
             <a:endParaRPr lang="en-US" dirty="0"/>
           </a:p>
@@ -11783,335 +12744,6 @@
   <p:transition xmlns:p14="http://schemas.microsoft.com/office/powerpoint/2010/main" spd="slow" advClick="0">
     <p:fade/>
   </p:transition>
-  <p:timing>
-    <p:tnLst>
-      <p:par>
-        <p:cTn xmlns:p14="http://schemas.microsoft.com/office/powerpoint/2010/main" id="1" dur="indefinite" restart="never" nodeType="tmRoot"/>
-      </p:par>
-    </p:tnLst>
-  </p:timing>
-</p:sld>
-</file>
-
-<file path=ppt/slides/slide22.xml><?xml version="1.0" encoding="utf-8"?>
-<p:sld xmlns:a="http://schemas.openxmlformats.org/drawingml/2006/main" xmlns:r="http://schemas.openxmlformats.org/officeDocument/2006/relationships" xmlns:p="http://schemas.openxmlformats.org/presentationml/2006/main">
-  <p:cSld>
-    <p:spTree>
-      <p:nvGrpSpPr>
-        <p:cNvPr id="1" name=""/>
-        <p:cNvGrpSpPr/>
-        <p:nvPr/>
-      </p:nvGrpSpPr>
-      <p:grpSpPr>
-        <a:xfrm>
-          <a:off x="0" y="0"/>
-          <a:ext cx="0" cy="0"/>
-          <a:chOff x="0" y="0"/>
-          <a:chExt cx="0" cy="0"/>
-        </a:xfrm>
-      </p:grpSpPr>
-      <p:sp>
-        <p:nvSpPr>
-          <p:cNvPr id="4" name="Slide Number Placeholder 3"/>
-          <p:cNvSpPr>
-            <a:spLocks noGrp="1"/>
-          </p:cNvSpPr>
-          <p:nvPr>
-            <p:ph type="sldNum" sz="quarter" idx="4"/>
-          </p:nvPr>
-        </p:nvSpPr>
-        <p:spPr/>
-        <p:txBody>
-          <a:bodyPr/>
-          <a:lstStyle/>
-          <a:p>
-            <a:pPr>
-              <a:defRPr/>
-            </a:pPr>
-            <a:r>
-              <a:rPr lang="en-US" dirty="0" err="1" smtClean="0"/>
-              <a:t>bayes</a:t>
-            </a:r>
-            <a:r>
-              <a:rPr lang="en-US" dirty="0" smtClean="0"/>
-              <a:t>.</a:t>
-            </a:r>
-            <a:fld id="{B9A0B45D-6AFD-413C-B761-B121FB8BE940}" type="slidenum">
-              <a:rPr lang="en-US" smtClean="0"/>
-              <a:pPr>
-                <a:defRPr/>
-              </a:pPr>
-              <a:t>22</a:t>
-            </a:fld>
-            <a:endParaRPr lang="en-US" dirty="0"/>
-          </a:p>
-        </p:txBody>
-      </p:sp>
-      <p:sp>
-        <p:nvSpPr>
-          <p:cNvPr id="6" name="TextBox 5"/>
-          <p:cNvSpPr txBox="1"/>
-          <p:nvPr/>
-        </p:nvSpPr>
-        <p:spPr>
-          <a:xfrm>
-            <a:off x="355568" y="1379277"/>
-            <a:ext cx="8114721" cy="1569660"/>
-          </a:xfrm>
-          <a:prstGeom prst="rect">
-            <a:avLst/>
-          </a:prstGeom>
-          <a:noFill/>
-        </p:spPr>
-        <p:txBody>
-          <a:bodyPr wrap="none" rtlCol="0">
-            <a:spAutoFit/>
-          </a:bodyPr>
-          <a:lstStyle/>
-          <a:p>
-            <a:pPr algn="l"/>
-            <a:r>
-              <a:rPr lang="en-US" sz="4800" dirty="0" smtClean="0">
-                <a:solidFill>
-                  <a:srgbClr val="0000CC"/>
-                </a:solidFill>
-                <a:latin typeface="Comic Sans MS"/>
-                <a:cs typeface="Comic Sans MS"/>
-              </a:rPr>
-              <a:t>99</a:t>
-            </a:r>
-            <a:r>
-              <a:rPr lang="en-US" sz="4800" dirty="0">
-                <a:solidFill>
-                  <a:srgbClr val="0000CC"/>
-                </a:solidFill>
-                <a:latin typeface="Comic Sans MS"/>
-                <a:cs typeface="Comic Sans MS"/>
-              </a:rPr>
-              <a:t>%</a:t>
-            </a:r>
-            <a:r>
-              <a:rPr lang="en-US" sz="4800" dirty="0">
-                <a:latin typeface="Comic Sans MS"/>
-                <a:cs typeface="Comic Sans MS"/>
-              </a:rPr>
-              <a:t> accurate </a:t>
-            </a:r>
-            <a:r>
-              <a:rPr lang="en-US" sz="4800" dirty="0" smtClean="0">
-                <a:latin typeface="Comic Sans MS"/>
-                <a:cs typeface="Comic Sans MS"/>
-              </a:rPr>
-              <a:t>test is not so</a:t>
-            </a:r>
-          </a:p>
-          <a:p>
-            <a:pPr algn="l"/>
-            <a:r>
-              <a:rPr lang="en-US" sz="4800" dirty="0" smtClean="0">
-                <a:latin typeface="Comic Sans MS"/>
-                <a:cs typeface="Comic Sans MS"/>
-              </a:rPr>
-              <a:t>good here.</a:t>
-            </a:r>
-          </a:p>
-        </p:txBody>
-      </p:sp>
-      <p:sp>
-        <p:nvSpPr>
-          <p:cNvPr id="8" name="Rectangle 4"/>
-          <p:cNvSpPr txBox="1">
-            <a:spLocks noChangeArrowheads="1"/>
-          </p:cNvSpPr>
-          <p:nvPr/>
-        </p:nvSpPr>
-        <p:spPr bwMode="auto">
-          <a:xfrm>
-            <a:off x="1447800" y="381000"/>
-            <a:ext cx="6553200" cy="838200"/>
-          </a:xfrm>
-          <a:prstGeom prst="rect">
-            <a:avLst/>
-          </a:prstGeom>
-          <a:noFill/>
-          <a:ln w="9525">
-            <a:noFill/>
-            <a:miter lim="800000"/>
-            <a:headEnd/>
-            <a:tailEnd/>
-          </a:ln>
-        </p:spPr>
-        <p:txBody>
-          <a:bodyPr vert="horz" wrap="square" lIns="91440" tIns="45720" rIns="91440" bIns="45720" numCol="1" anchor="ctr" anchorCtr="0" compatLnSpc="1">
-            <a:prstTxWarp prst="textNoShape">
-              <a:avLst/>
-            </a:prstTxWarp>
-          </a:bodyPr>
-          <a:lstStyle>
-            <a:lvl1pPr algn="ctr" rtl="0" eaLnBrk="0" fontAlgn="base" hangingPunct="0">
-              <a:spcBef>
-                <a:spcPct val="0"/>
-              </a:spcBef>
-              <a:spcAft>
-                <a:spcPct val="0"/>
-              </a:spcAft>
-              <a:defRPr sz="3200" b="1">
-                <a:solidFill>
-                  <a:schemeClr val="tx2"/>
-                </a:solidFill>
-                <a:latin typeface="+mj-lt"/>
-                <a:ea typeface="+mj-ea"/>
-                <a:cs typeface="+mj-cs"/>
-              </a:defRPr>
-            </a:lvl1pPr>
-            <a:lvl2pPr algn="ctr" rtl="0" eaLnBrk="0" fontAlgn="base" hangingPunct="0">
-              <a:spcBef>
-                <a:spcPct val="0"/>
-              </a:spcBef>
-              <a:spcAft>
-                <a:spcPct val="0"/>
-              </a:spcAft>
-              <a:defRPr sz="3600" b="1">
-                <a:solidFill>
-                  <a:schemeClr val="tx2"/>
-                </a:solidFill>
-                <a:latin typeface="Comic Sans MS" pitchFamily="66" charset="0"/>
-              </a:defRPr>
-            </a:lvl2pPr>
-            <a:lvl3pPr algn="ctr" rtl="0" eaLnBrk="0" fontAlgn="base" hangingPunct="0">
-              <a:spcBef>
-                <a:spcPct val="0"/>
-              </a:spcBef>
-              <a:spcAft>
-                <a:spcPct val="0"/>
-              </a:spcAft>
-              <a:defRPr sz="3600" b="1">
-                <a:solidFill>
-                  <a:schemeClr val="tx2"/>
-                </a:solidFill>
-                <a:latin typeface="Comic Sans MS" pitchFamily="66" charset="0"/>
-              </a:defRPr>
-            </a:lvl3pPr>
-            <a:lvl4pPr algn="ctr" rtl="0" eaLnBrk="0" fontAlgn="base" hangingPunct="0">
-              <a:spcBef>
-                <a:spcPct val="0"/>
-              </a:spcBef>
-              <a:spcAft>
-                <a:spcPct val="0"/>
-              </a:spcAft>
-              <a:defRPr sz="3600" b="1">
-                <a:solidFill>
-                  <a:schemeClr val="tx2"/>
-                </a:solidFill>
-                <a:latin typeface="Comic Sans MS" pitchFamily="66" charset="0"/>
-              </a:defRPr>
-            </a:lvl4pPr>
-            <a:lvl5pPr algn="ctr" rtl="0" eaLnBrk="0" fontAlgn="base" hangingPunct="0">
-              <a:spcBef>
-                <a:spcPct val="0"/>
-              </a:spcBef>
-              <a:spcAft>
-                <a:spcPct val="0"/>
-              </a:spcAft>
-              <a:defRPr sz="3600" b="1">
-                <a:solidFill>
-                  <a:schemeClr val="tx2"/>
-                </a:solidFill>
-                <a:latin typeface="Comic Sans MS" pitchFamily="66" charset="0"/>
-              </a:defRPr>
-            </a:lvl5pPr>
-            <a:lvl6pPr marL="457200" algn="ctr" rtl="0" fontAlgn="base">
-              <a:spcBef>
-                <a:spcPct val="0"/>
-              </a:spcBef>
-              <a:spcAft>
-                <a:spcPct val="0"/>
-              </a:spcAft>
-              <a:defRPr sz="3600" b="1">
-                <a:solidFill>
-                  <a:schemeClr val="tx2"/>
-                </a:solidFill>
-                <a:latin typeface="Comic Sans MS" pitchFamily="66" charset="0"/>
-              </a:defRPr>
-            </a:lvl6pPr>
-            <a:lvl7pPr marL="914400" algn="ctr" rtl="0" fontAlgn="base">
-              <a:spcBef>
-                <a:spcPct val="0"/>
-              </a:spcBef>
-              <a:spcAft>
-                <a:spcPct val="0"/>
-              </a:spcAft>
-              <a:defRPr sz="3600" b="1">
-                <a:solidFill>
-                  <a:schemeClr val="tx2"/>
-                </a:solidFill>
-                <a:latin typeface="Comic Sans MS" pitchFamily="66" charset="0"/>
-              </a:defRPr>
-            </a:lvl7pPr>
-            <a:lvl8pPr marL="1371600" algn="ctr" rtl="0" fontAlgn="base">
-              <a:spcBef>
-                <a:spcPct val="0"/>
-              </a:spcBef>
-              <a:spcAft>
-                <a:spcPct val="0"/>
-              </a:spcAft>
-              <a:defRPr sz="3600" b="1">
-                <a:solidFill>
-                  <a:schemeClr val="tx2"/>
-                </a:solidFill>
-                <a:latin typeface="Comic Sans MS" pitchFamily="66" charset="0"/>
-              </a:defRPr>
-            </a:lvl8pPr>
-            <a:lvl9pPr marL="1828800" algn="ctr" rtl="0" fontAlgn="base">
-              <a:spcBef>
-                <a:spcPct val="0"/>
-              </a:spcBef>
-              <a:spcAft>
-                <a:spcPct val="0"/>
-              </a:spcAft>
-              <a:defRPr sz="3600" b="1">
-                <a:solidFill>
-                  <a:schemeClr val="tx2"/>
-                </a:solidFill>
-                <a:latin typeface="Comic Sans MS" pitchFamily="66" charset="0"/>
-              </a:defRPr>
-            </a:lvl9pPr>
-          </a:lstStyle>
-          <a:p>
-            <a:pPr eaLnBrk="1" hangingPunct="1"/>
-            <a:r>
-              <a:rPr lang="en-US" sz="4000" dirty="0" smtClean="0">
-                <a:solidFill>
-                  <a:schemeClr val="tx1"/>
-                </a:solidFill>
-              </a:rPr>
-              <a:t>Unlikely you have TB</a:t>
-            </a:r>
-          </a:p>
-        </p:txBody>
-      </p:sp>
-    </p:spTree>
-    <p:extLst>
-      <p:ext uri="{BB962C8B-B14F-4D97-AF65-F5344CB8AC3E}">
-        <p14:creationId xmlns:p14="http://schemas.microsoft.com/office/powerpoint/2010/main" val="3613922773"/>
-      </p:ext>
-    </p:extLst>
-  </p:cSld>
-  <p:clrMapOvr>
-    <a:masterClrMapping/>
-  </p:clrMapOvr>
-  <mc:AlternateContent xmlns:mc="http://schemas.openxmlformats.org/markup-compatibility/2006" xmlns:p14="http://schemas.microsoft.com/office/powerpoint/2010/main">
-    <mc:Choice Requires="p14">
-      <p:transition spd="slow" p14:dur="1200" advClick="0">
-        <p:fade thruBlk="1"/>
-      </p:transition>
-    </mc:Choice>
-    <mc:Fallback xmlns="">
-      <p:transition xmlns:p14="http://schemas.microsoft.com/office/powerpoint/2010/main" spd="slow" advClick="0">
-        <p:fade thruBlk="1"/>
-      </p:transition>
-    </mc:Fallback>
-  </mc:AlternateContent>
   <p:timing>
     <p:tnLst>
       <p:par>
@@ -12185,6 +12817,335 @@
         <p:spPr>
           <a:xfrm>
             <a:off x="355568" y="1379277"/>
+            <a:ext cx="8114721" cy="1569660"/>
+          </a:xfrm>
+          <a:prstGeom prst="rect">
+            <a:avLst/>
+          </a:prstGeom>
+          <a:noFill/>
+        </p:spPr>
+        <p:txBody>
+          <a:bodyPr wrap="none" rtlCol="0">
+            <a:spAutoFit/>
+          </a:bodyPr>
+          <a:lstStyle/>
+          <a:p>
+            <a:pPr algn="l"/>
+            <a:r>
+              <a:rPr lang="en-US" sz="4800" dirty="0" smtClean="0">
+                <a:solidFill>
+                  <a:srgbClr val="0000CC"/>
+                </a:solidFill>
+                <a:latin typeface="Comic Sans MS"/>
+                <a:cs typeface="Comic Sans MS"/>
+              </a:rPr>
+              <a:t>99</a:t>
+            </a:r>
+            <a:r>
+              <a:rPr lang="en-US" sz="4800" dirty="0">
+                <a:solidFill>
+                  <a:srgbClr val="0000CC"/>
+                </a:solidFill>
+                <a:latin typeface="Comic Sans MS"/>
+                <a:cs typeface="Comic Sans MS"/>
+              </a:rPr>
+              <a:t>%</a:t>
+            </a:r>
+            <a:r>
+              <a:rPr lang="en-US" sz="4800" dirty="0">
+                <a:latin typeface="Comic Sans MS"/>
+                <a:cs typeface="Comic Sans MS"/>
+              </a:rPr>
+              <a:t> accurate </a:t>
+            </a:r>
+            <a:r>
+              <a:rPr lang="en-US" sz="4800" dirty="0" smtClean="0">
+                <a:latin typeface="Comic Sans MS"/>
+                <a:cs typeface="Comic Sans MS"/>
+              </a:rPr>
+              <a:t>test is not so</a:t>
+            </a:r>
+          </a:p>
+          <a:p>
+            <a:pPr algn="l"/>
+            <a:r>
+              <a:rPr lang="en-US" sz="4800" dirty="0" smtClean="0">
+                <a:latin typeface="Comic Sans MS"/>
+                <a:cs typeface="Comic Sans MS"/>
+              </a:rPr>
+              <a:t>good here.</a:t>
+            </a:r>
+          </a:p>
+        </p:txBody>
+      </p:sp>
+      <p:sp>
+        <p:nvSpPr>
+          <p:cNvPr id="8" name="Rectangle 4"/>
+          <p:cNvSpPr txBox="1">
+            <a:spLocks noChangeArrowheads="1"/>
+          </p:cNvSpPr>
+          <p:nvPr/>
+        </p:nvSpPr>
+        <p:spPr bwMode="auto">
+          <a:xfrm>
+            <a:off x="1447800" y="381000"/>
+            <a:ext cx="6553200" cy="838200"/>
+          </a:xfrm>
+          <a:prstGeom prst="rect">
+            <a:avLst/>
+          </a:prstGeom>
+          <a:noFill/>
+          <a:ln w="9525">
+            <a:noFill/>
+            <a:miter lim="800000"/>
+            <a:headEnd/>
+            <a:tailEnd/>
+          </a:ln>
+        </p:spPr>
+        <p:txBody>
+          <a:bodyPr vert="horz" wrap="square" lIns="91440" tIns="45720" rIns="91440" bIns="45720" numCol="1" anchor="ctr" anchorCtr="0" compatLnSpc="1">
+            <a:prstTxWarp prst="textNoShape">
+              <a:avLst/>
+            </a:prstTxWarp>
+          </a:bodyPr>
+          <a:lstStyle>
+            <a:lvl1pPr algn="ctr" rtl="0" eaLnBrk="0" fontAlgn="base" hangingPunct="0">
+              <a:spcBef>
+                <a:spcPct val="0"/>
+              </a:spcBef>
+              <a:spcAft>
+                <a:spcPct val="0"/>
+              </a:spcAft>
+              <a:defRPr sz="3200" b="1">
+                <a:solidFill>
+                  <a:schemeClr val="tx2"/>
+                </a:solidFill>
+                <a:latin typeface="+mj-lt"/>
+                <a:ea typeface="+mj-ea"/>
+                <a:cs typeface="+mj-cs"/>
+              </a:defRPr>
+            </a:lvl1pPr>
+            <a:lvl2pPr algn="ctr" rtl="0" eaLnBrk="0" fontAlgn="base" hangingPunct="0">
+              <a:spcBef>
+                <a:spcPct val="0"/>
+              </a:spcBef>
+              <a:spcAft>
+                <a:spcPct val="0"/>
+              </a:spcAft>
+              <a:defRPr sz="3600" b="1">
+                <a:solidFill>
+                  <a:schemeClr val="tx2"/>
+                </a:solidFill>
+                <a:latin typeface="Comic Sans MS" pitchFamily="66" charset="0"/>
+              </a:defRPr>
+            </a:lvl2pPr>
+            <a:lvl3pPr algn="ctr" rtl="0" eaLnBrk="0" fontAlgn="base" hangingPunct="0">
+              <a:spcBef>
+                <a:spcPct val="0"/>
+              </a:spcBef>
+              <a:spcAft>
+                <a:spcPct val="0"/>
+              </a:spcAft>
+              <a:defRPr sz="3600" b="1">
+                <a:solidFill>
+                  <a:schemeClr val="tx2"/>
+                </a:solidFill>
+                <a:latin typeface="Comic Sans MS" pitchFamily="66" charset="0"/>
+              </a:defRPr>
+            </a:lvl3pPr>
+            <a:lvl4pPr algn="ctr" rtl="0" eaLnBrk="0" fontAlgn="base" hangingPunct="0">
+              <a:spcBef>
+                <a:spcPct val="0"/>
+              </a:spcBef>
+              <a:spcAft>
+                <a:spcPct val="0"/>
+              </a:spcAft>
+              <a:defRPr sz="3600" b="1">
+                <a:solidFill>
+                  <a:schemeClr val="tx2"/>
+                </a:solidFill>
+                <a:latin typeface="Comic Sans MS" pitchFamily="66" charset="0"/>
+              </a:defRPr>
+            </a:lvl4pPr>
+            <a:lvl5pPr algn="ctr" rtl="0" eaLnBrk="0" fontAlgn="base" hangingPunct="0">
+              <a:spcBef>
+                <a:spcPct val="0"/>
+              </a:spcBef>
+              <a:spcAft>
+                <a:spcPct val="0"/>
+              </a:spcAft>
+              <a:defRPr sz="3600" b="1">
+                <a:solidFill>
+                  <a:schemeClr val="tx2"/>
+                </a:solidFill>
+                <a:latin typeface="Comic Sans MS" pitchFamily="66" charset="0"/>
+              </a:defRPr>
+            </a:lvl5pPr>
+            <a:lvl6pPr marL="457200" algn="ctr" rtl="0" fontAlgn="base">
+              <a:spcBef>
+                <a:spcPct val="0"/>
+              </a:spcBef>
+              <a:spcAft>
+                <a:spcPct val="0"/>
+              </a:spcAft>
+              <a:defRPr sz="3600" b="1">
+                <a:solidFill>
+                  <a:schemeClr val="tx2"/>
+                </a:solidFill>
+                <a:latin typeface="Comic Sans MS" pitchFamily="66" charset="0"/>
+              </a:defRPr>
+            </a:lvl6pPr>
+            <a:lvl7pPr marL="914400" algn="ctr" rtl="0" fontAlgn="base">
+              <a:spcBef>
+                <a:spcPct val="0"/>
+              </a:spcBef>
+              <a:spcAft>
+                <a:spcPct val="0"/>
+              </a:spcAft>
+              <a:defRPr sz="3600" b="1">
+                <a:solidFill>
+                  <a:schemeClr val="tx2"/>
+                </a:solidFill>
+                <a:latin typeface="Comic Sans MS" pitchFamily="66" charset="0"/>
+              </a:defRPr>
+            </a:lvl7pPr>
+            <a:lvl8pPr marL="1371600" algn="ctr" rtl="0" fontAlgn="base">
+              <a:spcBef>
+                <a:spcPct val="0"/>
+              </a:spcBef>
+              <a:spcAft>
+                <a:spcPct val="0"/>
+              </a:spcAft>
+              <a:defRPr sz="3600" b="1">
+                <a:solidFill>
+                  <a:schemeClr val="tx2"/>
+                </a:solidFill>
+                <a:latin typeface="Comic Sans MS" pitchFamily="66" charset="0"/>
+              </a:defRPr>
+            </a:lvl8pPr>
+            <a:lvl9pPr marL="1828800" algn="ctr" rtl="0" fontAlgn="base">
+              <a:spcBef>
+                <a:spcPct val="0"/>
+              </a:spcBef>
+              <a:spcAft>
+                <a:spcPct val="0"/>
+              </a:spcAft>
+              <a:defRPr sz="3600" b="1">
+                <a:solidFill>
+                  <a:schemeClr val="tx2"/>
+                </a:solidFill>
+                <a:latin typeface="Comic Sans MS" pitchFamily="66" charset="0"/>
+              </a:defRPr>
+            </a:lvl9pPr>
+          </a:lstStyle>
+          <a:p>
+            <a:pPr eaLnBrk="1" hangingPunct="1"/>
+            <a:r>
+              <a:rPr lang="en-US" sz="4000" dirty="0" smtClean="0">
+                <a:solidFill>
+                  <a:schemeClr val="tx1"/>
+                </a:solidFill>
+              </a:rPr>
+              <a:t>Unlikely you have TB</a:t>
+            </a:r>
+          </a:p>
+        </p:txBody>
+      </p:sp>
+    </p:spTree>
+    <p:extLst>
+      <p:ext uri="{BB962C8B-B14F-4D97-AF65-F5344CB8AC3E}">
+        <p14:creationId xmlns:p14="http://schemas.microsoft.com/office/powerpoint/2010/main" val="3613922773"/>
+      </p:ext>
+    </p:extLst>
+  </p:cSld>
+  <p:clrMapOvr>
+    <a:masterClrMapping/>
+  </p:clrMapOvr>
+  <mc:AlternateContent xmlns:mc="http://schemas.openxmlformats.org/markup-compatibility/2006" xmlns:p14="http://schemas.microsoft.com/office/powerpoint/2010/main">
+    <mc:Choice Requires="p14">
+      <p:transition spd="slow" p14:dur="900" advClick="0">
+        <p:fade/>
+      </p:transition>
+    </mc:Choice>
+    <mc:Fallback xmlns="">
+      <p:transition xmlns:p14="http://schemas.microsoft.com/office/powerpoint/2010/main" spd="slow" advClick="0">
+        <p:fade/>
+      </p:transition>
+    </mc:Fallback>
+  </mc:AlternateContent>
+  <p:timing>
+    <p:tnLst>
+      <p:par>
+        <p:cTn xmlns:p14="http://schemas.microsoft.com/office/powerpoint/2010/main" id="1" dur="indefinite" restart="never" nodeType="tmRoot"/>
+      </p:par>
+    </p:tnLst>
+  </p:timing>
+</p:sld>
+</file>
+
+<file path=ppt/slides/slide24.xml><?xml version="1.0" encoding="utf-8"?>
+<p:sld xmlns:a="http://schemas.openxmlformats.org/drawingml/2006/main" xmlns:r="http://schemas.openxmlformats.org/officeDocument/2006/relationships" xmlns:p="http://schemas.openxmlformats.org/presentationml/2006/main">
+  <p:cSld>
+    <p:spTree>
+      <p:nvGrpSpPr>
+        <p:cNvPr id="1" name=""/>
+        <p:cNvGrpSpPr/>
+        <p:nvPr/>
+      </p:nvGrpSpPr>
+      <p:grpSpPr>
+        <a:xfrm>
+          <a:off x="0" y="0"/>
+          <a:ext cx="0" cy="0"/>
+          <a:chOff x="0" y="0"/>
+          <a:chExt cx="0" cy="0"/>
+        </a:xfrm>
+      </p:grpSpPr>
+      <p:sp>
+        <p:nvSpPr>
+          <p:cNvPr id="4" name="Slide Number Placeholder 3"/>
+          <p:cNvSpPr>
+            <a:spLocks noGrp="1"/>
+          </p:cNvSpPr>
+          <p:nvPr>
+            <p:ph type="sldNum" sz="quarter" idx="4"/>
+          </p:nvPr>
+        </p:nvSpPr>
+        <p:spPr/>
+        <p:txBody>
+          <a:bodyPr/>
+          <a:lstStyle/>
+          <a:p>
+            <a:pPr>
+              <a:defRPr/>
+            </a:pPr>
+            <a:r>
+              <a:rPr lang="en-US" dirty="0" err="1" smtClean="0"/>
+              <a:t>bayes</a:t>
+            </a:r>
+            <a:r>
+              <a:rPr lang="en-US" dirty="0" smtClean="0"/>
+              <a:t>.</a:t>
+            </a:r>
+            <a:fld id="{B9A0B45D-6AFD-413C-B761-B121FB8BE940}" type="slidenum">
+              <a:rPr lang="en-US" smtClean="0"/>
+              <a:pPr>
+                <a:defRPr/>
+              </a:pPr>
+              <a:t>24</a:t>
+            </a:fld>
+            <a:endParaRPr lang="en-US" dirty="0"/>
+          </a:p>
+        </p:txBody>
+      </p:sp>
+      <p:sp>
+        <p:nvSpPr>
+          <p:cNvPr id="6" name="TextBox 5"/>
+          <p:cNvSpPr txBox="1"/>
+          <p:nvPr/>
+        </p:nvSpPr>
+        <p:spPr>
+          <a:xfrm>
+            <a:off x="355568" y="1379277"/>
             <a:ext cx="8234045" cy="3785652"/>
           </a:xfrm>
           <a:prstGeom prst="rect">
@@ -12487,11 +13448,6 @@
               </a:rPr>
               <a:t>A “more accurate” test</a:t>
             </a:r>
-            <a:endParaRPr lang="en-US" sz="4000" dirty="0" smtClean="0">
-              <a:solidFill>
-                <a:schemeClr val="tx1"/>
-              </a:solidFill>
-            </a:endParaRPr>
           </a:p>
         </p:txBody>
       </p:sp>
@@ -12611,7 +13567,7 @@
 </p:sld>
 </file>
 
-<file path=ppt/slides/slide24.xml><?xml version="1.0" encoding="utf-8"?>
+<file path=ppt/slides/slide25.xml><?xml version="1.0" encoding="utf-8"?>
 <p:sld xmlns:a="http://schemas.openxmlformats.org/drawingml/2006/main" xmlns:r="http://schemas.openxmlformats.org/officeDocument/2006/relationships" xmlns:p="http://schemas.openxmlformats.org/presentationml/2006/main">
   <p:cSld>
     <p:spTree>
@@ -12682,7 +13638,7 @@
               <a:pPr>
                 <a:defRPr/>
               </a:pPr>
-              <a:t>24</a:t>
+              <a:t>25</a:t>
             </a:fld>
             <a:endParaRPr lang="en-US" dirty="0"/>
           </a:p>
@@ -12710,7 +13666,7 @@
           <a:graphicData uri="http://schemas.openxmlformats.org/presentationml/2006/ole">
             <mc:AlternateContent xmlns:mc="http://schemas.openxmlformats.org/markup-compatibility/2006">
               <mc:Choice xmlns:v="urn:schemas-microsoft-com:vml" Requires="v">
-                <p:oleObj spid="_x0000_s365634" name="Equation" r:id="rId3" imgW="2070100" imgH="495300" progId="Equation.DSMT4">
+                <p:oleObj spid="_x0000_s365644" name="Equation" r:id="rId3" imgW="2070100" imgH="495300" progId="Equation.DSMT4">
                   <p:embed/>
                 </p:oleObj>
               </mc:Choice>
@@ -12767,7 +13723,7 @@
           <a:graphicData uri="http://schemas.openxmlformats.org/presentationml/2006/ole">
             <mc:AlternateContent xmlns:mc="http://schemas.openxmlformats.org/markup-compatibility/2006">
               <mc:Choice xmlns:v="urn:schemas-microsoft-com:vml" Requires="v">
-                <p:oleObj spid="_x0000_s365635" name="Equation" r:id="rId5" imgW="1790700" imgH="495300" progId="Equation.DSMT4">
+                <p:oleObj spid="_x0000_s365645" name="Equation" r:id="rId5" imgW="1790700" imgH="495300" progId="Equation.DSMT4">
                   <p:embed/>
                 </p:oleObj>
               </mc:Choice>
@@ -13074,7 +14030,7 @@
 </p:sld>
 </file>
 
-<file path=ppt/slides/slide25.xml><?xml version="1.0" encoding="utf-8"?>
+<file path=ppt/slides/slide26.xml><?xml version="1.0" encoding="utf-8"?>
 <p:sld xmlns:a="http://schemas.openxmlformats.org/drawingml/2006/main" xmlns:r="http://schemas.openxmlformats.org/officeDocument/2006/relationships" xmlns:p="http://schemas.openxmlformats.org/presentationml/2006/main">
   <p:cSld>
     <p:spTree>
@@ -13122,7 +14078,7 @@
               <a:pPr>
                 <a:defRPr/>
               </a:pPr>
-              <a:t>25</a:t>
+              <a:t>26</a:t>
             </a:fld>
             <a:endParaRPr lang="en-US" dirty="0"/>
           </a:p>
@@ -13137,7 +14093,7 @@
         <p:spPr>
           <a:xfrm>
             <a:off x="355568" y="1379277"/>
-            <a:ext cx="7793119" cy="2308324"/>
+            <a:ext cx="7326344" cy="2308324"/>
           </a:xfrm>
           <a:prstGeom prst="rect">
             <a:avLst/>
@@ -13154,22 +14110,12 @@
             <a:r>
               <a:rPr lang="en-US" sz="4800" dirty="0" smtClean="0">
                 <a:solidFill>
-                  <a:srgbClr val="000000"/>
+                  <a:srgbClr val="0000CC"/>
                 </a:solidFill>
                 <a:latin typeface="Comic Sans MS"/>
                 <a:cs typeface="Comic Sans MS"/>
               </a:rPr>
-              <a:t>But</a:t>
-            </a:r>
-            <a:r>
-              <a:rPr lang="en-US" sz="4800" dirty="0" smtClean="0">
-                <a:solidFill>
-                  <a:srgbClr val="0000CC"/>
-                </a:solidFill>
-                <a:latin typeface="Comic Sans MS"/>
-                <a:cs typeface="Comic Sans MS"/>
-              </a:rPr>
-              <a:t> 99</a:t>
+              <a:t>99</a:t>
             </a:r>
             <a:r>
               <a:rPr lang="en-US" sz="4800" dirty="0">
@@ -13193,14 +14139,17 @@
                 <a:latin typeface="Comic Sans MS"/>
                 <a:cs typeface="Comic Sans MS"/>
               </a:rPr>
-              <a:t>test </a:t>
-            </a:r>
+              <a:t>test did</a:t>
+            </a:r>
+          </a:p>
+          <a:p>
+            <a:pPr algn="l"/>
             <a:r>
               <a:rPr lang="en-US" sz="4800" dirty="0" smtClean="0">
                 <a:latin typeface="Comic Sans MS"/>
                 <a:cs typeface="Comic Sans MS"/>
               </a:rPr>
-              <a:t>did</a:t>
+              <a:t>increase your probability</a:t>
             </a:r>
           </a:p>
           <a:p>
@@ -13210,22 +14159,8 @@
                 <a:latin typeface="Comic Sans MS"/>
                 <a:cs typeface="Comic Sans MS"/>
               </a:rPr>
-              <a:t>increase your probability</a:t>
-            </a:r>
-          </a:p>
-          <a:p>
-            <a:pPr algn="l"/>
-            <a:r>
-              <a:rPr lang="en-US" sz="4800" dirty="0" smtClean="0">
-                <a:latin typeface="Comic Sans MS"/>
-                <a:cs typeface="Comic Sans MS"/>
-              </a:rPr>
               <a:t>of TB 100 times.</a:t>
             </a:r>
-            <a:endParaRPr lang="en-US" sz="4800" dirty="0" smtClean="0">
-              <a:latin typeface="Comic Sans MS"/>
-              <a:cs typeface="Comic Sans MS"/>
-            </a:endParaRPr>
           </a:p>
         </p:txBody>
       </p:sp>
@@ -13399,11 +14334,6 @@
               </a:rPr>
               <a:t>99% accuracy still useful</a:t>
             </a:r>
-            <a:endParaRPr lang="en-US" sz="4000" dirty="0" smtClean="0">
-              <a:solidFill>
-                <a:schemeClr val="tx1"/>
-              </a:solidFill>
-            </a:endParaRPr>
           </a:p>
         </p:txBody>
       </p:sp>
@@ -13420,401 +14350,6 @@
   <p:transition xmlns:p14="http://schemas.microsoft.com/office/powerpoint/2010/main" spd="slow" advClick="0">
     <p:fade thruBlk="1"/>
   </p:transition>
-  <p:timing>
-    <p:tnLst>
-      <p:par>
-        <p:cTn xmlns:p14="http://schemas.microsoft.com/office/powerpoint/2010/main" id="1" dur="indefinite" restart="never" nodeType="tmRoot"/>
-      </p:par>
-    </p:tnLst>
-  </p:timing>
-</p:sld>
-</file>
-
-<file path=ppt/slides/slide26.xml><?xml version="1.0" encoding="utf-8"?>
-<p:sld xmlns:a="http://schemas.openxmlformats.org/drawingml/2006/main" xmlns:r="http://schemas.openxmlformats.org/officeDocument/2006/relationships" xmlns:p="http://schemas.openxmlformats.org/presentationml/2006/main">
-  <p:cSld>
-    <p:spTree>
-      <p:nvGrpSpPr>
-        <p:cNvPr id="1" name=""/>
-        <p:cNvGrpSpPr/>
-        <p:nvPr/>
-      </p:nvGrpSpPr>
-      <p:grpSpPr>
-        <a:xfrm>
-          <a:off x="0" y="0"/>
-          <a:ext cx="0" cy="0"/>
-          <a:chOff x="0" y="0"/>
-          <a:chExt cx="0" cy="0"/>
-        </a:xfrm>
-      </p:grpSpPr>
-      <p:sp>
-        <p:nvSpPr>
-          <p:cNvPr id="4" name="Slide Number Placeholder 3"/>
-          <p:cNvSpPr>
-            <a:spLocks noGrp="1"/>
-          </p:cNvSpPr>
-          <p:nvPr>
-            <p:ph type="sldNum" sz="quarter" idx="4"/>
-          </p:nvPr>
-        </p:nvSpPr>
-        <p:spPr/>
-        <p:txBody>
-          <a:bodyPr/>
-          <a:lstStyle/>
-          <a:p>
-            <a:pPr>
-              <a:defRPr/>
-            </a:pPr>
-            <a:r>
-              <a:rPr lang="en-US" dirty="0" err="1" smtClean="0"/>
-              <a:t>bayes</a:t>
-            </a:r>
-            <a:r>
-              <a:rPr lang="en-US" dirty="0" smtClean="0"/>
-              <a:t>.</a:t>
-            </a:r>
-            <a:fld id="{B9A0B45D-6AFD-413C-B761-B121FB8BE940}" type="slidenum">
-              <a:rPr lang="en-US" smtClean="0"/>
-              <a:pPr>
-                <a:defRPr/>
-              </a:pPr>
-              <a:t>26</a:t>
-            </a:fld>
-            <a:endParaRPr lang="en-US" dirty="0"/>
-          </a:p>
-        </p:txBody>
-      </p:sp>
-      <p:sp>
-        <p:nvSpPr>
-          <p:cNvPr id="6" name="TextBox 5"/>
-          <p:cNvSpPr txBox="1"/>
-          <p:nvPr/>
-        </p:nvSpPr>
-        <p:spPr>
-          <a:xfrm>
-            <a:off x="355568" y="1379277"/>
-            <a:ext cx="8126143" cy="4524315"/>
-          </a:xfrm>
-          <a:prstGeom prst="rect">
-            <a:avLst/>
-          </a:prstGeom>
-          <a:noFill/>
-        </p:spPr>
-        <p:txBody>
-          <a:bodyPr wrap="none" rtlCol="0">
-            <a:spAutoFit/>
-          </a:bodyPr>
-          <a:lstStyle/>
-          <a:p>
-            <a:pPr algn="l"/>
-            <a:r>
-              <a:rPr lang="en-US" sz="4800" dirty="0" smtClean="0">
-                <a:solidFill>
-                  <a:srgbClr val="000000"/>
-                </a:solidFill>
-                <a:latin typeface="Comic Sans MS"/>
-                <a:cs typeface="Comic Sans MS"/>
-              </a:rPr>
-              <a:t>But</a:t>
-            </a:r>
-            <a:r>
-              <a:rPr lang="en-US" sz="4800" dirty="0" smtClean="0">
-                <a:solidFill>
-                  <a:srgbClr val="0000CC"/>
-                </a:solidFill>
-                <a:latin typeface="Comic Sans MS"/>
-                <a:cs typeface="Comic Sans MS"/>
-              </a:rPr>
-              <a:t> 99</a:t>
-            </a:r>
-            <a:r>
-              <a:rPr lang="en-US" sz="4800" dirty="0">
-                <a:solidFill>
-                  <a:srgbClr val="0000CC"/>
-                </a:solidFill>
-                <a:latin typeface="Comic Sans MS"/>
-                <a:cs typeface="Comic Sans MS"/>
-              </a:rPr>
-              <a:t>%</a:t>
-            </a:r>
-            <a:r>
-              <a:rPr lang="en-US" sz="4800" dirty="0">
-                <a:latin typeface="Comic Sans MS"/>
-                <a:cs typeface="Comic Sans MS"/>
-              </a:rPr>
-              <a:t> accurate </a:t>
-            </a:r>
-            <a:r>
-              <a:rPr lang="en-US" sz="4800" dirty="0" smtClean="0">
-                <a:latin typeface="Comic Sans MS"/>
-                <a:cs typeface="Comic Sans MS"/>
-              </a:rPr>
-              <a:t>test </a:t>
-            </a:r>
-            <a:r>
-              <a:rPr lang="en-US" sz="4800" dirty="0" smtClean="0">
-                <a:latin typeface="Comic Sans MS"/>
-                <a:cs typeface="Comic Sans MS"/>
-              </a:rPr>
-              <a:t>did</a:t>
-            </a:r>
-          </a:p>
-          <a:p>
-            <a:pPr algn="l"/>
-            <a:r>
-              <a:rPr lang="en-US" sz="4800" dirty="0" smtClean="0">
-                <a:latin typeface="Comic Sans MS"/>
-                <a:cs typeface="Comic Sans MS"/>
-              </a:rPr>
-              <a:t>increase your probability</a:t>
-            </a:r>
-          </a:p>
-          <a:p>
-            <a:pPr algn="l"/>
-            <a:r>
-              <a:rPr lang="en-US" sz="4800" dirty="0" smtClean="0">
-                <a:latin typeface="Comic Sans MS"/>
-                <a:cs typeface="Comic Sans MS"/>
-              </a:rPr>
-              <a:t>of TB 100 times.   If you</a:t>
-            </a:r>
-          </a:p>
-          <a:p>
-            <a:pPr algn="l"/>
-            <a:r>
-              <a:rPr lang="en-US" sz="4800" dirty="0" smtClean="0">
-                <a:latin typeface="Comic Sans MS"/>
-                <a:cs typeface="Comic Sans MS"/>
-              </a:rPr>
-              <a:t>only had 5M medicine doses</a:t>
-            </a:r>
-          </a:p>
-          <a:p>
-            <a:pPr algn="l"/>
-            <a:r>
-              <a:rPr lang="en-US" sz="4800" dirty="0" smtClean="0">
-                <a:latin typeface="Comic Sans MS"/>
-                <a:cs typeface="Comic Sans MS"/>
-              </a:rPr>
-              <a:t>for a population of 350M,</a:t>
-            </a:r>
-          </a:p>
-          <a:p>
-            <a:pPr algn="l"/>
-            <a:r>
-              <a:rPr lang="en-US" sz="4800" dirty="0" smtClean="0">
-                <a:latin typeface="Comic Sans MS"/>
-                <a:cs typeface="Comic Sans MS"/>
-              </a:rPr>
-              <a:t>whom should you medicate?</a:t>
-            </a:r>
-            <a:endParaRPr lang="en-US" sz="4800" dirty="0" smtClean="0">
-              <a:latin typeface="Comic Sans MS"/>
-              <a:cs typeface="Comic Sans MS"/>
-            </a:endParaRPr>
-          </a:p>
-        </p:txBody>
-      </p:sp>
-      <p:sp>
-        <p:nvSpPr>
-          <p:cNvPr id="5" name="Rectangle 4"/>
-          <p:cNvSpPr txBox="1">
-            <a:spLocks noChangeArrowheads="1"/>
-          </p:cNvSpPr>
-          <p:nvPr/>
-        </p:nvSpPr>
-        <p:spPr bwMode="auto">
-          <a:xfrm>
-            <a:off x="1355099" y="250306"/>
-            <a:ext cx="7266290" cy="1112484"/>
-          </a:xfrm>
-          <a:prstGeom prst="rect">
-            <a:avLst/>
-          </a:prstGeom>
-          <a:noFill/>
-          <a:ln w="9525">
-            <a:noFill/>
-            <a:miter lim="800000"/>
-            <a:headEnd/>
-            <a:tailEnd/>
-          </a:ln>
-        </p:spPr>
-        <p:txBody>
-          <a:bodyPr vert="horz" wrap="square" lIns="91440" tIns="45720" rIns="91440" bIns="45720" numCol="1" anchor="ctr" anchorCtr="0" compatLnSpc="1">
-            <a:prstTxWarp prst="textNoShape">
-              <a:avLst/>
-            </a:prstTxWarp>
-          </a:bodyPr>
-          <a:lstStyle>
-            <a:lvl1pPr algn="ctr" rtl="0" eaLnBrk="0" fontAlgn="base" hangingPunct="0">
-              <a:spcBef>
-                <a:spcPct val="0"/>
-              </a:spcBef>
-              <a:spcAft>
-                <a:spcPct val="0"/>
-              </a:spcAft>
-              <a:defRPr sz="3200" b="1">
-                <a:solidFill>
-                  <a:schemeClr val="tx2"/>
-                </a:solidFill>
-                <a:latin typeface="+mj-lt"/>
-                <a:ea typeface="+mj-ea"/>
-                <a:cs typeface="+mj-cs"/>
-              </a:defRPr>
-            </a:lvl1pPr>
-            <a:lvl2pPr algn="ctr" rtl="0" eaLnBrk="0" fontAlgn="base" hangingPunct="0">
-              <a:spcBef>
-                <a:spcPct val="0"/>
-              </a:spcBef>
-              <a:spcAft>
-                <a:spcPct val="0"/>
-              </a:spcAft>
-              <a:defRPr sz="3600" b="1">
-                <a:solidFill>
-                  <a:schemeClr val="tx2"/>
-                </a:solidFill>
-                <a:latin typeface="Comic Sans MS" pitchFamily="66" charset="0"/>
-              </a:defRPr>
-            </a:lvl2pPr>
-            <a:lvl3pPr algn="ctr" rtl="0" eaLnBrk="0" fontAlgn="base" hangingPunct="0">
-              <a:spcBef>
-                <a:spcPct val="0"/>
-              </a:spcBef>
-              <a:spcAft>
-                <a:spcPct val="0"/>
-              </a:spcAft>
-              <a:defRPr sz="3600" b="1">
-                <a:solidFill>
-                  <a:schemeClr val="tx2"/>
-                </a:solidFill>
-                <a:latin typeface="Comic Sans MS" pitchFamily="66" charset="0"/>
-              </a:defRPr>
-            </a:lvl3pPr>
-            <a:lvl4pPr algn="ctr" rtl="0" eaLnBrk="0" fontAlgn="base" hangingPunct="0">
-              <a:spcBef>
-                <a:spcPct val="0"/>
-              </a:spcBef>
-              <a:spcAft>
-                <a:spcPct val="0"/>
-              </a:spcAft>
-              <a:defRPr sz="3600" b="1">
-                <a:solidFill>
-                  <a:schemeClr val="tx2"/>
-                </a:solidFill>
-                <a:latin typeface="Comic Sans MS" pitchFamily="66" charset="0"/>
-              </a:defRPr>
-            </a:lvl4pPr>
-            <a:lvl5pPr algn="ctr" rtl="0" eaLnBrk="0" fontAlgn="base" hangingPunct="0">
-              <a:spcBef>
-                <a:spcPct val="0"/>
-              </a:spcBef>
-              <a:spcAft>
-                <a:spcPct val="0"/>
-              </a:spcAft>
-              <a:defRPr sz="3600" b="1">
-                <a:solidFill>
-                  <a:schemeClr val="tx2"/>
-                </a:solidFill>
-                <a:latin typeface="Comic Sans MS" pitchFamily="66" charset="0"/>
-              </a:defRPr>
-            </a:lvl5pPr>
-            <a:lvl6pPr marL="457200" algn="ctr" rtl="0" fontAlgn="base">
-              <a:spcBef>
-                <a:spcPct val="0"/>
-              </a:spcBef>
-              <a:spcAft>
-                <a:spcPct val="0"/>
-              </a:spcAft>
-              <a:defRPr sz="3600" b="1">
-                <a:solidFill>
-                  <a:schemeClr val="tx2"/>
-                </a:solidFill>
-                <a:latin typeface="Comic Sans MS" pitchFamily="66" charset="0"/>
-              </a:defRPr>
-            </a:lvl6pPr>
-            <a:lvl7pPr marL="914400" algn="ctr" rtl="0" fontAlgn="base">
-              <a:spcBef>
-                <a:spcPct val="0"/>
-              </a:spcBef>
-              <a:spcAft>
-                <a:spcPct val="0"/>
-              </a:spcAft>
-              <a:defRPr sz="3600" b="1">
-                <a:solidFill>
-                  <a:schemeClr val="tx2"/>
-                </a:solidFill>
-                <a:latin typeface="Comic Sans MS" pitchFamily="66" charset="0"/>
-              </a:defRPr>
-            </a:lvl7pPr>
-            <a:lvl8pPr marL="1371600" algn="ctr" rtl="0" fontAlgn="base">
-              <a:spcBef>
-                <a:spcPct val="0"/>
-              </a:spcBef>
-              <a:spcAft>
-                <a:spcPct val="0"/>
-              </a:spcAft>
-              <a:defRPr sz="3600" b="1">
-                <a:solidFill>
-                  <a:schemeClr val="tx2"/>
-                </a:solidFill>
-                <a:latin typeface="Comic Sans MS" pitchFamily="66" charset="0"/>
-              </a:defRPr>
-            </a:lvl8pPr>
-            <a:lvl9pPr marL="1828800" algn="ctr" rtl="0" fontAlgn="base">
-              <a:spcBef>
-                <a:spcPct val="0"/>
-              </a:spcBef>
-              <a:spcAft>
-                <a:spcPct val="0"/>
-              </a:spcAft>
-              <a:defRPr sz="3600" b="1">
-                <a:solidFill>
-                  <a:schemeClr val="tx2"/>
-                </a:solidFill>
-                <a:latin typeface="Comic Sans MS" pitchFamily="66" charset="0"/>
-              </a:defRPr>
-            </a:lvl9pPr>
-          </a:lstStyle>
-          <a:p>
-            <a:pPr eaLnBrk="1" hangingPunct="1"/>
-            <a:r>
-              <a:rPr lang="en-US" sz="4000" dirty="0" smtClean="0">
-                <a:solidFill>
-                  <a:schemeClr val="tx1"/>
-                </a:solidFill>
-              </a:rPr>
-              <a:t>99% accuracy still useful</a:t>
-            </a:r>
-            <a:endParaRPr lang="en-US" sz="4000" dirty="0" smtClean="0">
-              <a:solidFill>
-                <a:schemeClr val="tx1"/>
-              </a:solidFill>
-            </a:endParaRPr>
-          </a:p>
-        </p:txBody>
-      </p:sp>
-    </p:spTree>
-    <p:extLst>
-      <p:ext uri="{BB962C8B-B14F-4D97-AF65-F5344CB8AC3E}">
-        <p14:creationId xmlns:p14="http://schemas.microsoft.com/office/powerpoint/2010/main" val="4007180300"/>
-      </p:ext>
-    </p:extLst>
-  </p:cSld>
-  <p:clrMapOvr>
-    <a:masterClrMapping/>
-  </p:clrMapOvr>
-  <mc:AlternateContent xmlns:mc="http://schemas.openxmlformats.org/markup-compatibility/2006" xmlns:p14="http://schemas.microsoft.com/office/powerpoint/2010/main">
-    <mc:Choice Requires="p14">
-      <p:transition spd="med" p14:dur="700" advClick="0">
-        <p:fade/>
-      </p:transition>
-    </mc:Choice>
-    <mc:Fallback xmlns="">
-      <p:transition xmlns:p14="http://schemas.microsoft.com/office/powerpoint/2010/main" spd="med" advClick="0">
-        <p:fade/>
-      </p:transition>
-    </mc:Fallback>
-  </mc:AlternateContent>
   <p:timing>
     <p:tnLst>
       <p:par>
@@ -13887,8 +14422,8 @@
         </p:nvSpPr>
         <p:spPr>
           <a:xfrm>
-            <a:off x="386739" y="2269257"/>
-            <a:ext cx="8341947" cy="2308324"/>
+            <a:off x="355568" y="1379277"/>
+            <a:ext cx="8126143" cy="4524315"/>
           </a:xfrm>
           <a:prstGeom prst="rect">
             <a:avLst/>
@@ -13904,20 +14439,37 @@
             <a:pPr algn="l"/>
             <a:r>
               <a:rPr lang="en-US" sz="4800" dirty="0" smtClean="0">
+                <a:solidFill>
+                  <a:srgbClr val="0000CC"/>
+                </a:solidFill>
                 <a:latin typeface="Comic Sans MS"/>
                 <a:cs typeface="Comic Sans MS"/>
               </a:rPr>
-              <a:t>Medicate the 3.5M who test</a:t>
-            </a:r>
-          </a:p>
-          <a:p>
-            <a:pPr algn="l"/>
+              <a:t>99</a:t>
+            </a:r>
+            <a:r>
+              <a:rPr lang="en-US" sz="4800" dirty="0">
+                <a:solidFill>
+                  <a:srgbClr val="0000CC"/>
+                </a:solidFill>
+                <a:latin typeface="Comic Sans MS"/>
+                <a:cs typeface="Comic Sans MS"/>
+              </a:rPr>
+              <a:t>%</a:t>
+            </a:r>
+            <a:r>
+              <a:rPr lang="en-US" sz="4800" dirty="0">
+                <a:latin typeface="Comic Sans MS"/>
+                <a:cs typeface="Comic Sans MS"/>
+              </a:rPr>
+              <a:t> accurate </a:t>
+            </a:r>
             <a:r>
               <a:rPr lang="en-US" sz="4800" dirty="0" smtClean="0">
                 <a:latin typeface="Comic Sans MS"/>
                 <a:cs typeface="Comic Sans MS"/>
               </a:rPr>
-              <a:t>positive, and you’re likely to</a:t>
+              <a:t>test did</a:t>
             </a:r>
           </a:p>
           <a:p>
@@ -13927,12 +14479,48 @@
                 <a:latin typeface="Comic Sans MS"/>
                 <a:cs typeface="Comic Sans MS"/>
               </a:rPr>
-              <a:t>cure nearly all the cases.</a:t>
-            </a:r>
-            <a:endParaRPr lang="en-US" sz="4800" dirty="0" smtClean="0">
-              <a:latin typeface="Comic Sans MS"/>
-              <a:cs typeface="Comic Sans MS"/>
-            </a:endParaRPr>
+              <a:t>increase your probability</a:t>
+            </a:r>
+          </a:p>
+          <a:p>
+            <a:pPr algn="l"/>
+            <a:r>
+              <a:rPr lang="en-US" sz="4800" dirty="0" smtClean="0">
+                <a:latin typeface="Comic Sans MS"/>
+                <a:cs typeface="Comic Sans MS"/>
+              </a:rPr>
+              <a:t>of TB 100 times.   If you</a:t>
+            </a:r>
+          </a:p>
+          <a:p>
+            <a:pPr algn="l"/>
+            <a:r>
+              <a:rPr lang="en-US" sz="4800" dirty="0" smtClean="0">
+                <a:latin typeface="Comic Sans MS"/>
+                <a:cs typeface="Comic Sans MS"/>
+              </a:rPr>
+              <a:t>only had 5M medicine doses</a:t>
+            </a:r>
+          </a:p>
+          <a:p>
+            <a:pPr algn="l"/>
+            <a:r>
+              <a:rPr lang="en-US" sz="4800" dirty="0" smtClean="0">
+                <a:latin typeface="Comic Sans MS"/>
+                <a:cs typeface="Comic Sans MS"/>
+              </a:rPr>
+              <a:t>for a population of 350M,</a:t>
+            </a:r>
+          </a:p>
+          <a:p>
+            <a:pPr algn="l"/>
+            <a:r>
+              <a:rPr lang="en-US" sz="4800" dirty="0" smtClean="0">
+                <a:latin typeface="Comic Sans MS"/>
+                <a:cs typeface="Comic Sans MS"/>
+              </a:rPr>
+              <a:t>whom should you medicate?</a:t>
+            </a:r>
           </a:p>
         </p:txBody>
       </p:sp>
@@ -14106,11 +14694,318 @@
               </a:rPr>
               <a:t>99% accuracy still useful</a:t>
             </a:r>
-            <a:endParaRPr lang="en-US" sz="4000" dirty="0" smtClean="0">
-              <a:solidFill>
-                <a:schemeClr val="tx1"/>
-              </a:solidFill>
-            </a:endParaRPr>
+          </a:p>
+        </p:txBody>
+      </p:sp>
+    </p:spTree>
+    <p:extLst>
+      <p:ext uri="{BB962C8B-B14F-4D97-AF65-F5344CB8AC3E}">
+        <p14:creationId xmlns:p14="http://schemas.microsoft.com/office/powerpoint/2010/main" val="4007180300"/>
+      </p:ext>
+    </p:extLst>
+  </p:cSld>
+  <p:clrMapOvr>
+    <a:masterClrMapping/>
+  </p:clrMapOvr>
+  <mc:AlternateContent xmlns:mc="http://schemas.openxmlformats.org/markup-compatibility/2006" xmlns:p14="http://schemas.microsoft.com/office/powerpoint/2010/main">
+    <mc:Choice Requires="p14">
+      <p:transition spd="med" p14:dur="700" advClick="0">
+        <p:fade/>
+      </p:transition>
+    </mc:Choice>
+    <mc:Fallback xmlns="">
+      <p:transition xmlns:p14="http://schemas.microsoft.com/office/powerpoint/2010/main" spd="med" advClick="0">
+        <p:fade/>
+      </p:transition>
+    </mc:Fallback>
+  </mc:AlternateContent>
+  <p:timing>
+    <p:tnLst>
+      <p:par>
+        <p:cTn xmlns:p14="http://schemas.microsoft.com/office/powerpoint/2010/main" id="1" dur="indefinite" restart="never" nodeType="tmRoot"/>
+      </p:par>
+    </p:tnLst>
+  </p:timing>
+</p:sld>
+</file>
+
+<file path=ppt/slides/slide28.xml><?xml version="1.0" encoding="utf-8"?>
+<p:sld xmlns:a="http://schemas.openxmlformats.org/drawingml/2006/main" xmlns:r="http://schemas.openxmlformats.org/officeDocument/2006/relationships" xmlns:p="http://schemas.openxmlformats.org/presentationml/2006/main">
+  <p:cSld>
+    <p:spTree>
+      <p:nvGrpSpPr>
+        <p:cNvPr id="1" name=""/>
+        <p:cNvGrpSpPr/>
+        <p:nvPr/>
+      </p:nvGrpSpPr>
+      <p:grpSpPr>
+        <a:xfrm>
+          <a:off x="0" y="0"/>
+          <a:ext cx="0" cy="0"/>
+          <a:chOff x="0" y="0"/>
+          <a:chExt cx="0" cy="0"/>
+        </a:xfrm>
+      </p:grpSpPr>
+      <p:sp>
+        <p:nvSpPr>
+          <p:cNvPr id="4" name="Slide Number Placeholder 3"/>
+          <p:cNvSpPr>
+            <a:spLocks noGrp="1"/>
+          </p:cNvSpPr>
+          <p:nvPr>
+            <p:ph type="sldNum" sz="quarter" idx="4"/>
+          </p:nvPr>
+        </p:nvSpPr>
+        <p:spPr/>
+        <p:txBody>
+          <a:bodyPr/>
+          <a:lstStyle/>
+          <a:p>
+            <a:pPr>
+              <a:defRPr/>
+            </a:pPr>
+            <a:r>
+              <a:rPr lang="en-US" dirty="0" err="1" smtClean="0"/>
+              <a:t>bayes</a:t>
+            </a:r>
+            <a:r>
+              <a:rPr lang="en-US" dirty="0" smtClean="0"/>
+              <a:t>.</a:t>
+            </a:r>
+            <a:fld id="{B9A0B45D-6AFD-413C-B761-B121FB8BE940}" type="slidenum">
+              <a:rPr lang="en-US" smtClean="0"/>
+              <a:pPr>
+                <a:defRPr/>
+              </a:pPr>
+              <a:t>28</a:t>
+            </a:fld>
+            <a:endParaRPr lang="en-US" dirty="0"/>
+          </a:p>
+        </p:txBody>
+      </p:sp>
+      <p:sp>
+        <p:nvSpPr>
+          <p:cNvPr id="6" name="TextBox 5"/>
+          <p:cNvSpPr txBox="1"/>
+          <p:nvPr/>
+        </p:nvSpPr>
+        <p:spPr>
+          <a:xfrm>
+            <a:off x="386739" y="2269257"/>
+            <a:ext cx="8341947" cy="2308324"/>
+          </a:xfrm>
+          <a:prstGeom prst="rect">
+            <a:avLst/>
+          </a:prstGeom>
+          <a:noFill/>
+        </p:spPr>
+        <p:txBody>
+          <a:bodyPr wrap="none" rtlCol="0">
+            <a:spAutoFit/>
+          </a:bodyPr>
+          <a:lstStyle/>
+          <a:p>
+            <a:pPr algn="l"/>
+            <a:r>
+              <a:rPr lang="en-US" sz="4800" dirty="0" smtClean="0">
+                <a:latin typeface="Comic Sans MS"/>
+                <a:cs typeface="Comic Sans MS"/>
+              </a:rPr>
+              <a:t>Medicate the 3.5M who test</a:t>
+            </a:r>
+          </a:p>
+          <a:p>
+            <a:pPr algn="l"/>
+            <a:r>
+              <a:rPr lang="en-US" sz="4800" dirty="0" smtClean="0">
+                <a:latin typeface="Comic Sans MS"/>
+                <a:cs typeface="Comic Sans MS"/>
+              </a:rPr>
+              <a:t>positive, and you’re likely to</a:t>
+            </a:r>
+          </a:p>
+          <a:p>
+            <a:pPr algn="l"/>
+            <a:r>
+              <a:rPr lang="en-US" sz="4800" dirty="0" smtClean="0">
+                <a:latin typeface="Comic Sans MS"/>
+                <a:cs typeface="Comic Sans MS"/>
+              </a:rPr>
+              <a:t>cure nearly all the cases.</a:t>
+            </a:r>
+          </a:p>
+        </p:txBody>
+      </p:sp>
+      <p:sp>
+        <p:nvSpPr>
+          <p:cNvPr id="5" name="Rectangle 4"/>
+          <p:cNvSpPr txBox="1">
+            <a:spLocks noChangeArrowheads="1"/>
+          </p:cNvSpPr>
+          <p:nvPr/>
+        </p:nvSpPr>
+        <p:spPr bwMode="auto">
+          <a:xfrm>
+            <a:off x="1355099" y="250306"/>
+            <a:ext cx="7266290" cy="1112484"/>
+          </a:xfrm>
+          <a:prstGeom prst="rect">
+            <a:avLst/>
+          </a:prstGeom>
+          <a:noFill/>
+          <a:ln w="9525">
+            <a:noFill/>
+            <a:miter lim="800000"/>
+            <a:headEnd/>
+            <a:tailEnd/>
+          </a:ln>
+        </p:spPr>
+        <p:txBody>
+          <a:bodyPr vert="horz" wrap="square" lIns="91440" tIns="45720" rIns="91440" bIns="45720" numCol="1" anchor="ctr" anchorCtr="0" compatLnSpc="1">
+            <a:prstTxWarp prst="textNoShape">
+              <a:avLst/>
+            </a:prstTxWarp>
+          </a:bodyPr>
+          <a:lstStyle>
+            <a:lvl1pPr algn="ctr" rtl="0" eaLnBrk="0" fontAlgn="base" hangingPunct="0">
+              <a:spcBef>
+                <a:spcPct val="0"/>
+              </a:spcBef>
+              <a:spcAft>
+                <a:spcPct val="0"/>
+              </a:spcAft>
+              <a:defRPr sz="3200" b="1">
+                <a:solidFill>
+                  <a:schemeClr val="tx2"/>
+                </a:solidFill>
+                <a:latin typeface="+mj-lt"/>
+                <a:ea typeface="+mj-ea"/>
+                <a:cs typeface="+mj-cs"/>
+              </a:defRPr>
+            </a:lvl1pPr>
+            <a:lvl2pPr algn="ctr" rtl="0" eaLnBrk="0" fontAlgn="base" hangingPunct="0">
+              <a:spcBef>
+                <a:spcPct val="0"/>
+              </a:spcBef>
+              <a:spcAft>
+                <a:spcPct val="0"/>
+              </a:spcAft>
+              <a:defRPr sz="3600" b="1">
+                <a:solidFill>
+                  <a:schemeClr val="tx2"/>
+                </a:solidFill>
+                <a:latin typeface="Comic Sans MS" pitchFamily="66" charset="0"/>
+              </a:defRPr>
+            </a:lvl2pPr>
+            <a:lvl3pPr algn="ctr" rtl="0" eaLnBrk="0" fontAlgn="base" hangingPunct="0">
+              <a:spcBef>
+                <a:spcPct val="0"/>
+              </a:spcBef>
+              <a:spcAft>
+                <a:spcPct val="0"/>
+              </a:spcAft>
+              <a:defRPr sz="3600" b="1">
+                <a:solidFill>
+                  <a:schemeClr val="tx2"/>
+                </a:solidFill>
+                <a:latin typeface="Comic Sans MS" pitchFamily="66" charset="0"/>
+              </a:defRPr>
+            </a:lvl3pPr>
+            <a:lvl4pPr algn="ctr" rtl="0" eaLnBrk="0" fontAlgn="base" hangingPunct="0">
+              <a:spcBef>
+                <a:spcPct val="0"/>
+              </a:spcBef>
+              <a:spcAft>
+                <a:spcPct val="0"/>
+              </a:spcAft>
+              <a:defRPr sz="3600" b="1">
+                <a:solidFill>
+                  <a:schemeClr val="tx2"/>
+                </a:solidFill>
+                <a:latin typeface="Comic Sans MS" pitchFamily="66" charset="0"/>
+              </a:defRPr>
+            </a:lvl4pPr>
+            <a:lvl5pPr algn="ctr" rtl="0" eaLnBrk="0" fontAlgn="base" hangingPunct="0">
+              <a:spcBef>
+                <a:spcPct val="0"/>
+              </a:spcBef>
+              <a:spcAft>
+                <a:spcPct val="0"/>
+              </a:spcAft>
+              <a:defRPr sz="3600" b="1">
+                <a:solidFill>
+                  <a:schemeClr val="tx2"/>
+                </a:solidFill>
+                <a:latin typeface="Comic Sans MS" pitchFamily="66" charset="0"/>
+              </a:defRPr>
+            </a:lvl5pPr>
+            <a:lvl6pPr marL="457200" algn="ctr" rtl="0" fontAlgn="base">
+              <a:spcBef>
+                <a:spcPct val="0"/>
+              </a:spcBef>
+              <a:spcAft>
+                <a:spcPct val="0"/>
+              </a:spcAft>
+              <a:defRPr sz="3600" b="1">
+                <a:solidFill>
+                  <a:schemeClr val="tx2"/>
+                </a:solidFill>
+                <a:latin typeface="Comic Sans MS" pitchFamily="66" charset="0"/>
+              </a:defRPr>
+            </a:lvl6pPr>
+            <a:lvl7pPr marL="914400" algn="ctr" rtl="0" fontAlgn="base">
+              <a:spcBef>
+                <a:spcPct val="0"/>
+              </a:spcBef>
+              <a:spcAft>
+                <a:spcPct val="0"/>
+              </a:spcAft>
+              <a:defRPr sz="3600" b="1">
+                <a:solidFill>
+                  <a:schemeClr val="tx2"/>
+                </a:solidFill>
+                <a:latin typeface="Comic Sans MS" pitchFamily="66" charset="0"/>
+              </a:defRPr>
+            </a:lvl7pPr>
+            <a:lvl8pPr marL="1371600" algn="ctr" rtl="0" fontAlgn="base">
+              <a:spcBef>
+                <a:spcPct val="0"/>
+              </a:spcBef>
+              <a:spcAft>
+                <a:spcPct val="0"/>
+              </a:spcAft>
+              <a:defRPr sz="3600" b="1">
+                <a:solidFill>
+                  <a:schemeClr val="tx2"/>
+                </a:solidFill>
+                <a:latin typeface="Comic Sans MS" pitchFamily="66" charset="0"/>
+              </a:defRPr>
+            </a:lvl8pPr>
+            <a:lvl9pPr marL="1828800" algn="ctr" rtl="0" fontAlgn="base">
+              <a:spcBef>
+                <a:spcPct val="0"/>
+              </a:spcBef>
+              <a:spcAft>
+                <a:spcPct val="0"/>
+              </a:spcAft>
+              <a:defRPr sz="3600" b="1">
+                <a:solidFill>
+                  <a:schemeClr val="tx2"/>
+                </a:solidFill>
+                <a:latin typeface="Comic Sans MS" pitchFamily="66" charset="0"/>
+              </a:defRPr>
+            </a:lvl9pPr>
+          </a:lstStyle>
+          <a:p>
+            <a:pPr eaLnBrk="1" hangingPunct="1"/>
+            <a:r>
+              <a:rPr lang="en-US" sz="4000" dirty="0" smtClean="0">
+                <a:solidFill>
+                  <a:schemeClr val="tx1"/>
+                </a:solidFill>
+              </a:rPr>
+              <a:t>99% accuracy still useful</a:t>
+            </a:r>
           </a:p>
         </p:txBody>
       </p:sp>
@@ -14437,179 +15332,34 @@
       </p:sp>
       <p:sp>
         <p:nvSpPr>
-          <p:cNvPr id="8" name="Rectangle 4"/>
-          <p:cNvSpPr txBox="1">
-            <a:spLocks noChangeArrowheads="1"/>
+          <p:cNvPr id="7" name="Rectangle 4"/>
+          <p:cNvSpPr>
+            <a:spLocks noGrp="1" noChangeArrowheads="1"/>
           </p:cNvSpPr>
-          <p:nvPr/>
+          <p:nvPr>
+            <p:ph type="title"/>
+          </p:nvPr>
         </p:nvSpPr>
-        <p:spPr bwMode="auto">
+        <p:spPr>
           <a:xfrm>
-            <a:off x="1447800" y="381000"/>
+            <a:off x="1295400" y="228600"/>
             <a:ext cx="6553200" cy="838200"/>
           </a:xfrm>
-          <a:prstGeom prst="rect">
-            <a:avLst/>
-          </a:prstGeom>
           <a:noFill/>
-          <a:ln w="9525">
-            <a:noFill/>
-            <a:miter lim="800000"/>
-            <a:headEnd/>
-            <a:tailEnd/>
-          </a:ln>
         </p:spPr>
         <p:txBody>
-          <a:bodyPr vert="horz" wrap="square" lIns="91440" tIns="45720" rIns="91440" bIns="45720" numCol="1" anchor="ctr" anchorCtr="0" compatLnSpc="1">
-            <a:prstTxWarp prst="textNoShape">
-              <a:avLst/>
-            </a:prstTxWarp>
-          </a:bodyPr>
-          <a:lstStyle>
-            <a:lvl1pPr algn="ctr" rtl="0" eaLnBrk="0" fontAlgn="base" hangingPunct="0">
-              <a:spcBef>
-                <a:spcPct val="0"/>
-              </a:spcBef>
-              <a:spcAft>
-                <a:spcPct val="0"/>
-              </a:spcAft>
-              <a:defRPr sz="3200" b="1">
-                <a:solidFill>
-                  <a:schemeClr val="tx2"/>
-                </a:solidFill>
-                <a:latin typeface="+mj-lt"/>
-                <a:ea typeface="+mj-ea"/>
-                <a:cs typeface="+mj-cs"/>
-              </a:defRPr>
-            </a:lvl1pPr>
-            <a:lvl2pPr algn="ctr" rtl="0" eaLnBrk="0" fontAlgn="base" hangingPunct="0">
-              <a:spcBef>
-                <a:spcPct val="0"/>
-              </a:spcBef>
-              <a:spcAft>
-                <a:spcPct val="0"/>
-              </a:spcAft>
-              <a:defRPr sz="3600" b="1">
-                <a:solidFill>
-                  <a:schemeClr val="tx2"/>
-                </a:solidFill>
-                <a:latin typeface="Comic Sans MS" pitchFamily="66" charset="0"/>
-              </a:defRPr>
-            </a:lvl2pPr>
-            <a:lvl3pPr algn="ctr" rtl="0" eaLnBrk="0" fontAlgn="base" hangingPunct="0">
-              <a:spcBef>
-                <a:spcPct val="0"/>
-              </a:spcBef>
-              <a:spcAft>
-                <a:spcPct val="0"/>
-              </a:spcAft>
-              <a:defRPr sz="3600" b="1">
-                <a:solidFill>
-                  <a:schemeClr val="tx2"/>
-                </a:solidFill>
-                <a:latin typeface="Comic Sans MS" pitchFamily="66" charset="0"/>
-              </a:defRPr>
-            </a:lvl3pPr>
-            <a:lvl4pPr algn="ctr" rtl="0" eaLnBrk="0" fontAlgn="base" hangingPunct="0">
-              <a:spcBef>
-                <a:spcPct val="0"/>
-              </a:spcBef>
-              <a:spcAft>
-                <a:spcPct val="0"/>
-              </a:spcAft>
-              <a:defRPr sz="3600" b="1">
-                <a:solidFill>
-                  <a:schemeClr val="tx2"/>
-                </a:solidFill>
-                <a:latin typeface="Comic Sans MS" pitchFamily="66" charset="0"/>
-              </a:defRPr>
-            </a:lvl4pPr>
-            <a:lvl5pPr algn="ctr" rtl="0" eaLnBrk="0" fontAlgn="base" hangingPunct="0">
-              <a:spcBef>
-                <a:spcPct val="0"/>
-              </a:spcBef>
-              <a:spcAft>
-                <a:spcPct val="0"/>
-              </a:spcAft>
-              <a:defRPr sz="3600" b="1">
-                <a:solidFill>
-                  <a:schemeClr val="tx2"/>
-                </a:solidFill>
-                <a:latin typeface="Comic Sans MS" pitchFamily="66" charset="0"/>
-              </a:defRPr>
-            </a:lvl5pPr>
-            <a:lvl6pPr marL="457200" algn="ctr" rtl="0" fontAlgn="base">
-              <a:spcBef>
-                <a:spcPct val="0"/>
-              </a:spcBef>
-              <a:spcAft>
-                <a:spcPct val="0"/>
-              </a:spcAft>
-              <a:defRPr sz="3600" b="1">
-                <a:solidFill>
-                  <a:schemeClr val="tx2"/>
-                </a:solidFill>
-                <a:latin typeface="Comic Sans MS" pitchFamily="66" charset="0"/>
-              </a:defRPr>
-            </a:lvl6pPr>
-            <a:lvl7pPr marL="914400" algn="ctr" rtl="0" fontAlgn="base">
-              <a:spcBef>
-                <a:spcPct val="0"/>
-              </a:spcBef>
-              <a:spcAft>
-                <a:spcPct val="0"/>
-              </a:spcAft>
-              <a:defRPr sz="3600" b="1">
-                <a:solidFill>
-                  <a:schemeClr val="tx2"/>
-                </a:solidFill>
-                <a:latin typeface="Comic Sans MS" pitchFamily="66" charset="0"/>
-              </a:defRPr>
-            </a:lvl7pPr>
-            <a:lvl8pPr marL="1371600" algn="ctr" rtl="0" fontAlgn="base">
-              <a:spcBef>
-                <a:spcPct val="0"/>
-              </a:spcBef>
-              <a:spcAft>
-                <a:spcPct val="0"/>
-              </a:spcAft>
-              <a:defRPr sz="3600" b="1">
-                <a:solidFill>
-                  <a:schemeClr val="tx2"/>
-                </a:solidFill>
-                <a:latin typeface="Comic Sans MS" pitchFamily="66" charset="0"/>
-              </a:defRPr>
-            </a:lvl8pPr>
-            <a:lvl9pPr marL="1828800" algn="ctr" rtl="0" fontAlgn="base">
-              <a:spcBef>
-                <a:spcPct val="0"/>
-              </a:spcBef>
-              <a:spcAft>
-                <a:spcPct val="0"/>
-              </a:spcAft>
-              <a:defRPr sz="3600" b="1">
-                <a:solidFill>
-                  <a:schemeClr val="tx2"/>
-                </a:solidFill>
-                <a:latin typeface="Comic Sans MS" pitchFamily="66" charset="0"/>
-              </a:defRPr>
-            </a:lvl9pPr>
-          </a:lstStyle>
+          <a:bodyPr/>
+          <a:lstStyle/>
           <a:p>
             <a:pPr eaLnBrk="1" hangingPunct="1"/>
             <a:r>
-              <a:rPr lang="en-US" sz="4000" smtClean="0">
+              <a:rPr lang="en-US" sz="4000" dirty="0" smtClean="0">
                 <a:solidFill>
                   <a:schemeClr val="tx1"/>
                 </a:solidFill>
               </a:rPr>
               <a:t>99% accurate TB testing</a:t>
             </a:r>
-            <a:endParaRPr lang="en-US" sz="4000" dirty="0" smtClean="0">
-              <a:solidFill>
-                <a:schemeClr val="tx1"/>
-              </a:solidFill>
-            </a:endParaRPr>
           </a:p>
         </p:txBody>
       </p:sp>
@@ -15346,13 +16096,13 @@
   <p:clrMapOvr>
     <a:masterClrMapping/>
   </p:clrMapOvr>
-  <mc:AlternateContent xmlns:mc="http://schemas.openxmlformats.org/markup-compatibility/2006">
-    <mc:Choice xmlns:p14="http://schemas.microsoft.com/office/powerpoint/2010/main" Requires="p14">
+  <mc:AlternateContent xmlns:mc="http://schemas.openxmlformats.org/markup-compatibility/2006" xmlns:p14="http://schemas.microsoft.com/office/powerpoint/2010/main">
+    <mc:Choice Requires="p14">
       <p:transition spd="slow" p14:dur="800" advClick="0">
         <p:fade/>
       </p:transition>
     </mc:Choice>
-    <mc:Fallback>
+    <mc:Fallback xmlns="">
       <p:transition xmlns:p14="http://schemas.microsoft.com/office/powerpoint/2010/main" spd="slow" advClick="0">
         <p:fade/>
       </p:transition>
@@ -16337,7 +17087,7 @@
           <a:graphicData uri="http://schemas.openxmlformats.org/presentationml/2006/ole">
             <mc:AlternateContent xmlns:mc="http://schemas.openxmlformats.org/markup-compatibility/2006">
               <mc:Choice xmlns:v="urn:schemas-microsoft-com:vml" Requires="v">
-                <p:oleObj spid="_x0000_s366615" name="Equation" r:id="rId4" imgW="1752600" imgH="241300" progId="Equation.DSMT4">
+                <p:oleObj spid="_x0000_s366621" name="Equation" r:id="rId4" imgW="1752600" imgH="241300" progId="Equation.DSMT4">
                   <p:embed/>
                 </p:oleObj>
               </mc:Choice>
@@ -16864,7 +17614,7 @@
           <a:graphicData uri="http://schemas.openxmlformats.org/presentationml/2006/ole">
             <mc:AlternateContent xmlns:mc="http://schemas.openxmlformats.org/markup-compatibility/2006">
               <mc:Choice xmlns:v="urn:schemas-microsoft-com:vml" Requires="v">
-                <p:oleObj spid="_x0000_s371743" name="Equation" r:id="rId4" imgW="1016000" imgH="241300" progId="Equation.DSMT4">
+                <p:oleObj spid="_x0000_s371755" name="Equation" r:id="rId4" imgW="1016000" imgH="241300" progId="Equation.DSMT4">
                   <p:embed/>
                 </p:oleObj>
               </mc:Choice>
@@ -16921,7 +17671,7 @@
           <a:graphicData uri="http://schemas.openxmlformats.org/presentationml/2006/ole">
             <mc:AlternateContent xmlns:mc="http://schemas.openxmlformats.org/markup-compatibility/2006">
               <mc:Choice xmlns:v="urn:schemas-microsoft-com:vml" Requires="v">
-                <p:oleObj spid="_x0000_s371744" name="Equation" r:id="rId6" imgW="1473200" imgH="469900" progId="Equation.DSMT4">
+                <p:oleObj spid="_x0000_s371756" name="Equation" r:id="rId6" imgW="1473200" imgH="469900" progId="Equation.DSMT4">
                   <p:embed/>
                 </p:oleObj>
               </mc:Choice>
@@ -17039,9 +17789,18 @@
   <p:clrMapOvr>
     <a:masterClrMapping/>
   </p:clrMapOvr>
-  <p:transition xmlns:p14="http://schemas.microsoft.com/office/powerpoint/2010/main" spd="slow" advClick="0">
-    <p:fade thruBlk="1"/>
-  </p:transition>
+  <mc:AlternateContent xmlns:mc="http://schemas.openxmlformats.org/markup-compatibility/2006" xmlns:p14="http://schemas.microsoft.com/office/powerpoint/2010/main">
+    <mc:Choice Requires="p14">
+      <p:transition spd="med" p14:dur="700" advClick="0">
+        <p:fade/>
+      </p:transition>
+    </mc:Choice>
+    <mc:Fallback xmlns="">
+      <p:transition xmlns:p14="http://schemas.microsoft.com/office/powerpoint/2010/main" spd="med" advClick="0">
+        <p:fade/>
+      </p:transition>
+    </mc:Fallback>
+  </mc:AlternateContent>
   <p:timing>
     <p:tnLst>
       <p:par>
@@ -17076,7 +17835,7 @@
                                           </p:stCondLst>
                                         </p:cTn>
                                         <p:tgtEl>
-                                          <p:spTgt spid="11"/>
+                                          <p:spTgt spid="12"/>
                                         </p:tgtEl>
                                         <p:attrNameLst>
                                           <p:attrName>style.visibility</p:attrName>
@@ -17090,7 +17849,7 @@
                                       <p:cBhvr>
                                         <p:cTn id="7" dur="1000"/>
                                         <p:tgtEl>
-                                          <p:spTgt spid="11"/>
+                                          <p:spTgt spid="12"/>
                                         </p:tgtEl>
                                       </p:cBhvr>
                                     </p:animEffect>
@@ -17116,7 +17875,7 @@
                             </p:stCondLst>
                             <p:childTnLst>
                               <p:par>
-                                <p:cTn id="10" presetID="22" presetClass="entr" presetSubtype="8" fill="hold" nodeType="clickEffect">
+                                <p:cTn id="10" presetID="10" presetClass="entr" presetSubtype="0" fill="hold" grpId="0" nodeType="clickEffect">
                                   <p:stCondLst>
                                     <p:cond delay="0"/>
                                   </p:stCondLst>
@@ -17129,7 +17888,7 @@
                                           </p:stCondLst>
                                         </p:cTn>
                                         <p:tgtEl>
-                                          <p:spTgt spid="12"/>
+                                          <p:spTgt spid="2"/>
                                         </p:tgtEl>
                                         <p:attrNameLst>
                                           <p:attrName>style.visibility</p:attrName>
@@ -17139,11 +17898,11 @@
                                         <p:strVal val="visible"/>
                                       </p:to>
                                     </p:set>
-                                    <p:animEffect transition="in" filter="wipe(left)">
+                                    <p:animEffect transition="in" filter="fade">
                                       <p:cBhvr>
-                                        <p:cTn id="12" dur="1000"/>
+                                        <p:cTn id="12" dur="500"/>
                                         <p:tgtEl>
-                                          <p:spTgt spid="12"/>
+                                          <p:spTgt spid="2"/>
                                         </p:tgtEl>
                                       </p:cBhvr>
                                     </p:animEffect>
@@ -17177,6 +17936,9 @@
         </p:cTn>
       </p:par>
     </p:tnLst>
+    <p:bldLst>
+      <p:bldP spid="2" grpId="0"/>
+    </p:bldLst>
   </p:timing>
 </p:sld>
 </file>
@@ -17417,25 +18179,25 @@
           <p:nvPr>
             <p:extLst>
               <p:ext uri="{D42A27DB-BD31-4B8C-83A1-F6EECF244321}">
-                <p14:modId xmlns:p14="http://schemas.microsoft.com/office/powerpoint/2010/main" val="881170680"/>
+                <p14:modId xmlns:p14="http://schemas.microsoft.com/office/powerpoint/2010/main" val="3254407601"/>
               </p:ext>
             </p:extLst>
           </p:nvPr>
         </p:nvGraphicFramePr>
         <p:xfrm>
-          <a:off x="318143" y="1129339"/>
-          <a:ext cx="7635848" cy="2182631"/>
+          <a:off x="4466789" y="940895"/>
+          <a:ext cx="4041775" cy="2182812"/>
         </p:xfrm>
         <a:graphic>
           <a:graphicData uri="http://schemas.openxmlformats.org/presentationml/2006/ole">
             <mc:AlternateContent xmlns:mc="http://schemas.openxmlformats.org/markup-compatibility/2006">
               <mc:Choice xmlns:v="urn:schemas-microsoft-com:vml" Requires="v">
-                <p:oleObj spid="_x0000_s358452" name="Equation" r:id="rId4" imgW="1727200" imgH="495300" progId="Equation.DSMT4">
+                <p:oleObj spid="_x0000_s358470" name="Equation" r:id="rId4" imgW="914400" imgH="495300" progId="Equation.DSMT4">
                   <p:embed/>
                 </p:oleObj>
               </mc:Choice>
               <mc:Fallback>
-                <p:oleObj name="Equation" r:id="rId4" imgW="1727200" imgH="495300" progId="Equation.DSMT4">
+                <p:oleObj name="Equation" r:id="rId4" imgW="914400" imgH="495300" progId="Equation.DSMT4">
                   <p:embed/>
                   <p:pic>
                     <p:nvPicPr>
@@ -17451,8 +18213,8 @@
                     </p:blipFill>
                     <p:spPr>
                       <a:xfrm>
-                        <a:off x="318143" y="1129339"/>
-                        <a:ext cx="7635848" cy="2182631"/>
+                        <a:off x="4466789" y="940895"/>
+                        <a:ext cx="4041775" cy="2182812"/>
                       </a:xfrm>
                       <a:prstGeom prst="rect">
                         <a:avLst/>
@@ -17507,7 +18269,7 @@
           <p:nvPr>
             <p:extLst>
               <p:ext uri="{D42A27DB-BD31-4B8C-83A1-F6EECF244321}">
-                <p14:modId xmlns:p14="http://schemas.microsoft.com/office/powerpoint/2010/main" val="2919022343"/>
+                <p14:modId xmlns:p14="http://schemas.microsoft.com/office/powerpoint/2010/main" val="2714334227"/>
               </p:ext>
             </p:extLst>
           </p:nvPr>
@@ -17520,7 +18282,7 @@
           <a:graphicData uri="http://schemas.openxmlformats.org/presentationml/2006/ole">
             <mc:AlternateContent xmlns:mc="http://schemas.openxmlformats.org/markup-compatibility/2006">
               <mc:Choice xmlns:v="urn:schemas-microsoft-com:vml" Requires="v">
-                <p:oleObj spid="_x0000_s358453" name="Equation" r:id="rId6" imgW="1422400" imgH="495300" progId="Equation.DSMT4">
+                <p:oleObj spid="_x0000_s358471" name="Equation" r:id="rId6" imgW="1422400" imgH="495300" progId="Equation.DSMT4">
                   <p:embed/>
                 </p:oleObj>
               </mc:Choice>
@@ -17708,6 +18470,63 @@
           </a:p>
         </p:txBody>
       </p:sp>
+      <p:graphicFrame>
+        <p:nvGraphicFramePr>
+          <p:cNvPr id="12" name="Object 11"/>
+          <p:cNvGraphicFramePr>
+            <a:graphicFrameLocks noChangeAspect="1"/>
+          </p:cNvGraphicFramePr>
+          <p:nvPr>
+            <p:extLst>
+              <p:ext uri="{D42A27DB-BD31-4B8C-83A1-F6EECF244321}">
+                <p14:modId xmlns:p14="http://schemas.microsoft.com/office/powerpoint/2010/main" val="2813069455"/>
+              </p:ext>
+            </p:extLst>
+          </p:nvPr>
+        </p:nvGraphicFramePr>
+        <p:xfrm>
+          <a:off x="762879" y="1501774"/>
+          <a:ext cx="3649662" cy="1008062"/>
+        </p:xfrm>
+        <a:graphic>
+          <a:graphicData uri="http://schemas.openxmlformats.org/presentationml/2006/ole">
+            <mc:AlternateContent xmlns:mc="http://schemas.openxmlformats.org/markup-compatibility/2006">
+              <mc:Choice xmlns:v="urn:schemas-microsoft-com:vml" Requires="v">
+                <p:oleObj spid="_x0000_s358472" name="Equation" r:id="rId8" imgW="825500" imgH="228600" progId="Equation.DSMT4">
+                  <p:embed/>
+                </p:oleObj>
+              </mc:Choice>
+              <mc:Fallback>
+                <p:oleObj name="Equation" r:id="rId8" imgW="825500" imgH="228600" progId="Equation.DSMT4">
+                  <p:embed/>
+                  <p:pic>
+                    <p:nvPicPr>
+                      <p:cNvPr id="0" name=""/>
+                      <p:cNvPicPr/>
+                      <p:nvPr/>
+                    </p:nvPicPr>
+                    <p:blipFill>
+                      <a:blip r:embed="rId9"/>
+                      <a:stretch>
+                        <a:fillRect/>
+                      </a:stretch>
+                    </p:blipFill>
+                    <p:spPr>
+                      <a:xfrm>
+                        <a:off x="762879" y="1501774"/>
+                        <a:ext cx="3649662" cy="1008062"/>
+                      </a:xfrm>
+                      <a:prstGeom prst="rect">
+                        <a:avLst/>
+                      </a:prstGeom>
+                    </p:spPr>
+                  </p:pic>
+                </p:oleObj>
+              </mc:Fallback>
+            </mc:AlternateContent>
+          </a:graphicData>
+        </a:graphic>
+      </p:graphicFrame>
     </p:spTree>
     <p:extLst>
       <p:ext uri="{BB962C8B-B14F-4D97-AF65-F5344CB8AC3E}">
@@ -17742,7 +18561,7 @@
                             </p:stCondLst>
                             <p:childTnLst>
                               <p:par>
-                                <p:cTn id="5" presetID="10" presetClass="entr" presetSubtype="0" fill="hold" grpId="0" nodeType="clickEffect">
+                                <p:cTn id="5" presetID="22" presetClass="entr" presetSubtype="1" fill="hold" nodeType="clickEffect">
                                   <p:stCondLst>
                                     <p:cond delay="0"/>
                                   </p:stCondLst>
@@ -17755,7 +18574,7 @@
                                           </p:stCondLst>
                                         </p:cTn>
                                         <p:tgtEl>
-                                          <p:spTgt spid="6"/>
+                                          <p:spTgt spid="8"/>
                                         </p:tgtEl>
                                         <p:attrNameLst>
                                           <p:attrName>style.visibility</p:attrName>
@@ -17765,11 +18584,11 @@
                                         <p:strVal val="visible"/>
                                       </p:to>
                                     </p:set>
-                                    <p:animEffect transition="in" filter="fade">
+                                    <p:animEffect transition="in" filter="wipe(up)">
                                       <p:cBhvr>
-                                        <p:cTn id="7" dur="500"/>
+                                        <p:cTn id="7" dur="1000"/>
                                         <p:tgtEl>
-                                          <p:spTgt spid="6"/>
+                                          <p:spTgt spid="8"/>
                                         </p:tgtEl>
                                       </p:cBhvr>
                                     </p:animEffect>
@@ -17795,7 +18614,7 @@
                             </p:stCondLst>
                             <p:childTnLst>
                               <p:par>
-                                <p:cTn id="10" presetID="22" presetClass="entr" presetSubtype="8" fill="hold" nodeType="clickEffect">
+                                <p:cTn id="10" presetID="22" presetClass="entr" presetSubtype="1" fill="hold" nodeType="clickEffect">
                                   <p:stCondLst>
                                     <p:cond delay="0"/>
                                   </p:stCondLst>
@@ -17803,6 +18622,103 @@
                                     <p:set>
                                       <p:cBhvr>
                                         <p:cTn id="11" dur="1" fill="hold">
+                                          <p:stCondLst>
+                                            <p:cond delay="0"/>
+                                          </p:stCondLst>
+                                        </p:cTn>
+                                        <p:tgtEl>
+                                          <p:spTgt spid="9"/>
+                                        </p:tgtEl>
+                                        <p:attrNameLst>
+                                          <p:attrName>style.visibility</p:attrName>
+                                        </p:attrNameLst>
+                                      </p:cBhvr>
+                                      <p:to>
+                                        <p:strVal val="visible"/>
+                                      </p:to>
+                                    </p:set>
+                                    <p:animEffect transition="in" filter="wipe(up)">
+                                      <p:cBhvr>
+                                        <p:cTn id="12" dur="1000"/>
+                                        <p:tgtEl>
+                                          <p:spTgt spid="9"/>
+                                        </p:tgtEl>
+                                      </p:cBhvr>
+                                    </p:animEffect>
+                                  </p:childTnLst>
+                                </p:cTn>
+                              </p:par>
+                            </p:childTnLst>
+                          </p:cTn>
+                        </p:par>
+                      </p:childTnLst>
+                    </p:cTn>
+                  </p:par>
+                  <p:par>
+                    <p:cTn id="13" fill="hold">
+                      <p:stCondLst>
+                        <p:cond delay="indefinite"/>
+                      </p:stCondLst>
+                      <p:childTnLst>
+                        <p:par>
+                          <p:cTn id="14" fill="hold">
+                            <p:stCondLst>
+                              <p:cond delay="0"/>
+                            </p:stCondLst>
+                            <p:childTnLst>
+                              <p:par>
+                                <p:cTn id="15" presetID="10" presetClass="entr" presetSubtype="0" fill="hold" grpId="0" nodeType="clickEffect">
+                                  <p:stCondLst>
+                                    <p:cond delay="0"/>
+                                  </p:stCondLst>
+                                  <p:childTnLst>
+                                    <p:set>
+                                      <p:cBhvr>
+                                        <p:cTn id="16" dur="1" fill="hold">
+                                          <p:stCondLst>
+                                            <p:cond delay="0"/>
+                                          </p:stCondLst>
+                                        </p:cTn>
+                                        <p:tgtEl>
+                                          <p:spTgt spid="6"/>
+                                        </p:tgtEl>
+                                        <p:attrNameLst>
+                                          <p:attrName>style.visibility</p:attrName>
+                                        </p:attrNameLst>
+                                      </p:cBhvr>
+                                      <p:to>
+                                        <p:strVal val="visible"/>
+                                      </p:to>
+                                    </p:set>
+                                    <p:animEffect transition="in" filter="fade">
+                                      <p:cBhvr>
+                                        <p:cTn id="17" dur="500"/>
+                                        <p:tgtEl>
+                                          <p:spTgt spid="6"/>
+                                        </p:tgtEl>
+                                      </p:cBhvr>
+                                    </p:animEffect>
+                                  </p:childTnLst>
+                                </p:cTn>
+                              </p:par>
+                            </p:childTnLst>
+                          </p:cTn>
+                        </p:par>
+                        <p:par>
+                          <p:cTn id="18" fill="hold">
+                            <p:stCondLst>
+                              <p:cond delay="500"/>
+                            </p:stCondLst>
+                            <p:childTnLst>
+                              <p:par>
+                                <p:cTn id="19" presetID="22" presetClass="entr" presetSubtype="8" fill="hold" nodeType="afterEffect">
+                                  <p:stCondLst>
+                                    <p:cond delay="0"/>
+                                  </p:stCondLst>
+                                  <p:childTnLst>
+                                    <p:set>
+                                      <p:cBhvr>
+                                        <p:cTn id="20" dur="1" fill="hold">
                                           <p:stCondLst>
                                             <p:cond delay="0"/>
                                           </p:stCondLst>
@@ -17820,7 +18736,7 @@
                                     </p:set>
                                     <p:animEffect transition="in" filter="wipe(left)">
                                       <p:cBhvr>
-                                        <p:cTn id="12" dur="500"/>
+                                        <p:cTn id="21" dur="500"/>
                                         <p:tgtEl>
                                           <p:spTgt spid="5"/>
                                         </p:tgtEl>
